--- a/Introduction/课堂展示/设计阶段/设计说明.pptx
+++ b/Introduction/课堂展示/设计阶段/设计说明.pptx
@@ -3,30 +3,30 @@
 <p:presentation xmlns:a="http://schemas.openxmlformats.org/drawingml/2006/main" xmlns:r="http://schemas.openxmlformats.org/officeDocument/2006/relationships" xmlns:p="http://schemas.openxmlformats.org/presentationml/2006/main">
   <p:sldMasterIdLst>
     <p:sldMasterId id="2147483648" r:id="rId1"/>
-    <p:sldMasterId id="2147483660" r:id="rId3"/>
+    <p:sldMasterId id="2147483660" r:id="rId2"/>
   </p:sldMasterIdLst>
   <p:notesMasterIdLst>
-    <p:notesMasterId r:id="rId22"/>
+    <p:notesMasterId r:id="rId21"/>
   </p:notesMasterIdLst>
   <p:sldIdLst>
-    <p:sldId id="256" r:id="rId4"/>
-    <p:sldId id="257" r:id="rId5"/>
-    <p:sldId id="258" r:id="rId6"/>
-    <p:sldId id="301" r:id="rId7"/>
-    <p:sldId id="302" r:id="rId8"/>
-    <p:sldId id="259" r:id="rId9"/>
-    <p:sldId id="285" r:id="rId10"/>
-    <p:sldId id="298" r:id="rId11"/>
-    <p:sldId id="299" r:id="rId12"/>
-    <p:sldId id="300" r:id="rId13"/>
-    <p:sldId id="286" r:id="rId14"/>
-    <p:sldId id="291" r:id="rId15"/>
-    <p:sldId id="287" r:id="rId16"/>
-    <p:sldId id="288" r:id="rId17"/>
-    <p:sldId id="283" r:id="rId18"/>
-    <p:sldId id="289" r:id="rId19"/>
-    <p:sldId id="290" r:id="rId20"/>
-    <p:sldId id="263" r:id="rId21"/>
+    <p:sldId id="256" r:id="rId3"/>
+    <p:sldId id="257" r:id="rId4"/>
+    <p:sldId id="258" r:id="rId5"/>
+    <p:sldId id="301" r:id="rId6"/>
+    <p:sldId id="302" r:id="rId7"/>
+    <p:sldId id="259" r:id="rId8"/>
+    <p:sldId id="285" r:id="rId9"/>
+    <p:sldId id="298" r:id="rId10"/>
+    <p:sldId id="299" r:id="rId11"/>
+    <p:sldId id="300" r:id="rId12"/>
+    <p:sldId id="286" r:id="rId13"/>
+    <p:sldId id="291" r:id="rId14"/>
+    <p:sldId id="287" r:id="rId15"/>
+    <p:sldId id="288" r:id="rId16"/>
+    <p:sldId id="283" r:id="rId17"/>
+    <p:sldId id="289" r:id="rId18"/>
+    <p:sldId id="290" r:id="rId19"/>
+    <p:sldId id="263" r:id="rId20"/>
   </p:sldIdLst>
   <p:sldSz cx="12192000" cy="6858000"/>
   <p:notesSz cx="6858000" cy="9144000"/>
@@ -125,11 +125,20 @@
       </a:defRPr>
     </a:lvl9pPr>
   </p:defaultTextStyle>
+  <p:extLst>
+    <p:ext uri="{EFAFB233-063F-42B5-8137-9DF3F51BA10A}">
+      <p15:sldGuideLst xmlns:p15="http://schemas.microsoft.com/office/powerpoint/2012/main"/>
+    </p:ext>
+  </p:extLst>
 </p:presentation>
 </file>
 
+<file path=ppt/revisionInfo.xml><?xml version="1.0" encoding="utf-8"?>
+<p1510:revInfo xmlns:a="http://schemas.openxmlformats.org/drawingml/2006/main" xmlns:r="http://schemas.openxmlformats.org/officeDocument/2006/relationships" xmlns:p1510="http://schemas.microsoft.com/office/powerpoint/2015/10/main"/>
+</file>
+
 <file path=ppt/diagrams/colors1.xml><?xml version="1.0" encoding="utf-8"?>
-<dgm:colorsDef xmlns:dgm="http://schemas.openxmlformats.org/drawingml/2006/diagram" xmlns:a="http://schemas.openxmlformats.org/drawingml/2006/main" uniqueId="urn:microsoft.com/office/officeart/2005/8/colors/accent1_2">
+<dgm:colorsDef xmlns:dgm="http://schemas.openxmlformats.org/drawingml/2006/diagram" xmlns:a="http://schemas.openxmlformats.org/drawingml/2006/main" uniqueId="urn:microsoft.com/office/officeart/2005/8/colors/accent1_2#3">
   <dgm:title val=""/>
   <dgm:desc val=""/>
   <dgm:catLst>
@@ -876,7 +885,7 @@
 </file>
 
 <file path=ppt/diagrams/colors2.xml><?xml version="1.0" encoding="utf-8"?>
-<dgm:colorsDef xmlns:dgm="http://schemas.openxmlformats.org/drawingml/2006/diagram" xmlns:a="http://schemas.openxmlformats.org/drawingml/2006/main" uniqueId="urn:microsoft.com/office/officeart/2005/8/colors/accent0_1">
+<dgm:colorsDef xmlns:dgm="http://schemas.openxmlformats.org/drawingml/2006/diagram" xmlns:a="http://schemas.openxmlformats.org/drawingml/2006/main" uniqueId="urn:microsoft.com/office/officeart/2005/8/colors/accent0_1#5">
   <dgm:title val=""/>
   <dgm:desc val=""/>
   <dgm:catLst>
@@ -1683,7 +1692,7 @@
 </file>
 
 <file path=ppt/diagrams/colors3.xml><?xml version="1.0" encoding="utf-8"?>
-<dgm:colorsDef xmlns:dgm="http://schemas.openxmlformats.org/drawingml/2006/diagram" xmlns:a="http://schemas.openxmlformats.org/drawingml/2006/main" uniqueId="urn:microsoft.com/office/officeart/2005/8/colors/accent0_1">
+<dgm:colorsDef xmlns:dgm="http://schemas.openxmlformats.org/drawingml/2006/diagram" xmlns:a="http://schemas.openxmlformats.org/drawingml/2006/main" uniqueId="urn:microsoft.com/office/officeart/2005/8/colors/accent0_1#6">
   <dgm:title val=""/>
   <dgm:desc val=""/>
   <dgm:catLst>
@@ -2493,7 +2502,7 @@
 <dgm:dataModel xmlns:dgm="http://schemas.openxmlformats.org/drawingml/2006/diagram" xmlns:a="http://schemas.openxmlformats.org/drawingml/2006/main">
   <dgm:ptLst>
     <dgm:pt modelId="{619C0411-9624-4174-94CD-4D0372F0E74B}" type="doc">
-      <dgm:prSet loTypeId="urn:microsoft.com/office/officeart/2008/layout/VerticalCurvedList" loCatId="list" qsTypeId="urn:microsoft.com/office/officeart/2005/8/quickstyle/simple1" qsCatId="simple" csTypeId="urn:microsoft.com/office/officeart/2005/8/colors/accent1_2" csCatId="accent1" phldr="1"/>
+      <dgm:prSet loTypeId="urn:microsoft.com/office/officeart/2008/layout/VerticalCurvedList#1" loCatId="list" qsTypeId="urn:microsoft.com/office/officeart/2005/8/quickstyle/simple1#7" qsCatId="simple" csTypeId="urn:microsoft.com/office/officeart/2005/8/colors/accent1_2#3" csCatId="accent1" phldr="1"/>
       <dgm:spPr/>
       <dgm:t>
         <a:bodyPr/>
@@ -2521,7 +2530,7 @@
         </a:p>
       </dgm:t>
     </dgm:pt>
-    <dgm:pt modelId="{19E72A7A-9446-45F9-B880-5172F8BAF152}" cxnId="{EB485DEB-A5A0-4A94-BAD3-0152303E01FE}" type="parTrans">
+    <dgm:pt modelId="{19E72A7A-9446-45F9-B880-5172F8BAF152}" type="parTrans" cxnId="{EB485DEB-A5A0-4A94-BAD3-0152303E01FE}">
       <dgm:prSet/>
       <dgm:spPr/>
       <dgm:t>
@@ -2532,7 +2541,7 @@
         </a:p>
       </dgm:t>
     </dgm:pt>
-    <dgm:pt modelId="{65795CF1-6CAA-466C-9B2F-6D7846B8817A}" cxnId="{EB485DEB-A5A0-4A94-BAD3-0152303E01FE}" type="sibTrans">
+    <dgm:pt modelId="{65795CF1-6CAA-466C-9B2F-6D7846B8817A}" type="sibTrans" cxnId="{EB485DEB-A5A0-4A94-BAD3-0152303E01FE}">
       <dgm:prSet/>
       <dgm:spPr/>
       <dgm:t>
@@ -2569,7 +2578,7 @@
         </a:p>
       </dgm:t>
     </dgm:pt>
-    <dgm:pt modelId="{0439BF5A-7CBA-402E-88D1-23228B927BE7}" cxnId="{FA4FCDD5-C722-46FD-8202-D355FCAA37B8}" type="parTrans">
+    <dgm:pt modelId="{0439BF5A-7CBA-402E-88D1-23228B927BE7}" type="parTrans" cxnId="{FA4FCDD5-C722-46FD-8202-D355FCAA37B8}">
       <dgm:prSet/>
       <dgm:spPr/>
       <dgm:t>
@@ -2580,7 +2589,7 @@
         </a:p>
       </dgm:t>
     </dgm:pt>
-    <dgm:pt modelId="{AC163138-0195-4B9D-B749-55A8758FFAE3}" cxnId="{FA4FCDD5-C722-46FD-8202-D355FCAA37B8}" type="sibTrans">
+    <dgm:pt modelId="{AC163138-0195-4B9D-B749-55A8758FFAE3}" type="sibTrans" cxnId="{FA4FCDD5-C722-46FD-8202-D355FCAA37B8}">
       <dgm:prSet/>
       <dgm:spPr/>
       <dgm:t>
@@ -2626,7 +2635,7 @@
         </a:p>
       </dgm:t>
     </dgm:pt>
-    <dgm:pt modelId="{8B122D8E-BFA8-425B-8A33-BB3645316776}" cxnId="{F6EA3676-EC0E-4592-8B0C-32DE08929699}" type="parTrans">
+    <dgm:pt modelId="{8B122D8E-BFA8-425B-8A33-BB3645316776}" type="parTrans" cxnId="{F6EA3676-EC0E-4592-8B0C-32DE08929699}">
       <dgm:prSet/>
       <dgm:spPr/>
       <dgm:t>
@@ -2637,7 +2646,7 @@
         </a:p>
       </dgm:t>
     </dgm:pt>
-    <dgm:pt modelId="{F35CF5AE-0094-4919-B9D1-83B6120E1D79}" cxnId="{F6EA3676-EC0E-4592-8B0C-32DE08929699}" type="sibTrans">
+    <dgm:pt modelId="{F35CF5AE-0094-4919-B9D1-83B6120E1D79}" type="sibTrans" cxnId="{F6EA3676-EC0E-4592-8B0C-32DE08929699}">
       <dgm:prSet/>
       <dgm:spPr/>
       <dgm:t>
@@ -2674,7 +2683,7 @@
         </a:p>
       </dgm:t>
     </dgm:pt>
-    <dgm:pt modelId="{B81C3338-AD69-4744-917E-B2BAB8679A58}" cxnId="{ACC50E09-078A-496E-A3D5-A1D0A184A7EA}" type="parTrans">
+    <dgm:pt modelId="{B81C3338-AD69-4744-917E-B2BAB8679A58}" type="parTrans" cxnId="{ACC50E09-078A-496E-A3D5-A1D0A184A7EA}">
       <dgm:prSet/>
       <dgm:spPr/>
       <dgm:t>
@@ -2685,7 +2694,7 @@
         </a:p>
       </dgm:t>
     </dgm:pt>
-    <dgm:pt modelId="{116FB541-0A59-4479-9AE5-B6DDDCC8A2D8}" cxnId="{ACC50E09-078A-496E-A3D5-A1D0A184A7EA}" type="sibTrans">
+    <dgm:pt modelId="{116FB541-0A59-4479-9AE5-B6DDDCC8A2D8}" type="sibTrans" cxnId="{ACC50E09-078A-496E-A3D5-A1D0A184A7EA}">
       <dgm:prSet/>
       <dgm:spPr/>
       <dgm:t>
@@ -2714,7 +2723,7 @@
         </a:p>
       </dgm:t>
     </dgm:pt>
-    <dgm:pt modelId="{9EBC0515-C799-4156-9760-89B1B845BB09}" cxnId="{F2138070-019D-4858-A6F5-27800ED39F8D}" type="parTrans">
+    <dgm:pt modelId="{9EBC0515-C799-4156-9760-89B1B845BB09}" type="parTrans" cxnId="{F2138070-019D-4858-A6F5-27800ED39F8D}">
       <dgm:prSet/>
       <dgm:spPr/>
       <dgm:t>
@@ -2725,7 +2734,7 @@
         </a:p>
       </dgm:t>
     </dgm:pt>
-    <dgm:pt modelId="{F562DBE3-8558-4EDE-9430-DBE387C02B9D}" cxnId="{F2138070-019D-4858-A6F5-27800ED39F8D}" type="sibTrans">
+    <dgm:pt modelId="{F562DBE3-8558-4EDE-9430-DBE387C02B9D}" type="sibTrans" cxnId="{F2138070-019D-4858-A6F5-27800ED39F8D}">
       <dgm:prSet/>
       <dgm:spPr/>
       <dgm:t>
@@ -2853,44 +2862,44 @@
   </dgm:ptLst>
   <dgm:cxnLst>
     <dgm:cxn modelId="{ACC50E09-078A-496E-A3D5-A1D0A184A7EA}" srcId="{619C0411-9624-4174-94CD-4D0372F0E74B}" destId="{6291DAA0-2964-4EB8-A10E-090449566474}" srcOrd="3" destOrd="0" parTransId="{B81C3338-AD69-4744-917E-B2BAB8679A58}" sibTransId="{116FB541-0A59-4479-9AE5-B6DDDCC8A2D8}"/>
-    <dgm:cxn modelId="{3EFF2C29-C948-4381-A49C-CEB77D66D86C}" type="presOf" srcId="{619C0411-9624-4174-94CD-4D0372F0E74B}" destId="{C379D2C4-9BFE-4919-AF4F-D1E19BF56492}" srcOrd="0" destOrd="0" presId="urn:microsoft.com/office/officeart/2008/layout/VerticalCurvedList"/>
-    <dgm:cxn modelId="{6B56C342-89E6-4634-A644-3C9A602EF2EE}" type="presOf" srcId="{7851F293-AE0E-4DF2-81B4-FFA3973FBB57}" destId="{F0753860-1468-4FBF-8778-17F16D28A123}" srcOrd="0" destOrd="0" presId="urn:microsoft.com/office/officeart/2008/layout/VerticalCurvedList"/>
-    <dgm:cxn modelId="{5C28C96A-3BDD-40AF-BED3-B701445BF6CD}" type="presOf" srcId="{C9ECE7A3-70E8-4FC0-874C-C9DA9CFBE548}" destId="{A83EFA7C-77CD-42DE-A5F6-459C3809099A}" srcOrd="0" destOrd="0" presId="urn:microsoft.com/office/officeart/2008/layout/VerticalCurvedList"/>
+    <dgm:cxn modelId="{3EFF2C29-C948-4381-A49C-CEB77D66D86C}" type="presOf" srcId="{619C0411-9624-4174-94CD-4D0372F0E74B}" destId="{C379D2C4-9BFE-4919-AF4F-D1E19BF56492}" srcOrd="0" destOrd="0" presId="urn:microsoft.com/office/officeart/2008/layout/VerticalCurvedList#1"/>
+    <dgm:cxn modelId="{6B56C342-89E6-4634-A644-3C9A602EF2EE}" type="presOf" srcId="{7851F293-AE0E-4DF2-81B4-FFA3973FBB57}" destId="{F0753860-1468-4FBF-8778-17F16D28A123}" srcOrd="0" destOrd="0" presId="urn:microsoft.com/office/officeart/2008/layout/VerticalCurvedList#1"/>
+    <dgm:cxn modelId="{5C28C96A-3BDD-40AF-BED3-B701445BF6CD}" type="presOf" srcId="{C9ECE7A3-70E8-4FC0-874C-C9DA9CFBE548}" destId="{A83EFA7C-77CD-42DE-A5F6-459C3809099A}" srcOrd="0" destOrd="0" presId="urn:microsoft.com/office/officeart/2008/layout/VerticalCurvedList#1"/>
     <dgm:cxn modelId="{F2138070-019D-4858-A6F5-27800ED39F8D}" srcId="{619C0411-9624-4174-94CD-4D0372F0E74B}" destId="{7851F293-AE0E-4DF2-81B4-FFA3973FBB57}" srcOrd="1" destOrd="0" parTransId="{9EBC0515-C799-4156-9760-89B1B845BB09}" sibTransId="{F562DBE3-8558-4EDE-9430-DBE387C02B9D}"/>
     <dgm:cxn modelId="{F6EA3676-EC0E-4592-8B0C-32DE08929699}" srcId="{619C0411-9624-4174-94CD-4D0372F0E74B}" destId="{24097099-5371-4EBD-B761-6A0AD42ACA41}" srcOrd="2" destOrd="0" parTransId="{8B122D8E-BFA8-425B-8A33-BB3645316776}" sibTransId="{F35CF5AE-0094-4919-B9D1-83B6120E1D79}"/>
-    <dgm:cxn modelId="{131A2B89-D51A-474A-BE9F-16F10C9D73BD}" type="presOf" srcId="{24097099-5371-4EBD-B761-6A0AD42ACA41}" destId="{629036C4-078D-4941-A551-E47D1019BA1D}" srcOrd="0" destOrd="0" presId="urn:microsoft.com/office/officeart/2008/layout/VerticalCurvedList"/>
-    <dgm:cxn modelId="{55018FBE-0CB0-4883-83DD-E3F6781D0CEB}" type="presOf" srcId="{65795CF1-6CAA-466C-9B2F-6D7846B8817A}" destId="{60118C05-67CD-4909-AC45-353CC7B72868}" srcOrd="0" destOrd="0" presId="urn:microsoft.com/office/officeart/2008/layout/VerticalCurvedList"/>
-    <dgm:cxn modelId="{3F1E7BD2-53D9-48C1-AD7A-A447C6BF273B}" type="presOf" srcId="{310FD563-52CB-4B3A-9852-FEB5955C897E}" destId="{65A7D191-0B29-4988-AEC9-D96D2F1B34C7}" srcOrd="0" destOrd="0" presId="urn:microsoft.com/office/officeart/2008/layout/VerticalCurvedList"/>
+    <dgm:cxn modelId="{131A2B89-D51A-474A-BE9F-16F10C9D73BD}" type="presOf" srcId="{24097099-5371-4EBD-B761-6A0AD42ACA41}" destId="{629036C4-078D-4941-A551-E47D1019BA1D}" srcOrd="0" destOrd="0" presId="urn:microsoft.com/office/officeart/2008/layout/VerticalCurvedList#1"/>
+    <dgm:cxn modelId="{55018FBE-0CB0-4883-83DD-E3F6781D0CEB}" type="presOf" srcId="{65795CF1-6CAA-466C-9B2F-6D7846B8817A}" destId="{60118C05-67CD-4909-AC45-353CC7B72868}" srcOrd="0" destOrd="0" presId="urn:microsoft.com/office/officeart/2008/layout/VerticalCurvedList#1"/>
+    <dgm:cxn modelId="{3F1E7BD2-53D9-48C1-AD7A-A447C6BF273B}" type="presOf" srcId="{310FD563-52CB-4B3A-9852-FEB5955C897E}" destId="{65A7D191-0B29-4988-AEC9-D96D2F1B34C7}" srcOrd="0" destOrd="0" presId="urn:microsoft.com/office/officeart/2008/layout/VerticalCurvedList#1"/>
     <dgm:cxn modelId="{FA4FCDD5-C722-46FD-8202-D355FCAA37B8}" srcId="{619C0411-9624-4174-94CD-4D0372F0E74B}" destId="{C9ECE7A3-70E8-4FC0-874C-C9DA9CFBE548}" srcOrd="4" destOrd="0" parTransId="{0439BF5A-7CBA-402E-88D1-23228B927BE7}" sibTransId="{AC163138-0195-4B9D-B749-55A8758FFAE3}"/>
     <dgm:cxn modelId="{EB485DEB-A5A0-4A94-BAD3-0152303E01FE}" srcId="{619C0411-9624-4174-94CD-4D0372F0E74B}" destId="{310FD563-52CB-4B3A-9852-FEB5955C897E}" srcOrd="0" destOrd="0" parTransId="{19E72A7A-9446-45F9-B880-5172F8BAF152}" sibTransId="{65795CF1-6CAA-466C-9B2F-6D7846B8817A}"/>
-    <dgm:cxn modelId="{2E04B3FE-8E3D-4083-9672-05B4A3C962EC}" type="presOf" srcId="{6291DAA0-2964-4EB8-A10E-090449566474}" destId="{5800A0FC-3BB7-49C9-8C34-5DA92039A507}" srcOrd="0" destOrd="0" presId="urn:microsoft.com/office/officeart/2008/layout/VerticalCurvedList"/>
-    <dgm:cxn modelId="{5C8B25B9-CF2B-4778-A4BF-C70A7C3619D3}" type="presParOf" srcId="{C379D2C4-9BFE-4919-AF4F-D1E19BF56492}" destId="{681278B4-7716-44F3-A583-E5B2B6C3065E}" srcOrd="0" destOrd="0" presId="urn:microsoft.com/office/officeart/2008/layout/VerticalCurvedList"/>
-    <dgm:cxn modelId="{F87770AA-5878-4576-91FD-E5E88F47BBC1}" type="presParOf" srcId="{681278B4-7716-44F3-A583-E5B2B6C3065E}" destId="{601FA589-FF71-4288-958A-BC4882467952}" srcOrd="0" destOrd="0" presId="urn:microsoft.com/office/officeart/2008/layout/VerticalCurvedList"/>
-    <dgm:cxn modelId="{E8DC932D-4805-4FBA-BBC1-9E55E310C149}" type="presParOf" srcId="{601FA589-FF71-4288-958A-BC4882467952}" destId="{7C7FC797-6476-4F51-84E1-1F33AE3D2B2F}" srcOrd="0" destOrd="0" presId="urn:microsoft.com/office/officeart/2008/layout/VerticalCurvedList"/>
-    <dgm:cxn modelId="{73298D4E-4F04-444F-AAE4-938E08A080E7}" type="presParOf" srcId="{601FA589-FF71-4288-958A-BC4882467952}" destId="{60118C05-67CD-4909-AC45-353CC7B72868}" srcOrd="1" destOrd="0" presId="urn:microsoft.com/office/officeart/2008/layout/VerticalCurvedList"/>
-    <dgm:cxn modelId="{33A995A6-96E1-4F0A-BE02-FCE6A7569992}" type="presParOf" srcId="{601FA589-FF71-4288-958A-BC4882467952}" destId="{3259F718-40FE-4145-A679-0AA3D737A72A}" srcOrd="2" destOrd="0" presId="urn:microsoft.com/office/officeart/2008/layout/VerticalCurvedList"/>
-    <dgm:cxn modelId="{74E30284-5049-4CEA-8C82-D7386F508BDA}" type="presParOf" srcId="{601FA589-FF71-4288-958A-BC4882467952}" destId="{C8CE804B-724D-477E-B564-F1F5D3592DC3}" srcOrd="3" destOrd="0" presId="urn:microsoft.com/office/officeart/2008/layout/VerticalCurvedList"/>
-    <dgm:cxn modelId="{C51491D3-3175-4F87-AD83-479D3B3489C1}" type="presParOf" srcId="{681278B4-7716-44F3-A583-E5B2B6C3065E}" destId="{65A7D191-0B29-4988-AEC9-D96D2F1B34C7}" srcOrd="1" destOrd="0" presId="urn:microsoft.com/office/officeart/2008/layout/VerticalCurvedList"/>
-    <dgm:cxn modelId="{2AA8658E-BD2C-4795-9978-65A0E2A3A3DA}" type="presParOf" srcId="{681278B4-7716-44F3-A583-E5B2B6C3065E}" destId="{52186AEE-6953-4FC3-BC96-58AA2369FD93}" srcOrd="2" destOrd="0" presId="urn:microsoft.com/office/officeart/2008/layout/VerticalCurvedList"/>
-    <dgm:cxn modelId="{E861F07D-562E-40AE-B281-9C0DD16B2A26}" type="presParOf" srcId="{52186AEE-6953-4FC3-BC96-58AA2369FD93}" destId="{2963A5BB-C91A-4A6F-BEE4-269349ABFF7A}" srcOrd="0" destOrd="0" presId="urn:microsoft.com/office/officeart/2008/layout/VerticalCurvedList"/>
-    <dgm:cxn modelId="{8FD72F2B-1E2B-4E7E-AEB8-BD8169CE5DD7}" type="presParOf" srcId="{681278B4-7716-44F3-A583-E5B2B6C3065E}" destId="{F0753860-1468-4FBF-8778-17F16D28A123}" srcOrd="3" destOrd="0" presId="urn:microsoft.com/office/officeart/2008/layout/VerticalCurvedList"/>
-    <dgm:cxn modelId="{114FB570-0C2E-4461-BC8E-D2659A9B98C1}" type="presParOf" srcId="{681278B4-7716-44F3-A583-E5B2B6C3065E}" destId="{F239D856-66A4-43A0-9E65-E7D458797E6B}" srcOrd="4" destOrd="0" presId="urn:microsoft.com/office/officeart/2008/layout/VerticalCurvedList"/>
-    <dgm:cxn modelId="{F65F8AAF-0A18-457B-98F1-8FD07E1B201A}" type="presParOf" srcId="{F239D856-66A4-43A0-9E65-E7D458797E6B}" destId="{A8325792-2A2A-467F-8E6B-16C4AB9FD478}" srcOrd="0" destOrd="0" presId="urn:microsoft.com/office/officeart/2008/layout/VerticalCurvedList"/>
-    <dgm:cxn modelId="{E4012511-B709-4EBF-B8B9-6DF47037A6AD}" type="presParOf" srcId="{681278B4-7716-44F3-A583-E5B2B6C3065E}" destId="{629036C4-078D-4941-A551-E47D1019BA1D}" srcOrd="5" destOrd="0" presId="urn:microsoft.com/office/officeart/2008/layout/VerticalCurvedList"/>
-    <dgm:cxn modelId="{F2242234-105F-4CE2-B165-C6C059B0B53C}" type="presParOf" srcId="{681278B4-7716-44F3-A583-E5B2B6C3065E}" destId="{BF5F72E3-DF73-4EF8-8FE9-73CA5F2BC0F9}" srcOrd="6" destOrd="0" presId="urn:microsoft.com/office/officeart/2008/layout/VerticalCurvedList"/>
-    <dgm:cxn modelId="{F6A471B2-6B63-4BB1-B40D-DD6C812B8F76}" type="presParOf" srcId="{BF5F72E3-DF73-4EF8-8FE9-73CA5F2BC0F9}" destId="{D7287CF5-1D26-4328-860D-F710473463D9}" srcOrd="0" destOrd="0" presId="urn:microsoft.com/office/officeart/2008/layout/VerticalCurvedList"/>
-    <dgm:cxn modelId="{F8333F9B-8D71-4A03-B4A7-9A6E91C5E6D7}" type="presParOf" srcId="{681278B4-7716-44F3-A583-E5B2B6C3065E}" destId="{5800A0FC-3BB7-49C9-8C34-5DA92039A507}" srcOrd="7" destOrd="0" presId="urn:microsoft.com/office/officeart/2008/layout/VerticalCurvedList"/>
-    <dgm:cxn modelId="{1DDCE187-DB00-45A6-9556-598B12CB7261}" type="presParOf" srcId="{681278B4-7716-44F3-A583-E5B2B6C3065E}" destId="{CAB005A0-68FD-4233-8651-0DD4A72F8A57}" srcOrd="8" destOrd="0" presId="urn:microsoft.com/office/officeart/2008/layout/VerticalCurvedList"/>
-    <dgm:cxn modelId="{2F076DDD-21CE-414D-8D86-8B7AFBF7D2E3}" type="presParOf" srcId="{CAB005A0-68FD-4233-8651-0DD4A72F8A57}" destId="{2D5E3163-2DC0-4FFE-B26E-B9EC5E16DF34}" srcOrd="0" destOrd="0" presId="urn:microsoft.com/office/officeart/2008/layout/VerticalCurvedList"/>
-    <dgm:cxn modelId="{FEF2586D-CBEF-4A67-9755-586029360B5C}" type="presParOf" srcId="{681278B4-7716-44F3-A583-E5B2B6C3065E}" destId="{A83EFA7C-77CD-42DE-A5F6-459C3809099A}" srcOrd="9" destOrd="0" presId="urn:microsoft.com/office/officeart/2008/layout/VerticalCurvedList"/>
-    <dgm:cxn modelId="{A1CF19B7-C85B-4BAA-B35D-4A10E3539A85}" type="presParOf" srcId="{681278B4-7716-44F3-A583-E5B2B6C3065E}" destId="{00BE51BD-3604-436F-944F-C7E6D388AA92}" srcOrd="10" destOrd="0" presId="urn:microsoft.com/office/officeart/2008/layout/VerticalCurvedList"/>
-    <dgm:cxn modelId="{18F47794-6BC3-485E-83C2-8259059AD890}" type="presParOf" srcId="{00BE51BD-3604-436F-944F-C7E6D388AA92}" destId="{8EDF18C6-A5BD-4E99-933B-FD917AD43274}" srcOrd="0" destOrd="0" presId="urn:microsoft.com/office/officeart/2008/layout/VerticalCurvedList"/>
+    <dgm:cxn modelId="{2E04B3FE-8E3D-4083-9672-05B4A3C962EC}" type="presOf" srcId="{6291DAA0-2964-4EB8-A10E-090449566474}" destId="{5800A0FC-3BB7-49C9-8C34-5DA92039A507}" srcOrd="0" destOrd="0" presId="urn:microsoft.com/office/officeart/2008/layout/VerticalCurvedList#1"/>
+    <dgm:cxn modelId="{5C8B25B9-CF2B-4778-A4BF-C70A7C3619D3}" type="presParOf" srcId="{C379D2C4-9BFE-4919-AF4F-D1E19BF56492}" destId="{681278B4-7716-44F3-A583-E5B2B6C3065E}" srcOrd="0" destOrd="0" presId="urn:microsoft.com/office/officeart/2008/layout/VerticalCurvedList#1"/>
+    <dgm:cxn modelId="{F87770AA-5878-4576-91FD-E5E88F47BBC1}" type="presParOf" srcId="{681278B4-7716-44F3-A583-E5B2B6C3065E}" destId="{601FA589-FF71-4288-958A-BC4882467952}" srcOrd="0" destOrd="0" presId="urn:microsoft.com/office/officeart/2008/layout/VerticalCurvedList#1"/>
+    <dgm:cxn modelId="{E8DC932D-4805-4FBA-BBC1-9E55E310C149}" type="presParOf" srcId="{601FA589-FF71-4288-958A-BC4882467952}" destId="{7C7FC797-6476-4F51-84E1-1F33AE3D2B2F}" srcOrd="0" destOrd="0" presId="urn:microsoft.com/office/officeart/2008/layout/VerticalCurvedList#1"/>
+    <dgm:cxn modelId="{73298D4E-4F04-444F-AAE4-938E08A080E7}" type="presParOf" srcId="{601FA589-FF71-4288-958A-BC4882467952}" destId="{60118C05-67CD-4909-AC45-353CC7B72868}" srcOrd="1" destOrd="0" presId="urn:microsoft.com/office/officeart/2008/layout/VerticalCurvedList#1"/>
+    <dgm:cxn modelId="{33A995A6-96E1-4F0A-BE02-FCE6A7569992}" type="presParOf" srcId="{601FA589-FF71-4288-958A-BC4882467952}" destId="{3259F718-40FE-4145-A679-0AA3D737A72A}" srcOrd="2" destOrd="0" presId="urn:microsoft.com/office/officeart/2008/layout/VerticalCurvedList#1"/>
+    <dgm:cxn modelId="{74E30284-5049-4CEA-8C82-D7386F508BDA}" type="presParOf" srcId="{601FA589-FF71-4288-958A-BC4882467952}" destId="{C8CE804B-724D-477E-B564-F1F5D3592DC3}" srcOrd="3" destOrd="0" presId="urn:microsoft.com/office/officeart/2008/layout/VerticalCurvedList#1"/>
+    <dgm:cxn modelId="{C51491D3-3175-4F87-AD83-479D3B3489C1}" type="presParOf" srcId="{681278B4-7716-44F3-A583-E5B2B6C3065E}" destId="{65A7D191-0B29-4988-AEC9-D96D2F1B34C7}" srcOrd="1" destOrd="0" presId="urn:microsoft.com/office/officeart/2008/layout/VerticalCurvedList#1"/>
+    <dgm:cxn modelId="{2AA8658E-BD2C-4795-9978-65A0E2A3A3DA}" type="presParOf" srcId="{681278B4-7716-44F3-A583-E5B2B6C3065E}" destId="{52186AEE-6953-4FC3-BC96-58AA2369FD93}" srcOrd="2" destOrd="0" presId="urn:microsoft.com/office/officeart/2008/layout/VerticalCurvedList#1"/>
+    <dgm:cxn modelId="{E861F07D-562E-40AE-B281-9C0DD16B2A26}" type="presParOf" srcId="{52186AEE-6953-4FC3-BC96-58AA2369FD93}" destId="{2963A5BB-C91A-4A6F-BEE4-269349ABFF7A}" srcOrd="0" destOrd="0" presId="urn:microsoft.com/office/officeart/2008/layout/VerticalCurvedList#1"/>
+    <dgm:cxn modelId="{8FD72F2B-1E2B-4E7E-AEB8-BD8169CE5DD7}" type="presParOf" srcId="{681278B4-7716-44F3-A583-E5B2B6C3065E}" destId="{F0753860-1468-4FBF-8778-17F16D28A123}" srcOrd="3" destOrd="0" presId="urn:microsoft.com/office/officeart/2008/layout/VerticalCurvedList#1"/>
+    <dgm:cxn modelId="{114FB570-0C2E-4461-BC8E-D2659A9B98C1}" type="presParOf" srcId="{681278B4-7716-44F3-A583-E5B2B6C3065E}" destId="{F239D856-66A4-43A0-9E65-E7D458797E6B}" srcOrd="4" destOrd="0" presId="urn:microsoft.com/office/officeart/2008/layout/VerticalCurvedList#1"/>
+    <dgm:cxn modelId="{F65F8AAF-0A18-457B-98F1-8FD07E1B201A}" type="presParOf" srcId="{F239D856-66A4-43A0-9E65-E7D458797E6B}" destId="{A8325792-2A2A-467F-8E6B-16C4AB9FD478}" srcOrd="0" destOrd="0" presId="urn:microsoft.com/office/officeart/2008/layout/VerticalCurvedList#1"/>
+    <dgm:cxn modelId="{E4012511-B709-4EBF-B8B9-6DF47037A6AD}" type="presParOf" srcId="{681278B4-7716-44F3-A583-E5B2B6C3065E}" destId="{629036C4-078D-4941-A551-E47D1019BA1D}" srcOrd="5" destOrd="0" presId="urn:microsoft.com/office/officeart/2008/layout/VerticalCurvedList#1"/>
+    <dgm:cxn modelId="{F2242234-105F-4CE2-B165-C6C059B0B53C}" type="presParOf" srcId="{681278B4-7716-44F3-A583-E5B2B6C3065E}" destId="{BF5F72E3-DF73-4EF8-8FE9-73CA5F2BC0F9}" srcOrd="6" destOrd="0" presId="urn:microsoft.com/office/officeart/2008/layout/VerticalCurvedList#1"/>
+    <dgm:cxn modelId="{F6A471B2-6B63-4BB1-B40D-DD6C812B8F76}" type="presParOf" srcId="{BF5F72E3-DF73-4EF8-8FE9-73CA5F2BC0F9}" destId="{D7287CF5-1D26-4328-860D-F710473463D9}" srcOrd="0" destOrd="0" presId="urn:microsoft.com/office/officeart/2008/layout/VerticalCurvedList#1"/>
+    <dgm:cxn modelId="{F8333F9B-8D71-4A03-B4A7-9A6E91C5E6D7}" type="presParOf" srcId="{681278B4-7716-44F3-A583-E5B2B6C3065E}" destId="{5800A0FC-3BB7-49C9-8C34-5DA92039A507}" srcOrd="7" destOrd="0" presId="urn:microsoft.com/office/officeart/2008/layout/VerticalCurvedList#1"/>
+    <dgm:cxn modelId="{1DDCE187-DB00-45A6-9556-598B12CB7261}" type="presParOf" srcId="{681278B4-7716-44F3-A583-E5B2B6C3065E}" destId="{CAB005A0-68FD-4233-8651-0DD4A72F8A57}" srcOrd="8" destOrd="0" presId="urn:microsoft.com/office/officeart/2008/layout/VerticalCurvedList#1"/>
+    <dgm:cxn modelId="{2F076DDD-21CE-414D-8D86-8B7AFBF7D2E3}" type="presParOf" srcId="{CAB005A0-68FD-4233-8651-0DD4A72F8A57}" destId="{2D5E3163-2DC0-4FFE-B26E-B9EC5E16DF34}" srcOrd="0" destOrd="0" presId="urn:microsoft.com/office/officeart/2008/layout/VerticalCurvedList#1"/>
+    <dgm:cxn modelId="{FEF2586D-CBEF-4A67-9755-586029360B5C}" type="presParOf" srcId="{681278B4-7716-44F3-A583-E5B2B6C3065E}" destId="{A83EFA7C-77CD-42DE-A5F6-459C3809099A}" srcOrd="9" destOrd="0" presId="urn:microsoft.com/office/officeart/2008/layout/VerticalCurvedList#1"/>
+    <dgm:cxn modelId="{A1CF19B7-C85B-4BAA-B35D-4A10E3539A85}" type="presParOf" srcId="{681278B4-7716-44F3-A583-E5B2B6C3065E}" destId="{00BE51BD-3604-436F-944F-C7E6D388AA92}" srcOrd="10" destOrd="0" presId="urn:microsoft.com/office/officeart/2008/layout/VerticalCurvedList#1"/>
+    <dgm:cxn modelId="{18F47794-6BC3-485E-83C2-8259059AD890}" type="presParOf" srcId="{00BE51BD-3604-436F-944F-C7E6D388AA92}" destId="{8EDF18C6-A5BD-4E99-933B-FD917AD43274}" srcOrd="0" destOrd="0" presId="urn:microsoft.com/office/officeart/2008/layout/VerticalCurvedList#1"/>
   </dgm:cxnLst>
   <dgm:bg/>
   <dgm:whole/>
   <dgm:extLst>
     <a:ext uri="http://schemas.microsoft.com/office/drawing/2008/diagram">
-      <dsp:dataModelExt xmlns:dsp="http://schemas.microsoft.com/office/drawing/2008/diagram" relId="rId5" minVer="http://schemas.openxmlformats.org/drawingml/2006/diagram"/>
+      <dsp:dataModelExt xmlns:dsp="http://schemas.microsoft.com/office/drawing/2008/diagram" relId="rId6" minVer="http://schemas.openxmlformats.org/drawingml/2006/diagram"/>
     </a:ext>
   </dgm:extLst>
 </dgm:dataModel>
@@ -2900,7 +2909,7 @@
 <dgm:dataModel xmlns:dgm="http://schemas.openxmlformats.org/drawingml/2006/diagram" xmlns:a="http://schemas.openxmlformats.org/drawingml/2006/main">
   <dgm:ptLst>
     <dgm:pt modelId="{97CA6497-3A2C-4C33-AFF4-D58B25591272}" type="doc">
-      <dgm:prSet loTypeId="urn:microsoft.com/office/officeart/2008/layout/HorizontalMultiLevelHierarchy" loCatId="hierarchy" qsTypeId="urn:microsoft.com/office/officeart/2005/8/quickstyle/simple3" qsCatId="simple" csTypeId="urn:microsoft.com/office/officeart/2005/8/colors/accent0_1" csCatId="mainScheme" phldr="1"/>
+      <dgm:prSet loTypeId="urn:microsoft.com/office/officeart/2008/layout/HorizontalMultiLevelHierarchy#4" loCatId="hierarchy" qsTypeId="urn:microsoft.com/office/officeart/2005/8/quickstyle/simple3#2" qsCatId="simple" csTypeId="urn:microsoft.com/office/officeart/2005/8/colors/accent0_1#5" csCatId="mainScheme" phldr="1"/>
       <dgm:spPr/>
       <dgm:t>
         <a:bodyPr/>
@@ -2928,7 +2937,7 @@
         </a:p>
       </dgm:t>
     </dgm:pt>
-    <dgm:pt modelId="{15547091-E3A6-4394-8FE8-DFA8AD2097F8}" cxnId="{A966EFBF-CC71-4D56-A0F1-3FAAAA5162EC}" type="parTrans">
+    <dgm:pt modelId="{15547091-E3A6-4394-8FE8-DFA8AD2097F8}" type="parTrans" cxnId="{A966EFBF-CC71-4D56-A0F1-3FAAAA5162EC}">
       <dgm:prSet/>
       <dgm:spPr/>
       <dgm:t>
@@ -2939,7 +2948,7 @@
         </a:p>
       </dgm:t>
     </dgm:pt>
-    <dgm:pt modelId="{9F5DDB86-2268-49C6-850C-CB368548571D}" cxnId="{A966EFBF-CC71-4D56-A0F1-3FAAAA5162EC}" type="sibTrans">
+    <dgm:pt modelId="{9F5DDB86-2268-49C6-850C-CB368548571D}" type="sibTrans" cxnId="{A966EFBF-CC71-4D56-A0F1-3FAAAA5162EC}">
       <dgm:prSet/>
       <dgm:spPr/>
       <dgm:t>
@@ -2968,7 +2977,7 @@
         </a:p>
       </dgm:t>
     </dgm:pt>
-    <dgm:pt modelId="{E067EA31-9FFB-418A-A326-996AB0DD534E}" cxnId="{603987CC-5E33-42E6-BFC1-0F859AFB20E4}" type="sibTrans">
+    <dgm:pt modelId="{E067EA31-9FFB-418A-A326-996AB0DD534E}" type="sibTrans" cxnId="{603987CC-5E33-42E6-BFC1-0F859AFB20E4}">
       <dgm:prSet/>
       <dgm:spPr/>
       <dgm:t>
@@ -2979,7 +2988,7 @@
         </a:p>
       </dgm:t>
     </dgm:pt>
-    <dgm:pt modelId="{5006CB5F-BD68-4BCE-A1B4-24759E73953E}" cxnId="{603987CC-5E33-42E6-BFC1-0F859AFB20E4}" type="parTrans">
+    <dgm:pt modelId="{5006CB5F-BD68-4BCE-A1B4-24759E73953E}" type="parTrans" cxnId="{603987CC-5E33-42E6-BFC1-0F859AFB20E4}">
       <dgm:prSet/>
       <dgm:spPr/>
       <dgm:t>
@@ -2999,12 +3008,12 @@
         <a:p>
           <a:r>
             <a:rPr lang="zh-CN" altLang="en-US" dirty="0"/>
-            <a:t>说明</a:t>
+            <a:t>关卡选择</a:t>
           </a:r>
         </a:p>
       </dgm:t>
     </dgm:pt>
-    <dgm:pt modelId="{AAEA03E0-C757-4017-94FB-656BFC0736D4}" cxnId="{DD5706FC-54BF-4860-B193-7A7DA0B6C7CB}" type="sibTrans">
+    <dgm:pt modelId="{AAEA03E0-C757-4017-94FB-656BFC0736D4}" type="sibTrans" cxnId="{DD5706FC-54BF-4860-B193-7A7DA0B6C7CB}">
       <dgm:prSet/>
       <dgm:spPr/>
       <dgm:t>
@@ -3015,7 +3024,7 @@
         </a:p>
       </dgm:t>
     </dgm:pt>
-    <dgm:pt modelId="{25CA9DDE-B406-4066-BB43-A3AA984A5766}" cxnId="{DD5706FC-54BF-4860-B193-7A7DA0B6C7CB}" type="parTrans">
+    <dgm:pt modelId="{25CA9DDE-B406-4066-BB43-A3AA984A5766}" type="parTrans" cxnId="{DD5706FC-54BF-4860-B193-7A7DA0B6C7CB}">
       <dgm:prSet/>
       <dgm:spPr/>
       <dgm:t>
@@ -3039,12 +3048,12 @@
           </a:pPr>
           <a:r>
             <a:rPr lang="zh-CN" altLang="en-US" dirty="0"/>
-            <a:t>关卡选择</a:t>
+            <a:t>游戏界面</a:t>
           </a:r>
         </a:p>
       </dgm:t>
     </dgm:pt>
-    <dgm:pt modelId="{DD70E8F2-0CCA-4F0C-BE2F-E970DE75A0B7}" cxnId="{6D1698E0-451C-4A88-825B-527D48ADD67B}" type="sibTrans">
+    <dgm:pt modelId="{DD70E8F2-0CCA-4F0C-BE2F-E970DE75A0B7}" type="sibTrans" cxnId="{6D1698E0-451C-4A88-825B-527D48ADD67B}">
       <dgm:prSet/>
       <dgm:spPr/>
       <dgm:t>
@@ -3055,7 +3064,7 @@
         </a:p>
       </dgm:t>
     </dgm:pt>
-    <dgm:pt modelId="{7696C310-3CAB-42F9-B1BC-BBCD721E1A1B}" cxnId="{6D1698E0-451C-4A88-825B-527D48ADD67B}" type="parTrans">
+    <dgm:pt modelId="{7696C310-3CAB-42F9-B1BC-BBCD721E1A1B}" type="parTrans" cxnId="{6D1698E0-451C-4A88-825B-527D48ADD67B}">
       <dgm:prSet/>
       <dgm:spPr/>
       <dgm:t>
@@ -3079,12 +3088,12 @@
           </a:pPr>
           <a:r>
             <a:rPr lang="zh-CN" altLang="en-US" dirty="0"/>
-            <a:t>游戏界面</a:t>
+            <a:t>通关界面</a:t>
           </a:r>
         </a:p>
       </dgm:t>
     </dgm:pt>
-    <dgm:pt modelId="{FABBCA89-9BBB-4B5C-8F6A-B333C490D41A}" cxnId="{93BE5672-AA00-4961-80DA-B44C0DC29554}" type="sibTrans">
+    <dgm:pt modelId="{FABBCA89-9BBB-4B5C-8F6A-B333C490D41A}" type="sibTrans" cxnId="{93BE5672-AA00-4961-80DA-B44C0DC29554}">
       <dgm:prSet/>
       <dgm:spPr/>
       <dgm:t>
@@ -3095,7 +3104,7 @@
         </a:p>
       </dgm:t>
     </dgm:pt>
-    <dgm:pt modelId="{931FFF4C-3E31-4C5F-A6CE-D3E0F988E7D2}" cxnId="{93BE5672-AA00-4961-80DA-B44C0DC29554}" type="parTrans">
+    <dgm:pt modelId="{931FFF4C-3E31-4C5F-A6CE-D3E0F988E7D2}" type="parTrans" cxnId="{93BE5672-AA00-4961-80DA-B44C0DC29554}">
       <dgm:prSet/>
       <dgm:spPr/>
       <dgm:t>
@@ -3124,7 +3133,7 @@
         </a:p>
       </dgm:t>
     </dgm:pt>
-    <dgm:pt modelId="{E8C1E340-E3DE-4DCD-8A5D-1FF5793D50F3}" cxnId="{E316F2FE-B289-4591-B6EC-D978CDF5A9C0}" type="sibTrans">
+    <dgm:pt modelId="{E8C1E340-E3DE-4DCD-8A5D-1FF5793D50F3}" type="sibTrans" cxnId="{E316F2FE-B289-4591-B6EC-D978CDF5A9C0}">
       <dgm:prSet/>
       <dgm:spPr/>
       <dgm:t>
@@ -3135,7 +3144,7 @@
         </a:p>
       </dgm:t>
     </dgm:pt>
-    <dgm:pt modelId="{9F6EC102-F85A-4ED0-B084-C8A421565087}" cxnId="{E316F2FE-B289-4591-B6EC-D978CDF5A9C0}" type="parTrans">
+    <dgm:pt modelId="{9F6EC102-F85A-4ED0-B084-C8A421565087}" type="parTrans" cxnId="{E316F2FE-B289-4591-B6EC-D978CDF5A9C0}">
       <dgm:prSet/>
       <dgm:spPr/>
       <dgm:t>
@@ -3155,12 +3164,12 @@
         <a:p>
           <a:r>
             <a:rPr lang="zh-CN" altLang="en-US" dirty="0"/>
-            <a:t>游戏暂停菜单</a:t>
+            <a:t>程序说明</a:t>
           </a:r>
         </a:p>
       </dgm:t>
     </dgm:pt>
-    <dgm:pt modelId="{E709E6B6-86DE-463B-9B5E-CB4DC43BF98D}" cxnId="{A93BF6BE-0192-4164-9ECD-47CBADC7216F}" type="sibTrans">
+    <dgm:pt modelId="{E709E6B6-86DE-463B-9B5E-CB4DC43BF98D}" type="sibTrans" cxnId="{A93BF6BE-0192-4164-9ECD-47CBADC7216F}">
       <dgm:prSet/>
       <dgm:spPr/>
       <dgm:t>
@@ -3171,7 +3180,7 @@
         </a:p>
       </dgm:t>
     </dgm:pt>
-    <dgm:pt modelId="{D30AF681-708D-4714-90CD-F18E8F00DA95}" cxnId="{A93BF6BE-0192-4164-9ECD-47CBADC7216F}" type="parTrans">
+    <dgm:pt modelId="{D30AF681-708D-4714-90CD-F18E8F00DA95}" type="parTrans" cxnId="{A93BF6BE-0192-4164-9ECD-47CBADC7216F}">
       <dgm:prSet/>
       <dgm:spPr/>
       <dgm:t>
@@ -3200,7 +3209,7 @@
         </a:p>
       </dgm:t>
     </dgm:pt>
-    <dgm:pt modelId="{8A7601FD-111F-47B7-8E78-67A0F11B8FE9}" cxnId="{BAF68B05-EE68-41C0-A883-3400EAF1C30D}" type="sibTrans">
+    <dgm:pt modelId="{8A7601FD-111F-47B7-8E78-67A0F11B8FE9}" type="sibTrans" cxnId="{BAF68B05-EE68-41C0-A883-3400EAF1C30D}">
       <dgm:prSet/>
       <dgm:spPr/>
       <dgm:t>
@@ -3211,7 +3220,7 @@
         </a:p>
       </dgm:t>
     </dgm:pt>
-    <dgm:pt modelId="{BC196B66-B3C5-49C6-AFB8-80CFD317DEFD}" cxnId="{BAF68B05-EE68-41C0-A883-3400EAF1C30D}" type="parTrans">
+    <dgm:pt modelId="{BC196B66-B3C5-49C6-AFB8-80CFD317DEFD}" type="parTrans" cxnId="{BAF68B05-EE68-41C0-A883-3400EAF1C30D}">
       <dgm:prSet/>
       <dgm:spPr/>
       <dgm:t>
@@ -3240,7 +3249,7 @@
         </a:p>
       </dgm:t>
     </dgm:pt>
-    <dgm:pt modelId="{42A59362-AC53-4CCA-9E93-EA57DB4CAF29}" cxnId="{C79AA200-F7A4-48F9-A19D-4D40EA54EA6F}" type="sibTrans">
+    <dgm:pt modelId="{42A59362-AC53-4CCA-9E93-EA57DB4CAF29}" type="sibTrans" cxnId="{C79AA200-F7A4-48F9-A19D-4D40EA54EA6F}">
       <dgm:prSet/>
       <dgm:spPr/>
       <dgm:t>
@@ -3251,7 +3260,44 @@
         </a:p>
       </dgm:t>
     </dgm:pt>
-    <dgm:pt modelId="{0144B4F2-8418-438D-8744-26BE61ABDC0C}" cxnId="{C79AA200-F7A4-48F9-A19D-4D40EA54EA6F}" type="parTrans">
+    <dgm:pt modelId="{0144B4F2-8418-438D-8744-26BE61ABDC0C}" type="parTrans" cxnId="{C79AA200-F7A4-48F9-A19D-4D40EA54EA6F}">
+      <dgm:prSet/>
+      <dgm:spPr/>
+      <dgm:t>
+        <a:bodyPr/>
+        <a:lstStyle/>
+        <a:p>
+          <a:endParaRPr lang="zh-CN" altLang="en-US"/>
+        </a:p>
+      </dgm:t>
+    </dgm:pt>
+    <dgm:pt modelId="{78C13EDC-C331-4BA9-BC4B-FCD8C9146F18}">
+      <dgm:prSet phldrT="[文本]"/>
+      <dgm:spPr/>
+      <dgm:t>
+        <a:bodyPr/>
+        <a:lstStyle/>
+        <a:p>
+          <a:r>
+            <a:rPr lang="zh-CN" altLang="en-US"/>
+            <a:t>游戏暂停菜单</a:t>
+          </a:r>
+          <a:endParaRPr lang="zh-CN" altLang="en-US" dirty="0"/>
+        </a:p>
+      </dgm:t>
+    </dgm:pt>
+    <dgm:pt modelId="{9CEFA006-1EE7-4F53-A12C-2707B66A0AD1}" type="parTrans" cxnId="{A5AB9E2A-C128-4FA4-97BB-6CC2BF1F6263}">
+      <dgm:prSet/>
+      <dgm:spPr/>
+      <dgm:t>
+        <a:bodyPr/>
+        <a:lstStyle/>
+        <a:p>
+          <a:endParaRPr lang="zh-CN" altLang="en-US"/>
+        </a:p>
+      </dgm:t>
+    </dgm:pt>
+    <dgm:pt modelId="{B99DEF93-0AB5-40B0-AE30-39FCFCE9E18D}" type="sibTrans" cxnId="{A5AB9E2A-C128-4FA4-97BB-6CC2BF1F6263}">
       <dgm:prSet/>
       <dgm:spPr/>
       <dgm:t>
@@ -3291,11 +3337,11 @@
       <dgm:spPr/>
     </dgm:pt>
     <dgm:pt modelId="{E3421BF1-8785-4D75-8D4E-776E74282F68}" type="pres">
-      <dgm:prSet presAssocID="{5006CB5F-BD68-4BCE-A1B4-24759E73953E}" presName="conn2-1" presStyleLbl="parChTrans1D2" presStyleIdx="0" presStyleCnt="7"/>
+      <dgm:prSet presAssocID="{5006CB5F-BD68-4BCE-A1B4-24759E73953E}" presName="conn2-1" presStyleLbl="parChTrans1D2" presStyleIdx="0" presStyleCnt="8"/>
       <dgm:spPr/>
     </dgm:pt>
     <dgm:pt modelId="{5CDECEDC-54AE-4171-9793-2CCA15B36DDE}" type="pres">
-      <dgm:prSet presAssocID="{5006CB5F-BD68-4BCE-A1B4-24759E73953E}" presName="connTx" presStyleLbl="parChTrans1D2" presStyleIdx="0" presStyleCnt="7"/>
+      <dgm:prSet presAssocID="{5006CB5F-BD68-4BCE-A1B4-24759E73953E}" presName="connTx" presStyleLbl="parChTrans1D2" presStyleIdx="0" presStyleCnt="8"/>
       <dgm:spPr/>
     </dgm:pt>
     <dgm:pt modelId="{A7FC231E-3E91-4A5E-BBD5-63268A1C63C4}" type="pres">
@@ -3303,7 +3349,7 @@
       <dgm:spPr/>
     </dgm:pt>
     <dgm:pt modelId="{A63ECC77-27DD-4872-ABB2-C1CB6FFDC649}" type="pres">
-      <dgm:prSet presAssocID="{63193561-4D94-414F-8F4C-C8F26D6BF1D5}" presName="LevelTwoTextNode" presStyleLbl="node2" presStyleIdx="0" presStyleCnt="7" custScaleX="153912" custLinFactNeighborX="59850" custLinFactNeighborY="3505">
+      <dgm:prSet presAssocID="{63193561-4D94-414F-8F4C-C8F26D6BF1D5}" presName="LevelTwoTextNode" presStyleLbl="node2" presStyleIdx="0" presStyleCnt="8" custScaleX="153912" custLinFactNeighborX="59850" custLinFactNeighborY="3505">
         <dgm:presLayoutVars>
           <dgm:chPref val="3"/>
         </dgm:presLayoutVars>
@@ -3315,11 +3361,11 @@
       <dgm:spPr/>
     </dgm:pt>
     <dgm:pt modelId="{78E98673-2296-4C47-B551-5B2387AF51DC}" type="pres">
-      <dgm:prSet presAssocID="{25CA9DDE-B406-4066-BB43-A3AA984A5766}" presName="conn2-1" presStyleLbl="parChTrans1D2" presStyleIdx="1" presStyleCnt="7"/>
+      <dgm:prSet presAssocID="{25CA9DDE-B406-4066-BB43-A3AA984A5766}" presName="conn2-1" presStyleLbl="parChTrans1D2" presStyleIdx="1" presStyleCnt="8"/>
       <dgm:spPr/>
     </dgm:pt>
     <dgm:pt modelId="{0CA853FF-4798-4621-BC86-16D18817B30B}" type="pres">
-      <dgm:prSet presAssocID="{25CA9DDE-B406-4066-BB43-A3AA984A5766}" presName="connTx" presStyleLbl="parChTrans1D2" presStyleIdx="1" presStyleCnt="7"/>
+      <dgm:prSet presAssocID="{25CA9DDE-B406-4066-BB43-A3AA984A5766}" presName="connTx" presStyleLbl="parChTrans1D2" presStyleIdx="1" presStyleCnt="8"/>
       <dgm:spPr/>
     </dgm:pt>
     <dgm:pt modelId="{C88114FF-315D-4EAC-9E9D-5792498AFD8B}" type="pres">
@@ -3327,7 +3373,7 @@
       <dgm:spPr/>
     </dgm:pt>
     <dgm:pt modelId="{8930C6D7-98CD-4DBD-9E2D-D8B3593DA865}" type="pres">
-      <dgm:prSet presAssocID="{8F24A658-CE9F-4018-9154-36E115203874}" presName="LevelTwoTextNode" presStyleLbl="node2" presStyleIdx="1" presStyleCnt="7" custScaleX="153912" custLinFactNeighborX="59850" custLinFactNeighborY="3505">
+      <dgm:prSet presAssocID="{8F24A658-CE9F-4018-9154-36E115203874}" presName="LevelTwoTextNode" presStyleLbl="node2" presStyleIdx="1" presStyleCnt="8" custScaleX="153912" custLinFactNeighborX="59850" custLinFactNeighborY="3505">
         <dgm:presLayoutVars>
           <dgm:chPref val="3"/>
         </dgm:presLayoutVars>
@@ -3339,11 +3385,11 @@
       <dgm:spPr/>
     </dgm:pt>
     <dgm:pt modelId="{534519AB-569A-4290-8E0B-64291B43B225}" type="pres">
-      <dgm:prSet presAssocID="{7696C310-3CAB-42F9-B1BC-BBCD721E1A1B}" presName="conn2-1" presStyleLbl="parChTrans1D2" presStyleIdx="2" presStyleCnt="7"/>
+      <dgm:prSet presAssocID="{7696C310-3CAB-42F9-B1BC-BBCD721E1A1B}" presName="conn2-1" presStyleLbl="parChTrans1D2" presStyleIdx="2" presStyleCnt="8"/>
       <dgm:spPr/>
     </dgm:pt>
     <dgm:pt modelId="{BAA05368-3928-456A-AD66-AE5D39BAE525}" type="pres">
-      <dgm:prSet presAssocID="{7696C310-3CAB-42F9-B1BC-BBCD721E1A1B}" presName="connTx" presStyleLbl="parChTrans1D2" presStyleIdx="2" presStyleCnt="7"/>
+      <dgm:prSet presAssocID="{7696C310-3CAB-42F9-B1BC-BBCD721E1A1B}" presName="connTx" presStyleLbl="parChTrans1D2" presStyleIdx="2" presStyleCnt="8"/>
       <dgm:spPr/>
     </dgm:pt>
     <dgm:pt modelId="{26A1CEB5-3081-4090-A1FB-0698158689B7}" type="pres">
@@ -3351,7 +3397,7 @@
       <dgm:spPr/>
     </dgm:pt>
     <dgm:pt modelId="{6011EB5F-B8A1-4CF1-A515-5C89E838679B}" type="pres">
-      <dgm:prSet presAssocID="{69AFE608-FB4E-4597-9C0B-39B3C7B330C7}" presName="LevelTwoTextNode" presStyleLbl="node2" presStyleIdx="2" presStyleCnt="7" custScaleX="153912" custLinFactNeighborX="59850" custLinFactNeighborY="3505">
+      <dgm:prSet presAssocID="{69AFE608-FB4E-4597-9C0B-39B3C7B330C7}" presName="LevelTwoTextNode" presStyleLbl="node2" presStyleIdx="2" presStyleCnt="8" custScaleX="153912" custLinFactNeighborX="59850" custLinFactNeighborY="3505">
         <dgm:presLayoutVars>
           <dgm:chPref val="3"/>
         </dgm:presLayoutVars>
@@ -3363,11 +3409,11 @@
       <dgm:spPr/>
     </dgm:pt>
     <dgm:pt modelId="{E2EC2FB9-B63E-48A7-A342-FBB2A0749B13}" type="pres">
-      <dgm:prSet presAssocID="{931FFF4C-3E31-4C5F-A6CE-D3E0F988E7D2}" presName="conn2-1" presStyleLbl="parChTrans1D2" presStyleIdx="3" presStyleCnt="7"/>
+      <dgm:prSet presAssocID="{931FFF4C-3E31-4C5F-A6CE-D3E0F988E7D2}" presName="conn2-1" presStyleLbl="parChTrans1D2" presStyleIdx="3" presStyleCnt="8"/>
       <dgm:spPr/>
     </dgm:pt>
     <dgm:pt modelId="{F85754C6-E77F-4ADD-811B-D656C688CA6B}" type="pres">
-      <dgm:prSet presAssocID="{931FFF4C-3E31-4C5F-A6CE-D3E0F988E7D2}" presName="connTx" presStyleLbl="parChTrans1D2" presStyleIdx="3" presStyleCnt="7"/>
+      <dgm:prSet presAssocID="{931FFF4C-3E31-4C5F-A6CE-D3E0F988E7D2}" presName="connTx" presStyleLbl="parChTrans1D2" presStyleIdx="3" presStyleCnt="8"/>
       <dgm:spPr/>
     </dgm:pt>
     <dgm:pt modelId="{A7297EB8-7D3D-430A-8DB0-C552339468D1}" type="pres">
@@ -3375,7 +3421,7 @@
       <dgm:spPr/>
     </dgm:pt>
     <dgm:pt modelId="{9041456B-8D97-4923-8E9A-735B90619910}" type="pres">
-      <dgm:prSet presAssocID="{F3D8B9FD-837D-4644-9B57-FC78F9694DAF}" presName="LevelTwoTextNode" presStyleLbl="node2" presStyleIdx="3" presStyleCnt="7" custScaleX="153912" custLinFactNeighborX="59850" custLinFactNeighborY="3505">
+      <dgm:prSet presAssocID="{F3D8B9FD-837D-4644-9B57-FC78F9694DAF}" presName="LevelTwoTextNode" presStyleLbl="node2" presStyleIdx="3" presStyleCnt="8" custScaleX="153912" custLinFactNeighborX="59850" custLinFactNeighborY="3505">
         <dgm:presLayoutVars>
           <dgm:chPref val="3"/>
         </dgm:presLayoutVars>
@@ -3403,11 +3449,11 @@
       <dgm:spPr/>
     </dgm:pt>
     <dgm:pt modelId="{AEAFC00F-1553-4930-9576-ECC45A2ECB17}" type="pres">
-      <dgm:prSet presAssocID="{D30AF681-708D-4714-90CD-F18E8F00DA95}" presName="conn2-1" presStyleLbl="parChTrans1D2" presStyleIdx="4" presStyleCnt="7"/>
+      <dgm:prSet presAssocID="{D30AF681-708D-4714-90CD-F18E8F00DA95}" presName="conn2-1" presStyleLbl="parChTrans1D2" presStyleIdx="4" presStyleCnt="8"/>
       <dgm:spPr/>
     </dgm:pt>
     <dgm:pt modelId="{46B485AF-75C0-4E62-B319-3EAD3F59101C}" type="pres">
-      <dgm:prSet presAssocID="{D30AF681-708D-4714-90CD-F18E8F00DA95}" presName="connTx" presStyleLbl="parChTrans1D2" presStyleIdx="4" presStyleCnt="7"/>
+      <dgm:prSet presAssocID="{D30AF681-708D-4714-90CD-F18E8F00DA95}" presName="connTx" presStyleLbl="parChTrans1D2" presStyleIdx="4" presStyleCnt="8"/>
       <dgm:spPr/>
     </dgm:pt>
     <dgm:pt modelId="{2969CB31-A149-4562-956E-EE88D1CFDFBC}" type="pres">
@@ -3415,7 +3461,7 @@
       <dgm:spPr/>
     </dgm:pt>
     <dgm:pt modelId="{6CA808D1-1829-443E-87F6-A3D4BF30E2E1}" type="pres">
-      <dgm:prSet presAssocID="{34894FD9-AC00-4519-8E53-007509254D79}" presName="LevelTwoTextNode" presStyleLbl="node2" presStyleIdx="4" presStyleCnt="7" custScaleX="153912" custLinFactNeighborX="59249" custLinFactNeighborY="13484">
+      <dgm:prSet presAssocID="{34894FD9-AC00-4519-8E53-007509254D79}" presName="LevelTwoTextNode" presStyleLbl="node2" presStyleIdx="4" presStyleCnt="8" custScaleX="153912" custLinFactNeighborX="59249" custLinFactNeighborY="13484">
         <dgm:presLayoutVars>
           <dgm:chPref val="3"/>
         </dgm:presLayoutVars>
@@ -3426,12 +3472,36 @@
       <dgm:prSet presAssocID="{34894FD9-AC00-4519-8E53-007509254D79}" presName="level3hierChild" presStyleCnt="0"/>
       <dgm:spPr/>
     </dgm:pt>
+    <dgm:pt modelId="{F2BB2FA6-0BD8-41F8-92EF-B5E363A4C386}" type="pres">
+      <dgm:prSet presAssocID="{9CEFA006-1EE7-4F53-A12C-2707B66A0AD1}" presName="conn2-1" presStyleLbl="parChTrans1D2" presStyleIdx="5" presStyleCnt="8"/>
+      <dgm:spPr/>
+    </dgm:pt>
+    <dgm:pt modelId="{25431324-A97F-4A20-8D31-D1006AC71D8E}" type="pres">
+      <dgm:prSet presAssocID="{9CEFA006-1EE7-4F53-A12C-2707B66A0AD1}" presName="connTx" presStyleLbl="parChTrans1D2" presStyleIdx="5" presStyleCnt="8"/>
+      <dgm:spPr/>
+    </dgm:pt>
+    <dgm:pt modelId="{FC0EBC46-07E3-41DD-AA54-C540DAABE929}" type="pres">
+      <dgm:prSet presAssocID="{78C13EDC-C331-4BA9-BC4B-FCD8C9146F18}" presName="root2" presStyleCnt="0"/>
+      <dgm:spPr/>
+    </dgm:pt>
+    <dgm:pt modelId="{7A9C256E-BD10-4222-A624-E5560EA9A3C4}" type="pres">
+      <dgm:prSet presAssocID="{78C13EDC-C331-4BA9-BC4B-FCD8C9146F18}" presName="LevelTwoTextNode" presStyleLbl="node2" presStyleIdx="5" presStyleCnt="8" custScaleX="156189" custLinFactNeighborX="58069" custLinFactNeighborY="11204">
+        <dgm:presLayoutVars>
+          <dgm:chPref val="3"/>
+        </dgm:presLayoutVars>
+      </dgm:prSet>
+      <dgm:spPr/>
+    </dgm:pt>
+    <dgm:pt modelId="{8041DDD2-361D-4A0D-8FBA-119CC05DE994}" type="pres">
+      <dgm:prSet presAssocID="{78C13EDC-C331-4BA9-BC4B-FCD8C9146F18}" presName="level3hierChild" presStyleCnt="0"/>
+      <dgm:spPr/>
+    </dgm:pt>
     <dgm:pt modelId="{7E7E8E16-B053-4845-8A47-089CD9A78F56}" type="pres">
-      <dgm:prSet presAssocID="{BC196B66-B3C5-49C6-AFB8-80CFD317DEFD}" presName="conn2-1" presStyleLbl="parChTrans1D2" presStyleIdx="5" presStyleCnt="7"/>
+      <dgm:prSet presAssocID="{BC196B66-B3C5-49C6-AFB8-80CFD317DEFD}" presName="conn2-1" presStyleLbl="parChTrans1D2" presStyleIdx="6" presStyleCnt="8"/>
       <dgm:spPr/>
     </dgm:pt>
     <dgm:pt modelId="{44297386-6A8E-4205-B11B-EB5E3AEADFFA}" type="pres">
-      <dgm:prSet presAssocID="{BC196B66-B3C5-49C6-AFB8-80CFD317DEFD}" presName="connTx" presStyleLbl="parChTrans1D2" presStyleIdx="5" presStyleCnt="7"/>
+      <dgm:prSet presAssocID="{BC196B66-B3C5-49C6-AFB8-80CFD317DEFD}" presName="connTx" presStyleLbl="parChTrans1D2" presStyleIdx="6" presStyleCnt="8"/>
       <dgm:spPr/>
     </dgm:pt>
     <dgm:pt modelId="{A91A14B7-0A3A-45F6-A20E-D894C20CE31D}" type="pres">
@@ -3439,7 +3509,7 @@
       <dgm:spPr/>
     </dgm:pt>
     <dgm:pt modelId="{0E9277A7-885A-405A-97CE-FCC3592A1BA5}" type="pres">
-      <dgm:prSet presAssocID="{204EAFEE-56B2-46A2-B834-5B905AC13D3C}" presName="LevelTwoTextNode" presStyleLbl="node2" presStyleIdx="5" presStyleCnt="7" custScaleX="153912" custLinFactNeighborX="59249" custLinFactNeighborY="13484">
+      <dgm:prSet presAssocID="{204EAFEE-56B2-46A2-B834-5B905AC13D3C}" presName="LevelTwoTextNode" presStyleLbl="node2" presStyleIdx="6" presStyleCnt="8" custScaleX="153912" custLinFactNeighborX="59249" custLinFactNeighborY="13484">
         <dgm:presLayoutVars>
           <dgm:chPref val="3"/>
         </dgm:presLayoutVars>
@@ -3451,11 +3521,11 @@
       <dgm:spPr/>
     </dgm:pt>
     <dgm:pt modelId="{318AA675-F1F1-4413-9EB0-B499B7BD47F3}" type="pres">
-      <dgm:prSet presAssocID="{0144B4F2-8418-438D-8744-26BE61ABDC0C}" presName="conn2-1" presStyleLbl="parChTrans1D2" presStyleIdx="6" presStyleCnt="7"/>
+      <dgm:prSet presAssocID="{0144B4F2-8418-438D-8744-26BE61ABDC0C}" presName="conn2-1" presStyleLbl="parChTrans1D2" presStyleIdx="7" presStyleCnt="8"/>
       <dgm:spPr/>
     </dgm:pt>
     <dgm:pt modelId="{C70DE741-3049-4844-B66D-2F337AE86EC9}" type="pres">
-      <dgm:prSet presAssocID="{0144B4F2-8418-438D-8744-26BE61ABDC0C}" presName="connTx" presStyleLbl="parChTrans1D2" presStyleIdx="6" presStyleCnt="7"/>
+      <dgm:prSet presAssocID="{0144B4F2-8418-438D-8744-26BE61ABDC0C}" presName="connTx" presStyleLbl="parChTrans1D2" presStyleIdx="7" presStyleCnt="8"/>
       <dgm:spPr/>
     </dgm:pt>
     <dgm:pt modelId="{54E66034-B7AA-44BE-894D-52354DEA877A}" type="pres">
@@ -3463,7 +3533,7 @@
       <dgm:spPr/>
     </dgm:pt>
     <dgm:pt modelId="{2277A565-CE33-4308-8FFC-6C45A4070994}" type="pres">
-      <dgm:prSet presAssocID="{7638F091-155B-4866-8118-76D1602BD681}" presName="LevelTwoTextNode" presStyleLbl="node2" presStyleIdx="6" presStyleCnt="7" custScaleX="153912" custLinFactNeighborX="59249" custLinFactNeighborY="13484">
+      <dgm:prSet presAssocID="{7638F091-155B-4866-8118-76D1602BD681}" presName="LevelTwoTextNode" presStyleLbl="node2" presStyleIdx="7" presStyleCnt="8" custScaleX="153912" custLinFactNeighborX="59249" custLinFactNeighborY="13484">
         <dgm:presLayoutVars>
           <dgm:chPref val="3"/>
         </dgm:presLayoutVars>
@@ -3476,86 +3546,95 @@
     </dgm:pt>
   </dgm:ptLst>
   <dgm:cxnLst>
-    <dgm:cxn modelId="{C79AA200-F7A4-48F9-A19D-4D40EA54EA6F}" srcId="{8C741B16-0DD9-4060-8357-F047E51996B8}" destId="{7638F091-155B-4866-8118-76D1602BD681}" srcOrd="2" destOrd="0" parTransId="{0144B4F2-8418-438D-8744-26BE61ABDC0C}" sibTransId="{42A59362-AC53-4CCA-9E93-EA57DB4CAF29}"/>
-    <dgm:cxn modelId="{BAF68B05-EE68-41C0-A883-3400EAF1C30D}" srcId="{8C741B16-0DD9-4060-8357-F047E51996B8}" destId="{204EAFEE-56B2-46A2-B834-5B905AC13D3C}" srcOrd="1" destOrd="0" parTransId="{BC196B66-B3C5-49C6-AFB8-80CFD317DEFD}" sibTransId="{8A7601FD-111F-47B7-8E78-67A0F11B8FE9}"/>
-    <dgm:cxn modelId="{B765480C-C6CD-4B94-AA73-8D02E421D7D7}" type="presOf" srcId="{D30AF681-708D-4714-90CD-F18E8F00DA95}" destId="{46B485AF-75C0-4E62-B319-3EAD3F59101C}" srcOrd="1" destOrd="0" presId="urn:microsoft.com/office/officeart/2008/layout/HorizontalMultiLevelHierarchy"/>
-    <dgm:cxn modelId="{6968FE14-2FF3-4B4A-87DF-171317477979}" type="presOf" srcId="{7638F091-155B-4866-8118-76D1602BD681}" destId="{2277A565-CE33-4308-8FFC-6C45A4070994}" srcOrd="0" destOrd="0" presId="urn:microsoft.com/office/officeart/2008/layout/HorizontalMultiLevelHierarchy"/>
-    <dgm:cxn modelId="{D4F86619-FCB7-4A2F-8759-AED97A82235B}" type="presOf" srcId="{8C741B16-0DD9-4060-8357-F047E51996B8}" destId="{8CF1E56C-049D-48EB-B096-90D03E5E96A1}" srcOrd="0" destOrd="0" presId="urn:microsoft.com/office/officeart/2008/layout/HorizontalMultiLevelHierarchy"/>
-    <dgm:cxn modelId="{F084825E-30E4-488A-B536-06315B8F5004}" type="presOf" srcId="{63193561-4D94-414F-8F4C-C8F26D6BF1D5}" destId="{A63ECC77-27DD-4872-ABB2-C1CB6FFDC649}" srcOrd="0" destOrd="0" presId="urn:microsoft.com/office/officeart/2008/layout/HorizontalMultiLevelHierarchy"/>
-    <dgm:cxn modelId="{0D581F66-B5CF-422D-9251-7CB8142ADAA8}" type="presOf" srcId="{5006CB5F-BD68-4BCE-A1B4-24759E73953E}" destId="{5CDECEDC-54AE-4171-9793-2CCA15B36DDE}" srcOrd="1" destOrd="0" presId="urn:microsoft.com/office/officeart/2008/layout/HorizontalMultiLevelHierarchy"/>
-    <dgm:cxn modelId="{4ABCE147-7D04-4ADC-A5A6-EB3C24479572}" type="presOf" srcId="{D30AF681-708D-4714-90CD-F18E8F00DA95}" destId="{AEAFC00F-1553-4930-9576-ECC45A2ECB17}" srcOrd="0" destOrd="0" presId="urn:microsoft.com/office/officeart/2008/layout/HorizontalMultiLevelHierarchy"/>
-    <dgm:cxn modelId="{56176B6A-6550-4C15-AEA3-F0E280B6F4F4}" type="presOf" srcId="{204EAFEE-56B2-46A2-B834-5B905AC13D3C}" destId="{0E9277A7-885A-405A-97CE-FCC3592A1BA5}" srcOrd="0" destOrd="0" presId="urn:microsoft.com/office/officeart/2008/layout/HorizontalMultiLevelHierarchy"/>
+    <dgm:cxn modelId="{C79AA200-F7A4-48F9-A19D-4D40EA54EA6F}" srcId="{8C741B16-0DD9-4060-8357-F047E51996B8}" destId="{7638F091-155B-4866-8118-76D1602BD681}" srcOrd="3" destOrd="0" parTransId="{0144B4F2-8418-438D-8744-26BE61ABDC0C}" sibTransId="{42A59362-AC53-4CCA-9E93-EA57DB4CAF29}"/>
+    <dgm:cxn modelId="{BAF68B05-EE68-41C0-A883-3400EAF1C30D}" srcId="{8C741B16-0DD9-4060-8357-F047E51996B8}" destId="{204EAFEE-56B2-46A2-B834-5B905AC13D3C}" srcOrd="2" destOrd="0" parTransId="{BC196B66-B3C5-49C6-AFB8-80CFD317DEFD}" sibTransId="{8A7601FD-111F-47B7-8E78-67A0F11B8FE9}"/>
+    <dgm:cxn modelId="{B765480C-C6CD-4B94-AA73-8D02E421D7D7}" type="presOf" srcId="{D30AF681-708D-4714-90CD-F18E8F00DA95}" destId="{46B485AF-75C0-4E62-B319-3EAD3F59101C}" srcOrd="1" destOrd="0" presId="urn:microsoft.com/office/officeart/2008/layout/HorizontalMultiLevelHierarchy#4"/>
+    <dgm:cxn modelId="{6968FE14-2FF3-4B4A-87DF-171317477979}" type="presOf" srcId="{7638F091-155B-4866-8118-76D1602BD681}" destId="{2277A565-CE33-4308-8FFC-6C45A4070994}" srcOrd="0" destOrd="0" presId="urn:microsoft.com/office/officeart/2008/layout/HorizontalMultiLevelHierarchy#4"/>
+    <dgm:cxn modelId="{74283A15-70EA-4892-8417-E3168FE24562}" type="presOf" srcId="{78C13EDC-C331-4BA9-BC4B-FCD8C9146F18}" destId="{7A9C256E-BD10-4222-A624-E5560EA9A3C4}" srcOrd="0" destOrd="0" presId="urn:microsoft.com/office/officeart/2008/layout/HorizontalMultiLevelHierarchy#4"/>
+    <dgm:cxn modelId="{D4F86619-FCB7-4A2F-8759-AED97A82235B}" type="presOf" srcId="{8C741B16-0DD9-4060-8357-F047E51996B8}" destId="{8CF1E56C-049D-48EB-B096-90D03E5E96A1}" srcOrd="0" destOrd="0" presId="urn:microsoft.com/office/officeart/2008/layout/HorizontalMultiLevelHierarchy#4"/>
+    <dgm:cxn modelId="{A5AB9E2A-C128-4FA4-97BB-6CC2BF1F6263}" srcId="{8C741B16-0DD9-4060-8357-F047E51996B8}" destId="{78C13EDC-C331-4BA9-BC4B-FCD8C9146F18}" srcOrd="1" destOrd="0" parTransId="{9CEFA006-1EE7-4F53-A12C-2707B66A0AD1}" sibTransId="{B99DEF93-0AB5-40B0-AE30-39FCFCE9E18D}"/>
+    <dgm:cxn modelId="{F084825E-30E4-488A-B536-06315B8F5004}" type="presOf" srcId="{63193561-4D94-414F-8F4C-C8F26D6BF1D5}" destId="{A63ECC77-27DD-4872-ABB2-C1CB6FFDC649}" srcOrd="0" destOrd="0" presId="urn:microsoft.com/office/officeart/2008/layout/HorizontalMultiLevelHierarchy#4"/>
+    <dgm:cxn modelId="{0D581F66-B5CF-422D-9251-7CB8142ADAA8}" type="presOf" srcId="{5006CB5F-BD68-4BCE-A1B4-24759E73953E}" destId="{5CDECEDC-54AE-4171-9793-2CCA15B36DDE}" srcOrd="1" destOrd="0" presId="urn:microsoft.com/office/officeart/2008/layout/HorizontalMultiLevelHierarchy#4"/>
+    <dgm:cxn modelId="{4ABCE147-7D04-4ADC-A5A6-EB3C24479572}" type="presOf" srcId="{D30AF681-708D-4714-90CD-F18E8F00DA95}" destId="{AEAFC00F-1553-4930-9576-ECC45A2ECB17}" srcOrd="0" destOrd="0" presId="urn:microsoft.com/office/officeart/2008/layout/HorizontalMultiLevelHierarchy#4"/>
+    <dgm:cxn modelId="{56176B6A-6550-4C15-AEA3-F0E280B6F4F4}" type="presOf" srcId="{204EAFEE-56B2-46A2-B834-5B905AC13D3C}" destId="{0E9277A7-885A-405A-97CE-FCC3592A1BA5}" srcOrd="0" destOrd="0" presId="urn:microsoft.com/office/officeart/2008/layout/HorizontalMultiLevelHierarchy#4"/>
+    <dgm:cxn modelId="{03659370-ECB8-4FFB-B417-91B5F9AFDC94}" type="presOf" srcId="{9CEFA006-1EE7-4F53-A12C-2707B66A0AD1}" destId="{25431324-A97F-4A20-8D31-D1006AC71D8E}" srcOrd="1" destOrd="0" presId="urn:microsoft.com/office/officeart/2008/layout/HorizontalMultiLevelHierarchy#4"/>
     <dgm:cxn modelId="{93BE5672-AA00-4961-80DA-B44C0DC29554}" srcId="{FFA82C4B-875E-40AC-AE8A-0DAD5BF13E6B}" destId="{F3D8B9FD-837D-4644-9B57-FC78F9694DAF}" srcOrd="3" destOrd="0" parTransId="{931FFF4C-3E31-4C5F-A6CE-D3E0F988E7D2}" sibTransId="{FABBCA89-9BBB-4B5C-8F6A-B333C490D41A}"/>
-    <dgm:cxn modelId="{27771880-4A48-4A82-B9EF-55F9D6282693}" type="presOf" srcId="{5006CB5F-BD68-4BCE-A1B4-24759E73953E}" destId="{E3421BF1-8785-4D75-8D4E-776E74282F68}" srcOrd="0" destOrd="0" presId="urn:microsoft.com/office/officeart/2008/layout/HorizontalMultiLevelHierarchy"/>
-    <dgm:cxn modelId="{1A648C81-EFF4-4A74-8FE9-44A90635FB45}" type="presOf" srcId="{34894FD9-AC00-4519-8E53-007509254D79}" destId="{6CA808D1-1829-443E-87F6-A3D4BF30E2E1}" srcOrd="0" destOrd="0" presId="urn:microsoft.com/office/officeart/2008/layout/HorizontalMultiLevelHierarchy"/>
-    <dgm:cxn modelId="{B8968C84-7681-4439-A5AF-2DE02922A121}" type="presOf" srcId="{931FFF4C-3E31-4C5F-A6CE-D3E0F988E7D2}" destId="{E2EC2FB9-B63E-48A7-A342-FBB2A0749B13}" srcOrd="0" destOrd="0" presId="urn:microsoft.com/office/officeart/2008/layout/HorizontalMultiLevelHierarchy"/>
-    <dgm:cxn modelId="{CE3E6F97-B980-4DEB-94CC-1D1AFFE48F63}" type="presOf" srcId="{0144B4F2-8418-438D-8744-26BE61ABDC0C}" destId="{C70DE741-3049-4844-B66D-2F337AE86EC9}" srcOrd="1" destOrd="0" presId="urn:microsoft.com/office/officeart/2008/layout/HorizontalMultiLevelHierarchy"/>
-    <dgm:cxn modelId="{68F2979A-804A-44A5-8112-21C99CD925ED}" type="presOf" srcId="{BC196B66-B3C5-49C6-AFB8-80CFD317DEFD}" destId="{44297386-6A8E-4205-B11B-EB5E3AEADFFA}" srcOrd="1" destOrd="0" presId="urn:microsoft.com/office/officeart/2008/layout/HorizontalMultiLevelHierarchy"/>
-    <dgm:cxn modelId="{14A5849C-4C83-4B83-B68A-F26C80835182}" type="presOf" srcId="{FFA82C4B-875E-40AC-AE8A-0DAD5BF13E6B}" destId="{102B82C0-6243-4AFF-842F-FEC267C347BD}" srcOrd="0" destOrd="0" presId="urn:microsoft.com/office/officeart/2008/layout/HorizontalMultiLevelHierarchy"/>
-    <dgm:cxn modelId="{C55BBA9E-1924-4F1B-A107-629D6BA3F23B}" type="presOf" srcId="{69AFE608-FB4E-4597-9C0B-39B3C7B330C7}" destId="{6011EB5F-B8A1-4CF1-A515-5C89E838679B}" srcOrd="0" destOrd="0" presId="urn:microsoft.com/office/officeart/2008/layout/HorizontalMultiLevelHierarchy"/>
-    <dgm:cxn modelId="{A32C74A1-D93E-4575-9C66-DBE294E9787B}" type="presOf" srcId="{7696C310-3CAB-42F9-B1BC-BBCD721E1A1B}" destId="{534519AB-569A-4290-8E0B-64291B43B225}" srcOrd="0" destOrd="0" presId="urn:microsoft.com/office/officeart/2008/layout/HorizontalMultiLevelHierarchy"/>
-    <dgm:cxn modelId="{90C1FFA5-F436-4CF0-9CC3-17E2E7EE8BF5}" type="presOf" srcId="{7696C310-3CAB-42F9-B1BC-BBCD721E1A1B}" destId="{BAA05368-3928-456A-AD66-AE5D39BAE525}" srcOrd="1" destOrd="0" presId="urn:microsoft.com/office/officeart/2008/layout/HorizontalMultiLevelHierarchy"/>
-    <dgm:cxn modelId="{9D32A8B8-F35D-493D-823A-3DFACE8B064A}" type="presOf" srcId="{8F24A658-CE9F-4018-9154-36E115203874}" destId="{8930C6D7-98CD-4DBD-9E2D-D8B3593DA865}" srcOrd="0" destOrd="0" presId="urn:microsoft.com/office/officeart/2008/layout/HorizontalMultiLevelHierarchy"/>
+    <dgm:cxn modelId="{27771880-4A48-4A82-B9EF-55F9D6282693}" type="presOf" srcId="{5006CB5F-BD68-4BCE-A1B4-24759E73953E}" destId="{E3421BF1-8785-4D75-8D4E-776E74282F68}" srcOrd="0" destOrd="0" presId="urn:microsoft.com/office/officeart/2008/layout/HorizontalMultiLevelHierarchy#4"/>
+    <dgm:cxn modelId="{1A648C81-EFF4-4A74-8FE9-44A90635FB45}" type="presOf" srcId="{34894FD9-AC00-4519-8E53-007509254D79}" destId="{6CA808D1-1829-443E-87F6-A3D4BF30E2E1}" srcOrd="0" destOrd="0" presId="urn:microsoft.com/office/officeart/2008/layout/HorizontalMultiLevelHierarchy#4"/>
+    <dgm:cxn modelId="{B8968C84-7681-4439-A5AF-2DE02922A121}" type="presOf" srcId="{931FFF4C-3E31-4C5F-A6CE-D3E0F988E7D2}" destId="{E2EC2FB9-B63E-48A7-A342-FBB2A0749B13}" srcOrd="0" destOrd="0" presId="urn:microsoft.com/office/officeart/2008/layout/HorizontalMultiLevelHierarchy#4"/>
+    <dgm:cxn modelId="{664DCE8F-61CC-4E64-AA2A-5C7845E1B991}" type="presOf" srcId="{9CEFA006-1EE7-4F53-A12C-2707B66A0AD1}" destId="{F2BB2FA6-0BD8-41F8-92EF-B5E363A4C386}" srcOrd="0" destOrd="0" presId="urn:microsoft.com/office/officeart/2008/layout/HorizontalMultiLevelHierarchy#4"/>
+    <dgm:cxn modelId="{CE3E6F97-B980-4DEB-94CC-1D1AFFE48F63}" type="presOf" srcId="{0144B4F2-8418-438D-8744-26BE61ABDC0C}" destId="{C70DE741-3049-4844-B66D-2F337AE86EC9}" srcOrd="1" destOrd="0" presId="urn:microsoft.com/office/officeart/2008/layout/HorizontalMultiLevelHierarchy#4"/>
+    <dgm:cxn modelId="{68F2979A-804A-44A5-8112-21C99CD925ED}" type="presOf" srcId="{BC196B66-B3C5-49C6-AFB8-80CFD317DEFD}" destId="{44297386-6A8E-4205-B11B-EB5E3AEADFFA}" srcOrd="1" destOrd="0" presId="urn:microsoft.com/office/officeart/2008/layout/HorizontalMultiLevelHierarchy#4"/>
+    <dgm:cxn modelId="{14A5849C-4C83-4B83-B68A-F26C80835182}" type="presOf" srcId="{FFA82C4B-875E-40AC-AE8A-0DAD5BF13E6B}" destId="{102B82C0-6243-4AFF-842F-FEC267C347BD}" srcOrd="0" destOrd="0" presId="urn:microsoft.com/office/officeart/2008/layout/HorizontalMultiLevelHierarchy#4"/>
+    <dgm:cxn modelId="{C55BBA9E-1924-4F1B-A107-629D6BA3F23B}" type="presOf" srcId="{69AFE608-FB4E-4597-9C0B-39B3C7B330C7}" destId="{6011EB5F-B8A1-4CF1-A515-5C89E838679B}" srcOrd="0" destOrd="0" presId="urn:microsoft.com/office/officeart/2008/layout/HorizontalMultiLevelHierarchy#4"/>
+    <dgm:cxn modelId="{A32C74A1-D93E-4575-9C66-DBE294E9787B}" type="presOf" srcId="{7696C310-3CAB-42F9-B1BC-BBCD721E1A1B}" destId="{534519AB-569A-4290-8E0B-64291B43B225}" srcOrd="0" destOrd="0" presId="urn:microsoft.com/office/officeart/2008/layout/HorizontalMultiLevelHierarchy#4"/>
+    <dgm:cxn modelId="{90C1FFA5-F436-4CF0-9CC3-17E2E7EE8BF5}" type="presOf" srcId="{7696C310-3CAB-42F9-B1BC-BBCD721E1A1B}" destId="{BAA05368-3928-456A-AD66-AE5D39BAE525}" srcOrd="1" destOrd="0" presId="urn:microsoft.com/office/officeart/2008/layout/HorizontalMultiLevelHierarchy#4"/>
+    <dgm:cxn modelId="{9D32A8B8-F35D-493D-823A-3DFACE8B064A}" type="presOf" srcId="{8F24A658-CE9F-4018-9154-36E115203874}" destId="{8930C6D7-98CD-4DBD-9E2D-D8B3593DA865}" srcOrd="0" destOrd="0" presId="urn:microsoft.com/office/officeart/2008/layout/HorizontalMultiLevelHierarchy#4"/>
     <dgm:cxn modelId="{A93BF6BE-0192-4164-9ECD-47CBADC7216F}" srcId="{8C741B16-0DD9-4060-8357-F047E51996B8}" destId="{34894FD9-AC00-4519-8E53-007509254D79}" srcOrd="0" destOrd="0" parTransId="{D30AF681-708D-4714-90CD-F18E8F00DA95}" sibTransId="{E709E6B6-86DE-463B-9B5E-CB4DC43BF98D}"/>
     <dgm:cxn modelId="{A966EFBF-CC71-4D56-A0F1-3FAAAA5162EC}" srcId="{97CA6497-3A2C-4C33-AFF4-D58B25591272}" destId="{FFA82C4B-875E-40AC-AE8A-0DAD5BF13E6B}" srcOrd="0" destOrd="0" parTransId="{15547091-E3A6-4394-8FE8-DFA8AD2097F8}" sibTransId="{9F5DDB86-2268-49C6-850C-CB368548571D}"/>
-    <dgm:cxn modelId="{BEB088CA-EF63-471C-A579-98FC9216251F}" type="presOf" srcId="{97CA6497-3A2C-4C33-AFF4-D58B25591272}" destId="{DEB296E9-1E75-4B40-8CBF-C0BEDD712C86}" srcOrd="0" destOrd="0" presId="urn:microsoft.com/office/officeart/2008/layout/HorizontalMultiLevelHierarchy"/>
+    <dgm:cxn modelId="{BEB088CA-EF63-471C-A579-98FC9216251F}" type="presOf" srcId="{97CA6497-3A2C-4C33-AFF4-D58B25591272}" destId="{DEB296E9-1E75-4B40-8CBF-C0BEDD712C86}" srcOrd="0" destOrd="0" presId="urn:microsoft.com/office/officeart/2008/layout/HorizontalMultiLevelHierarchy#4"/>
     <dgm:cxn modelId="{603987CC-5E33-42E6-BFC1-0F859AFB20E4}" srcId="{FFA82C4B-875E-40AC-AE8A-0DAD5BF13E6B}" destId="{63193561-4D94-414F-8F4C-C8F26D6BF1D5}" srcOrd="0" destOrd="0" parTransId="{5006CB5F-BD68-4BCE-A1B4-24759E73953E}" sibTransId="{E067EA31-9FFB-418A-A326-996AB0DD534E}"/>
-    <dgm:cxn modelId="{1154D4D0-DD20-4DF1-9556-DDF435187E05}" type="presOf" srcId="{0144B4F2-8418-438D-8744-26BE61ABDC0C}" destId="{318AA675-F1F1-4413-9EB0-B499B7BD47F3}" srcOrd="0" destOrd="0" presId="urn:microsoft.com/office/officeart/2008/layout/HorizontalMultiLevelHierarchy"/>
-    <dgm:cxn modelId="{F00FA5DE-F283-4ABA-9FCF-7450EF454356}" type="presOf" srcId="{25CA9DDE-B406-4066-BB43-A3AA984A5766}" destId="{0CA853FF-4798-4621-BC86-16D18817B30B}" srcOrd="1" destOrd="0" presId="urn:microsoft.com/office/officeart/2008/layout/HorizontalMultiLevelHierarchy"/>
+    <dgm:cxn modelId="{1154D4D0-DD20-4DF1-9556-DDF435187E05}" type="presOf" srcId="{0144B4F2-8418-438D-8744-26BE61ABDC0C}" destId="{318AA675-F1F1-4413-9EB0-B499B7BD47F3}" srcOrd="0" destOrd="0" presId="urn:microsoft.com/office/officeart/2008/layout/HorizontalMultiLevelHierarchy#4"/>
+    <dgm:cxn modelId="{F00FA5DE-F283-4ABA-9FCF-7450EF454356}" type="presOf" srcId="{25CA9DDE-B406-4066-BB43-A3AA984A5766}" destId="{0CA853FF-4798-4621-BC86-16D18817B30B}" srcOrd="1" destOrd="0" presId="urn:microsoft.com/office/officeart/2008/layout/HorizontalMultiLevelHierarchy#4"/>
     <dgm:cxn modelId="{6D1698E0-451C-4A88-825B-527D48ADD67B}" srcId="{FFA82C4B-875E-40AC-AE8A-0DAD5BF13E6B}" destId="{69AFE608-FB4E-4597-9C0B-39B3C7B330C7}" srcOrd="2" destOrd="0" parTransId="{7696C310-3CAB-42F9-B1BC-BBCD721E1A1B}" sibTransId="{DD70E8F2-0CCA-4F0C-BE2F-E970DE75A0B7}"/>
-    <dgm:cxn modelId="{B804CBE7-4D8B-45D6-941A-72621E8317CE}" type="presOf" srcId="{F3D8B9FD-837D-4644-9B57-FC78F9694DAF}" destId="{9041456B-8D97-4923-8E9A-735B90619910}" srcOrd="0" destOrd="0" presId="urn:microsoft.com/office/officeart/2008/layout/HorizontalMultiLevelHierarchy"/>
-    <dgm:cxn modelId="{B64C98ED-C582-488E-ADB1-5A9B24DA31D0}" type="presOf" srcId="{BC196B66-B3C5-49C6-AFB8-80CFD317DEFD}" destId="{7E7E8E16-B053-4845-8A47-089CD9A78F56}" srcOrd="0" destOrd="0" presId="urn:microsoft.com/office/officeart/2008/layout/HorizontalMultiLevelHierarchy"/>
-    <dgm:cxn modelId="{E6ABE0F4-C68E-4030-89F6-40BFA28C4B2C}" type="presOf" srcId="{25CA9DDE-B406-4066-BB43-A3AA984A5766}" destId="{78E98673-2296-4C47-B551-5B2387AF51DC}" srcOrd="0" destOrd="0" presId="urn:microsoft.com/office/officeart/2008/layout/HorizontalMultiLevelHierarchy"/>
-    <dgm:cxn modelId="{5196C2FA-553A-491A-B836-7CC3AE8CF18E}" type="presOf" srcId="{931FFF4C-3E31-4C5F-A6CE-D3E0F988E7D2}" destId="{F85754C6-E77F-4ADD-811B-D656C688CA6B}" srcOrd="1" destOrd="0" presId="urn:microsoft.com/office/officeart/2008/layout/HorizontalMultiLevelHierarchy"/>
+    <dgm:cxn modelId="{B804CBE7-4D8B-45D6-941A-72621E8317CE}" type="presOf" srcId="{F3D8B9FD-837D-4644-9B57-FC78F9694DAF}" destId="{9041456B-8D97-4923-8E9A-735B90619910}" srcOrd="0" destOrd="0" presId="urn:microsoft.com/office/officeart/2008/layout/HorizontalMultiLevelHierarchy#4"/>
+    <dgm:cxn modelId="{B64C98ED-C582-488E-ADB1-5A9B24DA31D0}" type="presOf" srcId="{BC196B66-B3C5-49C6-AFB8-80CFD317DEFD}" destId="{7E7E8E16-B053-4845-8A47-089CD9A78F56}" srcOrd="0" destOrd="0" presId="urn:microsoft.com/office/officeart/2008/layout/HorizontalMultiLevelHierarchy#4"/>
+    <dgm:cxn modelId="{E6ABE0F4-C68E-4030-89F6-40BFA28C4B2C}" type="presOf" srcId="{25CA9DDE-B406-4066-BB43-A3AA984A5766}" destId="{78E98673-2296-4C47-B551-5B2387AF51DC}" srcOrd="0" destOrd="0" presId="urn:microsoft.com/office/officeart/2008/layout/HorizontalMultiLevelHierarchy#4"/>
+    <dgm:cxn modelId="{5196C2FA-553A-491A-B836-7CC3AE8CF18E}" type="presOf" srcId="{931FFF4C-3E31-4C5F-A6CE-D3E0F988E7D2}" destId="{F85754C6-E77F-4ADD-811B-D656C688CA6B}" srcOrd="1" destOrd="0" presId="urn:microsoft.com/office/officeart/2008/layout/HorizontalMultiLevelHierarchy#4"/>
     <dgm:cxn modelId="{DD5706FC-54BF-4860-B193-7A7DA0B6C7CB}" srcId="{FFA82C4B-875E-40AC-AE8A-0DAD5BF13E6B}" destId="{8F24A658-CE9F-4018-9154-36E115203874}" srcOrd="1" destOrd="0" parTransId="{25CA9DDE-B406-4066-BB43-A3AA984A5766}" sibTransId="{AAEA03E0-C757-4017-94FB-656BFC0736D4}"/>
     <dgm:cxn modelId="{E316F2FE-B289-4591-B6EC-D978CDF5A9C0}" srcId="{97CA6497-3A2C-4C33-AFF4-D58B25591272}" destId="{8C741B16-0DD9-4060-8357-F047E51996B8}" srcOrd="1" destOrd="0" parTransId="{9F6EC102-F85A-4ED0-B084-C8A421565087}" sibTransId="{E8C1E340-E3DE-4DCD-8A5D-1FF5793D50F3}"/>
-    <dgm:cxn modelId="{483684E9-2E5E-4E82-8399-DF7BD4142C37}" type="presParOf" srcId="{DEB296E9-1E75-4B40-8CBF-C0BEDD712C86}" destId="{A7F62CF6-FBC8-4113-A623-83EC55E48568}" srcOrd="0" destOrd="0" presId="urn:microsoft.com/office/officeart/2008/layout/HorizontalMultiLevelHierarchy"/>
-    <dgm:cxn modelId="{FC2BEAFC-4299-4B58-993C-83BD47E1E08E}" type="presParOf" srcId="{A7F62CF6-FBC8-4113-A623-83EC55E48568}" destId="{102B82C0-6243-4AFF-842F-FEC267C347BD}" srcOrd="0" destOrd="0" presId="urn:microsoft.com/office/officeart/2008/layout/HorizontalMultiLevelHierarchy"/>
-    <dgm:cxn modelId="{C096BAF9-8F4C-426A-B217-50607D2F68DE}" type="presParOf" srcId="{A7F62CF6-FBC8-4113-A623-83EC55E48568}" destId="{EB92D9D9-8625-4AEF-AF00-C36FDC8429E0}" srcOrd="1" destOrd="0" presId="urn:microsoft.com/office/officeart/2008/layout/HorizontalMultiLevelHierarchy"/>
-    <dgm:cxn modelId="{D2998DFD-3ECF-438E-8F63-EDC3B962A4B0}" type="presParOf" srcId="{EB92D9D9-8625-4AEF-AF00-C36FDC8429E0}" destId="{E3421BF1-8785-4D75-8D4E-776E74282F68}" srcOrd="0" destOrd="0" presId="urn:microsoft.com/office/officeart/2008/layout/HorizontalMultiLevelHierarchy"/>
-    <dgm:cxn modelId="{812E2FCC-755A-4822-87FD-F332767EF142}" type="presParOf" srcId="{E3421BF1-8785-4D75-8D4E-776E74282F68}" destId="{5CDECEDC-54AE-4171-9793-2CCA15B36DDE}" srcOrd="0" destOrd="0" presId="urn:microsoft.com/office/officeart/2008/layout/HorizontalMultiLevelHierarchy"/>
-    <dgm:cxn modelId="{59FBFF61-443A-479F-A316-BF8F1442DF8E}" type="presParOf" srcId="{EB92D9D9-8625-4AEF-AF00-C36FDC8429E0}" destId="{A7FC231E-3E91-4A5E-BBD5-63268A1C63C4}" srcOrd="1" destOrd="0" presId="urn:microsoft.com/office/officeart/2008/layout/HorizontalMultiLevelHierarchy"/>
-    <dgm:cxn modelId="{7228DF93-7749-4264-B0E1-35A0FDB92C85}" type="presParOf" srcId="{A7FC231E-3E91-4A5E-BBD5-63268A1C63C4}" destId="{A63ECC77-27DD-4872-ABB2-C1CB6FFDC649}" srcOrd="0" destOrd="0" presId="urn:microsoft.com/office/officeart/2008/layout/HorizontalMultiLevelHierarchy"/>
-    <dgm:cxn modelId="{4139862A-40AA-486D-BD26-7CCC4155C2F1}" type="presParOf" srcId="{A7FC231E-3E91-4A5E-BBD5-63268A1C63C4}" destId="{38964B0C-1739-4195-BDD5-0888E79224AB}" srcOrd="1" destOrd="0" presId="urn:microsoft.com/office/officeart/2008/layout/HorizontalMultiLevelHierarchy"/>
-    <dgm:cxn modelId="{B68B9F57-42FE-4AF1-9B25-5F56CB2B1A82}" type="presParOf" srcId="{EB92D9D9-8625-4AEF-AF00-C36FDC8429E0}" destId="{78E98673-2296-4C47-B551-5B2387AF51DC}" srcOrd="2" destOrd="0" presId="urn:microsoft.com/office/officeart/2008/layout/HorizontalMultiLevelHierarchy"/>
-    <dgm:cxn modelId="{A1E98F14-EAFB-4AA9-9D23-8373CCD4D1EA}" type="presParOf" srcId="{78E98673-2296-4C47-B551-5B2387AF51DC}" destId="{0CA853FF-4798-4621-BC86-16D18817B30B}" srcOrd="0" destOrd="0" presId="urn:microsoft.com/office/officeart/2008/layout/HorizontalMultiLevelHierarchy"/>
-    <dgm:cxn modelId="{3FAAAEE3-CBEE-4656-B490-DD86DF7AC018}" type="presParOf" srcId="{EB92D9D9-8625-4AEF-AF00-C36FDC8429E0}" destId="{C88114FF-315D-4EAC-9E9D-5792498AFD8B}" srcOrd="3" destOrd="0" presId="urn:microsoft.com/office/officeart/2008/layout/HorizontalMultiLevelHierarchy"/>
-    <dgm:cxn modelId="{D3C17B4F-2D37-4DB1-95BB-1EC1F7F37413}" type="presParOf" srcId="{C88114FF-315D-4EAC-9E9D-5792498AFD8B}" destId="{8930C6D7-98CD-4DBD-9E2D-D8B3593DA865}" srcOrd="0" destOrd="0" presId="urn:microsoft.com/office/officeart/2008/layout/HorizontalMultiLevelHierarchy"/>
-    <dgm:cxn modelId="{5276A62A-88CD-4736-A64E-F9EF42EB5F9B}" type="presParOf" srcId="{C88114FF-315D-4EAC-9E9D-5792498AFD8B}" destId="{DF23C36D-3CEC-42BF-941B-580A564D6BEC}" srcOrd="1" destOrd="0" presId="urn:microsoft.com/office/officeart/2008/layout/HorizontalMultiLevelHierarchy"/>
-    <dgm:cxn modelId="{EE975CB8-903A-48F2-8683-8675340D8A11}" type="presParOf" srcId="{EB92D9D9-8625-4AEF-AF00-C36FDC8429E0}" destId="{534519AB-569A-4290-8E0B-64291B43B225}" srcOrd="4" destOrd="0" presId="urn:microsoft.com/office/officeart/2008/layout/HorizontalMultiLevelHierarchy"/>
-    <dgm:cxn modelId="{3AD596EE-9E4E-4D16-939B-DD0E8A333DC0}" type="presParOf" srcId="{534519AB-569A-4290-8E0B-64291B43B225}" destId="{BAA05368-3928-456A-AD66-AE5D39BAE525}" srcOrd="0" destOrd="0" presId="urn:microsoft.com/office/officeart/2008/layout/HorizontalMultiLevelHierarchy"/>
-    <dgm:cxn modelId="{0C446B81-CF93-442E-B2A4-350D0A0E0FAD}" type="presParOf" srcId="{EB92D9D9-8625-4AEF-AF00-C36FDC8429E0}" destId="{26A1CEB5-3081-4090-A1FB-0698158689B7}" srcOrd="5" destOrd="0" presId="urn:microsoft.com/office/officeart/2008/layout/HorizontalMultiLevelHierarchy"/>
-    <dgm:cxn modelId="{67E7BC5F-CC57-4633-9BA6-03B580F06FBA}" type="presParOf" srcId="{26A1CEB5-3081-4090-A1FB-0698158689B7}" destId="{6011EB5F-B8A1-4CF1-A515-5C89E838679B}" srcOrd="0" destOrd="0" presId="urn:microsoft.com/office/officeart/2008/layout/HorizontalMultiLevelHierarchy"/>
-    <dgm:cxn modelId="{582F4D90-A26B-4CA5-9380-92C10548C9B1}" type="presParOf" srcId="{26A1CEB5-3081-4090-A1FB-0698158689B7}" destId="{E26788F5-2E1F-458B-83BD-689F8DA170E7}" srcOrd="1" destOrd="0" presId="urn:microsoft.com/office/officeart/2008/layout/HorizontalMultiLevelHierarchy"/>
-    <dgm:cxn modelId="{19F66224-393C-4EAA-89E5-4BBC0DAC4A92}" type="presParOf" srcId="{EB92D9D9-8625-4AEF-AF00-C36FDC8429E0}" destId="{E2EC2FB9-B63E-48A7-A342-FBB2A0749B13}" srcOrd="6" destOrd="0" presId="urn:microsoft.com/office/officeart/2008/layout/HorizontalMultiLevelHierarchy"/>
-    <dgm:cxn modelId="{E9B8675A-069D-476E-9EA9-F800087F3A5D}" type="presParOf" srcId="{E2EC2FB9-B63E-48A7-A342-FBB2A0749B13}" destId="{F85754C6-E77F-4ADD-811B-D656C688CA6B}" srcOrd="0" destOrd="0" presId="urn:microsoft.com/office/officeart/2008/layout/HorizontalMultiLevelHierarchy"/>
-    <dgm:cxn modelId="{D2BAE64C-BFF4-4969-9AF5-7CA99E1EAE2F}" type="presParOf" srcId="{EB92D9D9-8625-4AEF-AF00-C36FDC8429E0}" destId="{A7297EB8-7D3D-430A-8DB0-C552339468D1}" srcOrd="7" destOrd="0" presId="urn:microsoft.com/office/officeart/2008/layout/HorizontalMultiLevelHierarchy"/>
-    <dgm:cxn modelId="{B5D7AF24-8A9F-4650-9D7A-D5579D0E2641}" type="presParOf" srcId="{A7297EB8-7D3D-430A-8DB0-C552339468D1}" destId="{9041456B-8D97-4923-8E9A-735B90619910}" srcOrd="0" destOrd="0" presId="urn:microsoft.com/office/officeart/2008/layout/HorizontalMultiLevelHierarchy"/>
-    <dgm:cxn modelId="{7FE6D092-906A-4DEF-9686-AB3987D225C2}" type="presParOf" srcId="{A7297EB8-7D3D-430A-8DB0-C552339468D1}" destId="{8DE23739-4651-49E5-89DD-02C9CDCC22C4}" srcOrd="1" destOrd="0" presId="urn:microsoft.com/office/officeart/2008/layout/HorizontalMultiLevelHierarchy"/>
-    <dgm:cxn modelId="{4CAE3131-E46A-41E2-ACDA-BFE31C1E3C14}" type="presParOf" srcId="{DEB296E9-1E75-4B40-8CBF-C0BEDD712C86}" destId="{0041A1D2-C7F9-4D02-8459-9E05D5EB7983}" srcOrd="1" destOrd="0" presId="urn:microsoft.com/office/officeart/2008/layout/HorizontalMultiLevelHierarchy"/>
-    <dgm:cxn modelId="{0038FDFF-741D-4F43-8374-30D25BC78237}" type="presParOf" srcId="{0041A1D2-C7F9-4D02-8459-9E05D5EB7983}" destId="{8CF1E56C-049D-48EB-B096-90D03E5E96A1}" srcOrd="0" destOrd="0" presId="urn:microsoft.com/office/officeart/2008/layout/HorizontalMultiLevelHierarchy"/>
-    <dgm:cxn modelId="{D699359C-9B5E-4214-BB40-3D0D4ABF423E}" type="presParOf" srcId="{0041A1D2-C7F9-4D02-8459-9E05D5EB7983}" destId="{D4B62E89-463C-4C57-A424-0E4F9547ED63}" srcOrd="1" destOrd="0" presId="urn:microsoft.com/office/officeart/2008/layout/HorizontalMultiLevelHierarchy"/>
-    <dgm:cxn modelId="{FCE86E3F-3839-4213-B8CE-8A2AA8D169FE}" type="presParOf" srcId="{D4B62E89-463C-4C57-A424-0E4F9547ED63}" destId="{AEAFC00F-1553-4930-9576-ECC45A2ECB17}" srcOrd="0" destOrd="0" presId="urn:microsoft.com/office/officeart/2008/layout/HorizontalMultiLevelHierarchy"/>
-    <dgm:cxn modelId="{7429F9DC-358C-4956-852E-F24B76DA9F54}" type="presParOf" srcId="{AEAFC00F-1553-4930-9576-ECC45A2ECB17}" destId="{46B485AF-75C0-4E62-B319-3EAD3F59101C}" srcOrd="0" destOrd="0" presId="urn:microsoft.com/office/officeart/2008/layout/HorizontalMultiLevelHierarchy"/>
-    <dgm:cxn modelId="{8AA3A530-B9E3-4E33-8C4A-2087D34F8C65}" type="presParOf" srcId="{D4B62E89-463C-4C57-A424-0E4F9547ED63}" destId="{2969CB31-A149-4562-956E-EE88D1CFDFBC}" srcOrd="1" destOrd="0" presId="urn:microsoft.com/office/officeart/2008/layout/HorizontalMultiLevelHierarchy"/>
-    <dgm:cxn modelId="{D8C4D789-669F-4A61-BFC3-2C7A2E5739AB}" type="presParOf" srcId="{2969CB31-A149-4562-956E-EE88D1CFDFBC}" destId="{6CA808D1-1829-443E-87F6-A3D4BF30E2E1}" srcOrd="0" destOrd="0" presId="urn:microsoft.com/office/officeart/2008/layout/HorizontalMultiLevelHierarchy"/>
-    <dgm:cxn modelId="{4904DD64-3C04-49D0-8DD2-8BF7B7E8BCE2}" type="presParOf" srcId="{2969CB31-A149-4562-956E-EE88D1CFDFBC}" destId="{B301AEBB-12EF-40FD-ABDA-4D60B82F6AC3}" srcOrd="1" destOrd="0" presId="urn:microsoft.com/office/officeart/2008/layout/HorizontalMultiLevelHierarchy"/>
-    <dgm:cxn modelId="{4C3B73D8-0922-47D2-A04E-AAECE8141E64}" type="presParOf" srcId="{D4B62E89-463C-4C57-A424-0E4F9547ED63}" destId="{7E7E8E16-B053-4845-8A47-089CD9A78F56}" srcOrd="2" destOrd="0" presId="urn:microsoft.com/office/officeart/2008/layout/HorizontalMultiLevelHierarchy"/>
-    <dgm:cxn modelId="{1BCD6FA3-6ADE-4096-9AC0-1451C528A2F1}" type="presParOf" srcId="{7E7E8E16-B053-4845-8A47-089CD9A78F56}" destId="{44297386-6A8E-4205-B11B-EB5E3AEADFFA}" srcOrd="0" destOrd="0" presId="urn:microsoft.com/office/officeart/2008/layout/HorizontalMultiLevelHierarchy"/>
-    <dgm:cxn modelId="{ED997316-A840-4E4E-B0C3-47085AF7351A}" type="presParOf" srcId="{D4B62E89-463C-4C57-A424-0E4F9547ED63}" destId="{A91A14B7-0A3A-45F6-A20E-D894C20CE31D}" srcOrd="3" destOrd="0" presId="urn:microsoft.com/office/officeart/2008/layout/HorizontalMultiLevelHierarchy"/>
-    <dgm:cxn modelId="{C2B40D77-3D6F-4C7B-8923-F929CB15E403}" type="presParOf" srcId="{A91A14B7-0A3A-45F6-A20E-D894C20CE31D}" destId="{0E9277A7-885A-405A-97CE-FCC3592A1BA5}" srcOrd="0" destOrd="0" presId="urn:microsoft.com/office/officeart/2008/layout/HorizontalMultiLevelHierarchy"/>
-    <dgm:cxn modelId="{8B445F1A-25D4-4437-847C-D91E2A127750}" type="presParOf" srcId="{A91A14B7-0A3A-45F6-A20E-D894C20CE31D}" destId="{B9CF3214-80A5-4634-97C1-CD556EC284A5}" srcOrd="1" destOrd="0" presId="urn:microsoft.com/office/officeart/2008/layout/HorizontalMultiLevelHierarchy"/>
-    <dgm:cxn modelId="{D0F04B8F-13BB-4FE7-824C-C02F6AE7EBCA}" type="presParOf" srcId="{D4B62E89-463C-4C57-A424-0E4F9547ED63}" destId="{318AA675-F1F1-4413-9EB0-B499B7BD47F3}" srcOrd="4" destOrd="0" presId="urn:microsoft.com/office/officeart/2008/layout/HorizontalMultiLevelHierarchy"/>
-    <dgm:cxn modelId="{DAFB4CA9-F55A-4508-85AF-52428BDF0CBA}" type="presParOf" srcId="{318AA675-F1F1-4413-9EB0-B499B7BD47F3}" destId="{C70DE741-3049-4844-B66D-2F337AE86EC9}" srcOrd="0" destOrd="0" presId="urn:microsoft.com/office/officeart/2008/layout/HorizontalMultiLevelHierarchy"/>
-    <dgm:cxn modelId="{BF59F480-1E72-493A-A727-CF9D8E68B82C}" type="presParOf" srcId="{D4B62E89-463C-4C57-A424-0E4F9547ED63}" destId="{54E66034-B7AA-44BE-894D-52354DEA877A}" srcOrd="5" destOrd="0" presId="urn:microsoft.com/office/officeart/2008/layout/HorizontalMultiLevelHierarchy"/>
-    <dgm:cxn modelId="{6405A287-BC89-47E9-8B61-AF8A39B29C36}" type="presParOf" srcId="{54E66034-B7AA-44BE-894D-52354DEA877A}" destId="{2277A565-CE33-4308-8FFC-6C45A4070994}" srcOrd="0" destOrd="0" presId="urn:microsoft.com/office/officeart/2008/layout/HorizontalMultiLevelHierarchy"/>
-    <dgm:cxn modelId="{2C174AFE-03CC-44F5-ABEC-8089B3B6B581}" type="presParOf" srcId="{54E66034-B7AA-44BE-894D-52354DEA877A}" destId="{3CA91790-B44C-404F-A610-59D93C460E3E}" srcOrd="1" destOrd="0" presId="urn:microsoft.com/office/officeart/2008/layout/HorizontalMultiLevelHierarchy"/>
+    <dgm:cxn modelId="{483684E9-2E5E-4E82-8399-DF7BD4142C37}" type="presParOf" srcId="{DEB296E9-1E75-4B40-8CBF-C0BEDD712C86}" destId="{A7F62CF6-FBC8-4113-A623-83EC55E48568}" srcOrd="0" destOrd="0" presId="urn:microsoft.com/office/officeart/2008/layout/HorizontalMultiLevelHierarchy#4"/>
+    <dgm:cxn modelId="{FC2BEAFC-4299-4B58-993C-83BD47E1E08E}" type="presParOf" srcId="{A7F62CF6-FBC8-4113-A623-83EC55E48568}" destId="{102B82C0-6243-4AFF-842F-FEC267C347BD}" srcOrd="0" destOrd="0" presId="urn:microsoft.com/office/officeart/2008/layout/HorizontalMultiLevelHierarchy#4"/>
+    <dgm:cxn modelId="{C096BAF9-8F4C-426A-B217-50607D2F68DE}" type="presParOf" srcId="{A7F62CF6-FBC8-4113-A623-83EC55E48568}" destId="{EB92D9D9-8625-4AEF-AF00-C36FDC8429E0}" srcOrd="1" destOrd="0" presId="urn:microsoft.com/office/officeart/2008/layout/HorizontalMultiLevelHierarchy#4"/>
+    <dgm:cxn modelId="{D2998DFD-3ECF-438E-8F63-EDC3B962A4B0}" type="presParOf" srcId="{EB92D9D9-8625-4AEF-AF00-C36FDC8429E0}" destId="{E3421BF1-8785-4D75-8D4E-776E74282F68}" srcOrd="0" destOrd="0" presId="urn:microsoft.com/office/officeart/2008/layout/HorizontalMultiLevelHierarchy#4"/>
+    <dgm:cxn modelId="{812E2FCC-755A-4822-87FD-F332767EF142}" type="presParOf" srcId="{E3421BF1-8785-4D75-8D4E-776E74282F68}" destId="{5CDECEDC-54AE-4171-9793-2CCA15B36DDE}" srcOrd="0" destOrd="0" presId="urn:microsoft.com/office/officeart/2008/layout/HorizontalMultiLevelHierarchy#4"/>
+    <dgm:cxn modelId="{59FBFF61-443A-479F-A316-BF8F1442DF8E}" type="presParOf" srcId="{EB92D9D9-8625-4AEF-AF00-C36FDC8429E0}" destId="{A7FC231E-3E91-4A5E-BBD5-63268A1C63C4}" srcOrd="1" destOrd="0" presId="urn:microsoft.com/office/officeart/2008/layout/HorizontalMultiLevelHierarchy#4"/>
+    <dgm:cxn modelId="{7228DF93-7749-4264-B0E1-35A0FDB92C85}" type="presParOf" srcId="{A7FC231E-3E91-4A5E-BBD5-63268A1C63C4}" destId="{A63ECC77-27DD-4872-ABB2-C1CB6FFDC649}" srcOrd="0" destOrd="0" presId="urn:microsoft.com/office/officeart/2008/layout/HorizontalMultiLevelHierarchy#4"/>
+    <dgm:cxn modelId="{4139862A-40AA-486D-BD26-7CCC4155C2F1}" type="presParOf" srcId="{A7FC231E-3E91-4A5E-BBD5-63268A1C63C4}" destId="{38964B0C-1739-4195-BDD5-0888E79224AB}" srcOrd="1" destOrd="0" presId="urn:microsoft.com/office/officeart/2008/layout/HorizontalMultiLevelHierarchy#4"/>
+    <dgm:cxn modelId="{B68B9F57-42FE-4AF1-9B25-5F56CB2B1A82}" type="presParOf" srcId="{EB92D9D9-8625-4AEF-AF00-C36FDC8429E0}" destId="{78E98673-2296-4C47-B551-5B2387AF51DC}" srcOrd="2" destOrd="0" presId="urn:microsoft.com/office/officeart/2008/layout/HorizontalMultiLevelHierarchy#4"/>
+    <dgm:cxn modelId="{A1E98F14-EAFB-4AA9-9D23-8373CCD4D1EA}" type="presParOf" srcId="{78E98673-2296-4C47-B551-5B2387AF51DC}" destId="{0CA853FF-4798-4621-BC86-16D18817B30B}" srcOrd="0" destOrd="0" presId="urn:microsoft.com/office/officeart/2008/layout/HorizontalMultiLevelHierarchy#4"/>
+    <dgm:cxn modelId="{3FAAAEE3-CBEE-4656-B490-DD86DF7AC018}" type="presParOf" srcId="{EB92D9D9-8625-4AEF-AF00-C36FDC8429E0}" destId="{C88114FF-315D-4EAC-9E9D-5792498AFD8B}" srcOrd="3" destOrd="0" presId="urn:microsoft.com/office/officeart/2008/layout/HorizontalMultiLevelHierarchy#4"/>
+    <dgm:cxn modelId="{D3C17B4F-2D37-4DB1-95BB-1EC1F7F37413}" type="presParOf" srcId="{C88114FF-315D-4EAC-9E9D-5792498AFD8B}" destId="{8930C6D7-98CD-4DBD-9E2D-D8B3593DA865}" srcOrd="0" destOrd="0" presId="urn:microsoft.com/office/officeart/2008/layout/HorizontalMultiLevelHierarchy#4"/>
+    <dgm:cxn modelId="{5276A62A-88CD-4736-A64E-F9EF42EB5F9B}" type="presParOf" srcId="{C88114FF-315D-4EAC-9E9D-5792498AFD8B}" destId="{DF23C36D-3CEC-42BF-941B-580A564D6BEC}" srcOrd="1" destOrd="0" presId="urn:microsoft.com/office/officeart/2008/layout/HorizontalMultiLevelHierarchy#4"/>
+    <dgm:cxn modelId="{EE975CB8-903A-48F2-8683-8675340D8A11}" type="presParOf" srcId="{EB92D9D9-8625-4AEF-AF00-C36FDC8429E0}" destId="{534519AB-569A-4290-8E0B-64291B43B225}" srcOrd="4" destOrd="0" presId="urn:microsoft.com/office/officeart/2008/layout/HorizontalMultiLevelHierarchy#4"/>
+    <dgm:cxn modelId="{3AD596EE-9E4E-4D16-939B-DD0E8A333DC0}" type="presParOf" srcId="{534519AB-569A-4290-8E0B-64291B43B225}" destId="{BAA05368-3928-456A-AD66-AE5D39BAE525}" srcOrd="0" destOrd="0" presId="urn:microsoft.com/office/officeart/2008/layout/HorizontalMultiLevelHierarchy#4"/>
+    <dgm:cxn modelId="{0C446B81-CF93-442E-B2A4-350D0A0E0FAD}" type="presParOf" srcId="{EB92D9D9-8625-4AEF-AF00-C36FDC8429E0}" destId="{26A1CEB5-3081-4090-A1FB-0698158689B7}" srcOrd="5" destOrd="0" presId="urn:microsoft.com/office/officeart/2008/layout/HorizontalMultiLevelHierarchy#4"/>
+    <dgm:cxn modelId="{67E7BC5F-CC57-4633-9BA6-03B580F06FBA}" type="presParOf" srcId="{26A1CEB5-3081-4090-A1FB-0698158689B7}" destId="{6011EB5F-B8A1-4CF1-A515-5C89E838679B}" srcOrd="0" destOrd="0" presId="urn:microsoft.com/office/officeart/2008/layout/HorizontalMultiLevelHierarchy#4"/>
+    <dgm:cxn modelId="{582F4D90-A26B-4CA5-9380-92C10548C9B1}" type="presParOf" srcId="{26A1CEB5-3081-4090-A1FB-0698158689B7}" destId="{E26788F5-2E1F-458B-83BD-689F8DA170E7}" srcOrd="1" destOrd="0" presId="urn:microsoft.com/office/officeart/2008/layout/HorizontalMultiLevelHierarchy#4"/>
+    <dgm:cxn modelId="{19F66224-393C-4EAA-89E5-4BBC0DAC4A92}" type="presParOf" srcId="{EB92D9D9-8625-4AEF-AF00-C36FDC8429E0}" destId="{E2EC2FB9-B63E-48A7-A342-FBB2A0749B13}" srcOrd="6" destOrd="0" presId="urn:microsoft.com/office/officeart/2008/layout/HorizontalMultiLevelHierarchy#4"/>
+    <dgm:cxn modelId="{E9B8675A-069D-476E-9EA9-F800087F3A5D}" type="presParOf" srcId="{E2EC2FB9-B63E-48A7-A342-FBB2A0749B13}" destId="{F85754C6-E77F-4ADD-811B-D656C688CA6B}" srcOrd="0" destOrd="0" presId="urn:microsoft.com/office/officeart/2008/layout/HorizontalMultiLevelHierarchy#4"/>
+    <dgm:cxn modelId="{D2BAE64C-BFF4-4969-9AF5-7CA99E1EAE2F}" type="presParOf" srcId="{EB92D9D9-8625-4AEF-AF00-C36FDC8429E0}" destId="{A7297EB8-7D3D-430A-8DB0-C552339468D1}" srcOrd="7" destOrd="0" presId="urn:microsoft.com/office/officeart/2008/layout/HorizontalMultiLevelHierarchy#4"/>
+    <dgm:cxn modelId="{B5D7AF24-8A9F-4650-9D7A-D5579D0E2641}" type="presParOf" srcId="{A7297EB8-7D3D-430A-8DB0-C552339468D1}" destId="{9041456B-8D97-4923-8E9A-735B90619910}" srcOrd="0" destOrd="0" presId="urn:microsoft.com/office/officeart/2008/layout/HorizontalMultiLevelHierarchy#4"/>
+    <dgm:cxn modelId="{7FE6D092-906A-4DEF-9686-AB3987D225C2}" type="presParOf" srcId="{A7297EB8-7D3D-430A-8DB0-C552339468D1}" destId="{8DE23739-4651-49E5-89DD-02C9CDCC22C4}" srcOrd="1" destOrd="0" presId="urn:microsoft.com/office/officeart/2008/layout/HorizontalMultiLevelHierarchy#4"/>
+    <dgm:cxn modelId="{4CAE3131-E46A-41E2-ACDA-BFE31C1E3C14}" type="presParOf" srcId="{DEB296E9-1E75-4B40-8CBF-C0BEDD712C86}" destId="{0041A1D2-C7F9-4D02-8459-9E05D5EB7983}" srcOrd="1" destOrd="0" presId="urn:microsoft.com/office/officeart/2008/layout/HorizontalMultiLevelHierarchy#4"/>
+    <dgm:cxn modelId="{0038FDFF-741D-4F43-8374-30D25BC78237}" type="presParOf" srcId="{0041A1D2-C7F9-4D02-8459-9E05D5EB7983}" destId="{8CF1E56C-049D-48EB-B096-90D03E5E96A1}" srcOrd="0" destOrd="0" presId="urn:microsoft.com/office/officeart/2008/layout/HorizontalMultiLevelHierarchy#4"/>
+    <dgm:cxn modelId="{D699359C-9B5E-4214-BB40-3D0D4ABF423E}" type="presParOf" srcId="{0041A1D2-C7F9-4D02-8459-9E05D5EB7983}" destId="{D4B62E89-463C-4C57-A424-0E4F9547ED63}" srcOrd="1" destOrd="0" presId="urn:microsoft.com/office/officeart/2008/layout/HorizontalMultiLevelHierarchy#4"/>
+    <dgm:cxn modelId="{FCE86E3F-3839-4213-B8CE-8A2AA8D169FE}" type="presParOf" srcId="{D4B62E89-463C-4C57-A424-0E4F9547ED63}" destId="{AEAFC00F-1553-4930-9576-ECC45A2ECB17}" srcOrd="0" destOrd="0" presId="urn:microsoft.com/office/officeart/2008/layout/HorizontalMultiLevelHierarchy#4"/>
+    <dgm:cxn modelId="{7429F9DC-358C-4956-852E-F24B76DA9F54}" type="presParOf" srcId="{AEAFC00F-1553-4930-9576-ECC45A2ECB17}" destId="{46B485AF-75C0-4E62-B319-3EAD3F59101C}" srcOrd="0" destOrd="0" presId="urn:microsoft.com/office/officeart/2008/layout/HorizontalMultiLevelHierarchy#4"/>
+    <dgm:cxn modelId="{8AA3A530-B9E3-4E33-8C4A-2087D34F8C65}" type="presParOf" srcId="{D4B62E89-463C-4C57-A424-0E4F9547ED63}" destId="{2969CB31-A149-4562-956E-EE88D1CFDFBC}" srcOrd="1" destOrd="0" presId="urn:microsoft.com/office/officeart/2008/layout/HorizontalMultiLevelHierarchy#4"/>
+    <dgm:cxn modelId="{D8C4D789-669F-4A61-BFC3-2C7A2E5739AB}" type="presParOf" srcId="{2969CB31-A149-4562-956E-EE88D1CFDFBC}" destId="{6CA808D1-1829-443E-87F6-A3D4BF30E2E1}" srcOrd="0" destOrd="0" presId="urn:microsoft.com/office/officeart/2008/layout/HorizontalMultiLevelHierarchy#4"/>
+    <dgm:cxn modelId="{4904DD64-3C04-49D0-8DD2-8BF7B7E8BCE2}" type="presParOf" srcId="{2969CB31-A149-4562-956E-EE88D1CFDFBC}" destId="{B301AEBB-12EF-40FD-ABDA-4D60B82F6AC3}" srcOrd="1" destOrd="0" presId="urn:microsoft.com/office/officeart/2008/layout/HorizontalMultiLevelHierarchy#4"/>
+    <dgm:cxn modelId="{DE062703-361C-404F-BBE3-A003CED23305}" type="presParOf" srcId="{D4B62E89-463C-4C57-A424-0E4F9547ED63}" destId="{F2BB2FA6-0BD8-41F8-92EF-B5E363A4C386}" srcOrd="2" destOrd="0" presId="urn:microsoft.com/office/officeart/2008/layout/HorizontalMultiLevelHierarchy#4"/>
+    <dgm:cxn modelId="{2EC87574-EC34-4389-98F6-4C5FA41657A2}" type="presParOf" srcId="{F2BB2FA6-0BD8-41F8-92EF-B5E363A4C386}" destId="{25431324-A97F-4A20-8D31-D1006AC71D8E}" srcOrd="0" destOrd="0" presId="urn:microsoft.com/office/officeart/2008/layout/HorizontalMultiLevelHierarchy#4"/>
+    <dgm:cxn modelId="{139E6311-68C9-4069-800F-7B3421D4DA9C}" type="presParOf" srcId="{D4B62E89-463C-4C57-A424-0E4F9547ED63}" destId="{FC0EBC46-07E3-41DD-AA54-C540DAABE929}" srcOrd="3" destOrd="0" presId="urn:microsoft.com/office/officeart/2008/layout/HorizontalMultiLevelHierarchy#4"/>
+    <dgm:cxn modelId="{E6BFC998-1F8B-490F-B648-CDF20803B7A7}" type="presParOf" srcId="{FC0EBC46-07E3-41DD-AA54-C540DAABE929}" destId="{7A9C256E-BD10-4222-A624-E5560EA9A3C4}" srcOrd="0" destOrd="0" presId="urn:microsoft.com/office/officeart/2008/layout/HorizontalMultiLevelHierarchy#4"/>
+    <dgm:cxn modelId="{11D797FD-F775-49E3-8376-76959D9D6965}" type="presParOf" srcId="{FC0EBC46-07E3-41DD-AA54-C540DAABE929}" destId="{8041DDD2-361D-4A0D-8FBA-119CC05DE994}" srcOrd="1" destOrd="0" presId="urn:microsoft.com/office/officeart/2008/layout/HorizontalMultiLevelHierarchy#4"/>
+    <dgm:cxn modelId="{4C3B73D8-0922-47D2-A04E-AAECE8141E64}" type="presParOf" srcId="{D4B62E89-463C-4C57-A424-0E4F9547ED63}" destId="{7E7E8E16-B053-4845-8A47-089CD9A78F56}" srcOrd="4" destOrd="0" presId="urn:microsoft.com/office/officeart/2008/layout/HorizontalMultiLevelHierarchy#4"/>
+    <dgm:cxn modelId="{1BCD6FA3-6ADE-4096-9AC0-1451C528A2F1}" type="presParOf" srcId="{7E7E8E16-B053-4845-8A47-089CD9A78F56}" destId="{44297386-6A8E-4205-B11B-EB5E3AEADFFA}" srcOrd="0" destOrd="0" presId="urn:microsoft.com/office/officeart/2008/layout/HorizontalMultiLevelHierarchy#4"/>
+    <dgm:cxn modelId="{ED997316-A840-4E4E-B0C3-47085AF7351A}" type="presParOf" srcId="{D4B62E89-463C-4C57-A424-0E4F9547ED63}" destId="{A91A14B7-0A3A-45F6-A20E-D894C20CE31D}" srcOrd="5" destOrd="0" presId="urn:microsoft.com/office/officeart/2008/layout/HorizontalMultiLevelHierarchy#4"/>
+    <dgm:cxn modelId="{C2B40D77-3D6F-4C7B-8923-F929CB15E403}" type="presParOf" srcId="{A91A14B7-0A3A-45F6-A20E-D894C20CE31D}" destId="{0E9277A7-885A-405A-97CE-FCC3592A1BA5}" srcOrd="0" destOrd="0" presId="urn:microsoft.com/office/officeart/2008/layout/HorizontalMultiLevelHierarchy#4"/>
+    <dgm:cxn modelId="{8B445F1A-25D4-4437-847C-D91E2A127750}" type="presParOf" srcId="{A91A14B7-0A3A-45F6-A20E-D894C20CE31D}" destId="{B9CF3214-80A5-4634-97C1-CD556EC284A5}" srcOrd="1" destOrd="0" presId="urn:microsoft.com/office/officeart/2008/layout/HorizontalMultiLevelHierarchy#4"/>
+    <dgm:cxn modelId="{D0F04B8F-13BB-4FE7-824C-C02F6AE7EBCA}" type="presParOf" srcId="{D4B62E89-463C-4C57-A424-0E4F9547ED63}" destId="{318AA675-F1F1-4413-9EB0-B499B7BD47F3}" srcOrd="6" destOrd="0" presId="urn:microsoft.com/office/officeart/2008/layout/HorizontalMultiLevelHierarchy#4"/>
+    <dgm:cxn modelId="{DAFB4CA9-F55A-4508-85AF-52428BDF0CBA}" type="presParOf" srcId="{318AA675-F1F1-4413-9EB0-B499B7BD47F3}" destId="{C70DE741-3049-4844-B66D-2F337AE86EC9}" srcOrd="0" destOrd="0" presId="urn:microsoft.com/office/officeart/2008/layout/HorizontalMultiLevelHierarchy#4"/>
+    <dgm:cxn modelId="{BF59F480-1E72-493A-A727-CF9D8E68B82C}" type="presParOf" srcId="{D4B62E89-463C-4C57-A424-0E4F9547ED63}" destId="{54E66034-B7AA-44BE-894D-52354DEA877A}" srcOrd="7" destOrd="0" presId="urn:microsoft.com/office/officeart/2008/layout/HorizontalMultiLevelHierarchy#4"/>
+    <dgm:cxn modelId="{6405A287-BC89-47E9-8B61-AF8A39B29C36}" type="presParOf" srcId="{54E66034-B7AA-44BE-894D-52354DEA877A}" destId="{2277A565-CE33-4308-8FFC-6C45A4070994}" srcOrd="0" destOrd="0" presId="urn:microsoft.com/office/officeart/2008/layout/HorizontalMultiLevelHierarchy#4"/>
+    <dgm:cxn modelId="{2C174AFE-03CC-44F5-ABEC-8089B3B6B581}" type="presParOf" srcId="{54E66034-B7AA-44BE-894D-52354DEA877A}" destId="{3CA91790-B44C-404F-A610-59D93C460E3E}" srcOrd="1" destOrd="0" presId="urn:microsoft.com/office/officeart/2008/layout/HorizontalMultiLevelHierarchy#4"/>
   </dgm:cxnLst>
   <dgm:bg/>
   <dgm:whole/>
   <dgm:extLst>
     <a:ext uri="http://schemas.microsoft.com/office/drawing/2008/diagram">
-      <dsp:dataModelExt xmlns:dsp="http://schemas.microsoft.com/office/drawing/2008/diagram" relId="rId5" minVer="http://schemas.openxmlformats.org/drawingml/2006/diagram"/>
+      <dsp:dataModelExt xmlns:dsp="http://schemas.microsoft.com/office/drawing/2008/diagram" relId="rId6" minVer="http://schemas.openxmlformats.org/drawingml/2006/diagram"/>
     </a:ext>
   </dgm:extLst>
 </dgm:dataModel>
@@ -3565,7 +3644,7 @@
 <dgm:dataModel xmlns:dgm="http://schemas.openxmlformats.org/drawingml/2006/diagram" xmlns:a="http://schemas.openxmlformats.org/drawingml/2006/main">
   <dgm:ptLst>
     <dgm:pt modelId="{97CA6497-3A2C-4C33-AFF4-D58B25591272}" type="doc">
-      <dgm:prSet loTypeId="urn:microsoft.com/office/officeart/2008/layout/HorizontalMultiLevelHierarchy" loCatId="hierarchy" qsTypeId="urn:microsoft.com/office/officeart/2005/8/quickstyle/simple3" qsCatId="simple" csTypeId="urn:microsoft.com/office/officeart/2005/8/colors/accent0_1" csCatId="mainScheme" phldr="1"/>
+      <dgm:prSet loTypeId="urn:microsoft.com/office/officeart/2008/layout/HorizontalMultiLevelHierarchy#5" loCatId="hierarchy" qsTypeId="urn:microsoft.com/office/officeart/2005/8/quickstyle/simple3#3" qsCatId="simple" csTypeId="urn:microsoft.com/office/officeart/2005/8/colors/accent0_1#6" csCatId="mainScheme" phldr="1"/>
       <dgm:spPr/>
       <dgm:t>
         <a:bodyPr/>
@@ -3589,7 +3668,7 @@
         </a:p>
       </dgm:t>
     </dgm:pt>
-    <dgm:pt modelId="{15547091-E3A6-4394-8FE8-DFA8AD2097F8}" cxnId="{A966EFBF-CC71-4D56-A0F1-3FAAAA5162EC}" type="parTrans">
+    <dgm:pt modelId="{15547091-E3A6-4394-8FE8-DFA8AD2097F8}" type="parTrans" cxnId="{A966EFBF-CC71-4D56-A0F1-3FAAAA5162EC}">
       <dgm:prSet/>
       <dgm:spPr/>
       <dgm:t>
@@ -3600,7 +3679,7 @@
         </a:p>
       </dgm:t>
     </dgm:pt>
-    <dgm:pt modelId="{9F5DDB86-2268-49C6-850C-CB368548571D}" cxnId="{A966EFBF-CC71-4D56-A0F1-3FAAAA5162EC}" type="sibTrans">
+    <dgm:pt modelId="{9F5DDB86-2268-49C6-850C-CB368548571D}" type="sibTrans" cxnId="{A966EFBF-CC71-4D56-A0F1-3FAAAA5162EC}">
       <dgm:prSet/>
       <dgm:spPr/>
       <dgm:t>
@@ -3630,7 +3709,7 @@
         </a:p>
       </dgm:t>
     </dgm:pt>
-    <dgm:pt modelId="{E067EA31-9FFB-418A-A326-996AB0DD534E}" cxnId="{603987CC-5E33-42E6-BFC1-0F859AFB20E4}" type="sibTrans">
+    <dgm:pt modelId="{E067EA31-9FFB-418A-A326-996AB0DD534E}" type="sibTrans" cxnId="{603987CC-5E33-42E6-BFC1-0F859AFB20E4}">
       <dgm:prSet/>
       <dgm:spPr/>
       <dgm:t>
@@ -3641,7 +3720,7 @@
         </a:p>
       </dgm:t>
     </dgm:pt>
-    <dgm:pt modelId="{5006CB5F-BD68-4BCE-A1B4-24759E73953E}" cxnId="{603987CC-5E33-42E6-BFC1-0F859AFB20E4}" type="parTrans">
+    <dgm:pt modelId="{5006CB5F-BD68-4BCE-A1B4-24759E73953E}" type="parTrans" cxnId="{603987CC-5E33-42E6-BFC1-0F859AFB20E4}">
       <dgm:prSet/>
       <dgm:spPr/>
       <dgm:t>
@@ -3667,7 +3746,7 @@
         </a:p>
       </dgm:t>
     </dgm:pt>
-    <dgm:pt modelId="{AAEA03E0-C757-4017-94FB-656BFC0736D4}" cxnId="{DD5706FC-54BF-4860-B193-7A7DA0B6C7CB}" type="sibTrans">
+    <dgm:pt modelId="{AAEA03E0-C757-4017-94FB-656BFC0736D4}" type="sibTrans" cxnId="{DD5706FC-54BF-4860-B193-7A7DA0B6C7CB}">
       <dgm:prSet/>
       <dgm:spPr/>
       <dgm:t>
@@ -3678,7 +3757,7 @@
         </a:p>
       </dgm:t>
     </dgm:pt>
-    <dgm:pt modelId="{25CA9DDE-B406-4066-BB43-A3AA984A5766}" cxnId="{DD5706FC-54BF-4860-B193-7A7DA0B6C7CB}" type="parTrans">
+    <dgm:pt modelId="{25CA9DDE-B406-4066-BB43-A3AA984A5766}" type="parTrans" cxnId="{DD5706FC-54BF-4860-B193-7A7DA0B6C7CB}">
       <dgm:prSet/>
       <dgm:spPr/>
       <dgm:t>
@@ -3708,7 +3787,7 @@
         </a:p>
       </dgm:t>
     </dgm:pt>
-    <dgm:pt modelId="{DD70E8F2-0CCA-4F0C-BE2F-E970DE75A0B7}" cxnId="{6D1698E0-451C-4A88-825B-527D48ADD67B}" type="sibTrans">
+    <dgm:pt modelId="{DD70E8F2-0CCA-4F0C-BE2F-E970DE75A0B7}" type="sibTrans" cxnId="{6D1698E0-451C-4A88-825B-527D48ADD67B}">
       <dgm:prSet/>
       <dgm:spPr/>
       <dgm:t>
@@ -3719,7 +3798,7 @@
         </a:p>
       </dgm:t>
     </dgm:pt>
-    <dgm:pt modelId="{7696C310-3CAB-42F9-B1BC-BBCD721E1A1B}" cxnId="{6D1698E0-451C-4A88-825B-527D48ADD67B}" type="parTrans">
+    <dgm:pt modelId="{7696C310-3CAB-42F9-B1BC-BBCD721E1A1B}" type="parTrans" cxnId="{6D1698E0-451C-4A88-825B-527D48ADD67B}">
       <dgm:prSet/>
       <dgm:spPr/>
       <dgm:t>
@@ -3748,7 +3827,7 @@
         </a:p>
       </dgm:t>
     </dgm:pt>
-    <dgm:pt modelId="{3BDA5F6F-23BB-44A1-9059-0C43F2464EAB}" cxnId="{627A6C8A-CD83-40BC-98D4-8E235275F418}" type="parTrans">
+    <dgm:pt modelId="{3BDA5F6F-23BB-44A1-9059-0C43F2464EAB}" type="parTrans" cxnId="{627A6C8A-CD83-40BC-98D4-8E235275F418}">
       <dgm:prSet/>
       <dgm:spPr/>
       <dgm:t>
@@ -3759,7 +3838,7 @@
         </a:p>
       </dgm:t>
     </dgm:pt>
-    <dgm:pt modelId="{B8ED7C2C-6619-424D-A764-0D4362BB4AFE}" cxnId="{627A6C8A-CD83-40BC-98D4-8E235275F418}" type="sibTrans">
+    <dgm:pt modelId="{B8ED7C2C-6619-424D-A764-0D4362BB4AFE}" type="sibTrans" cxnId="{627A6C8A-CD83-40BC-98D4-8E235275F418}">
       <dgm:prSet/>
       <dgm:spPr/>
       <dgm:t>
@@ -3796,7 +3875,7 @@
         </a:p>
       </dgm:t>
     </dgm:pt>
-    <dgm:pt modelId="{B907B16B-82F8-49A2-A430-99B46DE5517B}" cxnId="{544FB475-9605-40AF-B15D-097D7562E159}" type="parTrans">
+    <dgm:pt modelId="{B907B16B-82F8-49A2-A430-99B46DE5517B}" type="parTrans" cxnId="{544FB475-9605-40AF-B15D-097D7562E159}">
       <dgm:prSet/>
       <dgm:spPr/>
       <dgm:t>
@@ -3807,7 +3886,7 @@
         </a:p>
       </dgm:t>
     </dgm:pt>
-    <dgm:pt modelId="{AF48EAB7-8E4B-46C0-BB27-182B62E0078F}" cxnId="{544FB475-9605-40AF-B15D-097D7562E159}" type="sibTrans">
+    <dgm:pt modelId="{AF48EAB7-8E4B-46C0-BB27-182B62E0078F}" type="sibTrans" cxnId="{544FB475-9605-40AF-B15D-097D7562E159}">
       <dgm:prSet/>
       <dgm:spPr/>
       <dgm:t>
@@ -3844,7 +3923,7 @@
         </a:p>
       </dgm:t>
     </dgm:pt>
-    <dgm:pt modelId="{C5C9A7E3-4B4D-437E-8F89-764B0F0B0E89}" cxnId="{48D18711-8036-4930-9AB9-5379653FCDF9}" type="parTrans">
+    <dgm:pt modelId="{C5C9A7E3-4B4D-437E-8F89-764B0F0B0E89}" type="parTrans" cxnId="{48D18711-8036-4930-9AB9-5379653FCDF9}">
       <dgm:prSet/>
       <dgm:spPr/>
       <dgm:t>
@@ -3855,7 +3934,7 @@
         </a:p>
       </dgm:t>
     </dgm:pt>
-    <dgm:pt modelId="{EE8518E1-A148-4704-BCEC-F9A676D184C9}" cxnId="{48D18711-8036-4930-9AB9-5379653FCDF9}" type="sibTrans">
+    <dgm:pt modelId="{EE8518E1-A148-4704-BCEC-F9A676D184C9}" type="sibTrans" cxnId="{48D18711-8036-4930-9AB9-5379653FCDF9}">
       <dgm:prSet/>
       <dgm:spPr/>
       <dgm:t>
@@ -3880,7 +3959,7 @@
         </a:p>
       </dgm:t>
     </dgm:pt>
-    <dgm:pt modelId="{CBBD233D-9ECF-4407-A8D1-4CF8B4EAD943}" cxnId="{C6B7D0DC-8629-4C07-8A24-ED23D14D5927}" type="parTrans">
+    <dgm:pt modelId="{CBBD233D-9ECF-4407-A8D1-4CF8B4EAD943}" type="parTrans" cxnId="{C6B7D0DC-8629-4C07-8A24-ED23D14D5927}">
       <dgm:prSet/>
       <dgm:spPr/>
       <dgm:t>
@@ -3891,7 +3970,7 @@
         </a:p>
       </dgm:t>
     </dgm:pt>
-    <dgm:pt modelId="{AAAA4068-D484-4061-8678-C2EFE651BD94}" cxnId="{C6B7D0DC-8629-4C07-8A24-ED23D14D5927}" type="sibTrans">
+    <dgm:pt modelId="{AAAA4068-D484-4061-8678-C2EFE651BD94}" type="sibTrans" cxnId="{C6B7D0DC-8629-4C07-8A24-ED23D14D5927}">
       <dgm:prSet/>
       <dgm:spPr/>
       <dgm:t>
@@ -4093,76 +4172,76 @@
   </dgm:ptLst>
   <dgm:cxnLst>
     <dgm:cxn modelId="{48D18711-8036-4930-9AB9-5379653FCDF9}" srcId="{E126A48C-0829-4C5A-B589-C5058EA7487D}" destId="{8DEF0C07-584C-499F-89E7-EFDB6BD4496A}" srcOrd="1" destOrd="0" parTransId="{C5C9A7E3-4B4D-437E-8F89-764B0F0B0E89}" sibTransId="{EE8518E1-A148-4704-BCEC-F9A676D184C9}"/>
-    <dgm:cxn modelId="{F898CF16-CAB1-4E7D-B2B5-A032951FC6B1}" type="presOf" srcId="{CBBD233D-9ECF-4407-A8D1-4CF8B4EAD943}" destId="{2E834AFF-C68E-4D4A-A060-F1BE93CEECDE}" srcOrd="1" destOrd="0" presId="urn:microsoft.com/office/officeart/2008/layout/HorizontalMultiLevelHierarchy"/>
-    <dgm:cxn modelId="{13EB4223-3565-4FF8-9C4D-CD12B727664F}" type="presOf" srcId="{63193561-4D94-414F-8F4C-C8F26D6BF1D5}" destId="{A63ECC77-27DD-4872-ABB2-C1CB6FFDC649}" srcOrd="0" destOrd="0" presId="urn:microsoft.com/office/officeart/2008/layout/HorizontalMultiLevelHierarchy"/>
-    <dgm:cxn modelId="{7FEE4562-C8CB-425D-87A2-0268B6843AFC}" type="presOf" srcId="{69AFE608-FB4E-4597-9C0B-39B3C7B330C7}" destId="{6011EB5F-B8A1-4CF1-A515-5C89E838679B}" srcOrd="0" destOrd="0" presId="urn:microsoft.com/office/officeart/2008/layout/HorizontalMultiLevelHierarchy"/>
-    <dgm:cxn modelId="{3AD27369-EE93-4CC2-8B83-A7F599AE84E7}" type="presOf" srcId="{6DC6D685-E1DE-4F77-B94B-C8425F8C2C16}" destId="{ACD632AC-59EA-4151-8A1B-12C8A8A93D07}" srcOrd="0" destOrd="0" presId="urn:microsoft.com/office/officeart/2008/layout/HorizontalMultiLevelHierarchy"/>
-    <dgm:cxn modelId="{7C79C46E-F155-44C1-A95B-3A427F486F49}" type="presOf" srcId="{35163DEE-5CB0-4E73-AA08-B89F26224EAE}" destId="{D4705046-149C-4207-8405-C5636F05B6B7}" srcOrd="0" destOrd="0" presId="urn:microsoft.com/office/officeart/2008/layout/HorizontalMultiLevelHierarchy"/>
-    <dgm:cxn modelId="{95E43F54-86BF-4005-9CE2-6BEBF4AC7C95}" type="presOf" srcId="{8DEF0C07-584C-499F-89E7-EFDB6BD4496A}" destId="{B92B5D26-E888-404C-A323-E4C367FA5A01}" srcOrd="0" destOrd="0" presId="urn:microsoft.com/office/officeart/2008/layout/HorizontalMultiLevelHierarchy"/>
-    <dgm:cxn modelId="{F1AA6174-E305-40A7-912D-40046C46149C}" type="presOf" srcId="{CBBD233D-9ECF-4407-A8D1-4CF8B4EAD943}" destId="{C1DC596F-CDA8-46DE-AC40-988308914B8A}" srcOrd="0" destOrd="0" presId="urn:microsoft.com/office/officeart/2008/layout/HorizontalMultiLevelHierarchy"/>
+    <dgm:cxn modelId="{F898CF16-CAB1-4E7D-B2B5-A032951FC6B1}" type="presOf" srcId="{CBBD233D-9ECF-4407-A8D1-4CF8B4EAD943}" destId="{2E834AFF-C68E-4D4A-A060-F1BE93CEECDE}" srcOrd="1" destOrd="0" presId="urn:microsoft.com/office/officeart/2008/layout/HorizontalMultiLevelHierarchy#5"/>
+    <dgm:cxn modelId="{13EB4223-3565-4FF8-9C4D-CD12B727664F}" type="presOf" srcId="{63193561-4D94-414F-8F4C-C8F26D6BF1D5}" destId="{A63ECC77-27DD-4872-ABB2-C1CB6FFDC649}" srcOrd="0" destOrd="0" presId="urn:microsoft.com/office/officeart/2008/layout/HorizontalMultiLevelHierarchy#5"/>
+    <dgm:cxn modelId="{7FEE4562-C8CB-425D-87A2-0268B6843AFC}" type="presOf" srcId="{69AFE608-FB4E-4597-9C0B-39B3C7B330C7}" destId="{6011EB5F-B8A1-4CF1-A515-5C89E838679B}" srcOrd="0" destOrd="0" presId="urn:microsoft.com/office/officeart/2008/layout/HorizontalMultiLevelHierarchy#5"/>
+    <dgm:cxn modelId="{3AD27369-EE93-4CC2-8B83-A7F599AE84E7}" type="presOf" srcId="{6DC6D685-E1DE-4F77-B94B-C8425F8C2C16}" destId="{ACD632AC-59EA-4151-8A1B-12C8A8A93D07}" srcOrd="0" destOrd="0" presId="urn:microsoft.com/office/officeart/2008/layout/HorizontalMultiLevelHierarchy#5"/>
+    <dgm:cxn modelId="{7C79C46E-F155-44C1-A95B-3A427F486F49}" type="presOf" srcId="{35163DEE-5CB0-4E73-AA08-B89F26224EAE}" destId="{D4705046-149C-4207-8405-C5636F05B6B7}" srcOrd="0" destOrd="0" presId="urn:microsoft.com/office/officeart/2008/layout/HorizontalMultiLevelHierarchy#5"/>
+    <dgm:cxn modelId="{95E43F54-86BF-4005-9CE2-6BEBF4AC7C95}" type="presOf" srcId="{8DEF0C07-584C-499F-89E7-EFDB6BD4496A}" destId="{B92B5D26-E888-404C-A323-E4C367FA5A01}" srcOrd="0" destOrd="0" presId="urn:microsoft.com/office/officeart/2008/layout/HorizontalMultiLevelHierarchy#5"/>
+    <dgm:cxn modelId="{F1AA6174-E305-40A7-912D-40046C46149C}" type="presOf" srcId="{CBBD233D-9ECF-4407-A8D1-4CF8B4EAD943}" destId="{C1DC596F-CDA8-46DE-AC40-988308914B8A}" srcOrd="0" destOrd="0" presId="urn:microsoft.com/office/officeart/2008/layout/HorizontalMultiLevelHierarchy#5"/>
     <dgm:cxn modelId="{544FB475-9605-40AF-B15D-097D7562E159}" srcId="{E126A48C-0829-4C5A-B589-C5058EA7487D}" destId="{35163DEE-5CB0-4E73-AA08-B89F26224EAE}" srcOrd="0" destOrd="0" parTransId="{B907B16B-82F8-49A2-A430-99B46DE5517B}" sibTransId="{AF48EAB7-8E4B-46C0-BB27-182B62E0078F}"/>
-    <dgm:cxn modelId="{2531887B-3D96-44E3-B670-7785E1864342}" type="presOf" srcId="{E126A48C-0829-4C5A-B589-C5058EA7487D}" destId="{8D15106F-03B4-497A-9511-3208784D3A49}" srcOrd="0" destOrd="0" presId="urn:microsoft.com/office/officeart/2008/layout/HorizontalMultiLevelHierarchy"/>
+    <dgm:cxn modelId="{2531887B-3D96-44E3-B670-7785E1864342}" type="presOf" srcId="{E126A48C-0829-4C5A-B589-C5058EA7487D}" destId="{8D15106F-03B4-497A-9511-3208784D3A49}" srcOrd="0" destOrd="0" presId="urn:microsoft.com/office/officeart/2008/layout/HorizontalMultiLevelHierarchy#5"/>
     <dgm:cxn modelId="{627A6C8A-CD83-40BC-98D4-8E235275F418}" srcId="{97CA6497-3A2C-4C33-AFF4-D58B25591272}" destId="{E126A48C-0829-4C5A-B589-C5058EA7487D}" srcOrd="1" destOrd="0" parTransId="{3BDA5F6F-23BB-44A1-9059-0C43F2464EAB}" sibTransId="{B8ED7C2C-6619-424D-A764-0D4362BB4AFE}"/>
-    <dgm:cxn modelId="{14A5849C-4C83-4B83-B68A-F26C80835182}" type="presOf" srcId="{FFA82C4B-875E-40AC-AE8A-0DAD5BF13E6B}" destId="{102B82C0-6243-4AFF-842F-FEC267C347BD}" srcOrd="0" destOrd="0" presId="urn:microsoft.com/office/officeart/2008/layout/HorizontalMultiLevelHierarchy"/>
-    <dgm:cxn modelId="{4289CAAA-C87C-43A5-AF6E-FCC55984F860}" type="presOf" srcId="{25CA9DDE-B406-4066-BB43-A3AA984A5766}" destId="{0CA853FF-4798-4621-BC86-16D18817B30B}" srcOrd="1" destOrd="0" presId="urn:microsoft.com/office/officeart/2008/layout/HorizontalMultiLevelHierarchy"/>
-    <dgm:cxn modelId="{B916AFAE-AE2E-4D2A-9D63-5D3D87A5F7A7}" type="presOf" srcId="{25CA9DDE-B406-4066-BB43-A3AA984A5766}" destId="{78E98673-2296-4C47-B551-5B2387AF51DC}" srcOrd="0" destOrd="0" presId="urn:microsoft.com/office/officeart/2008/layout/HorizontalMultiLevelHierarchy"/>
-    <dgm:cxn modelId="{F1C1EFAE-B2B5-4422-88A4-A0D93E47459A}" type="presOf" srcId="{C5C9A7E3-4B4D-437E-8F89-764B0F0B0E89}" destId="{BE78FBF1-D36E-4519-8A25-91E495F08911}" srcOrd="0" destOrd="0" presId="urn:microsoft.com/office/officeart/2008/layout/HorizontalMultiLevelHierarchy"/>
-    <dgm:cxn modelId="{3F7806B1-9171-4CAF-B5B0-B128BDFF6403}" type="presOf" srcId="{5006CB5F-BD68-4BCE-A1B4-24759E73953E}" destId="{E3421BF1-8785-4D75-8D4E-776E74282F68}" srcOrd="0" destOrd="0" presId="urn:microsoft.com/office/officeart/2008/layout/HorizontalMultiLevelHierarchy"/>
-    <dgm:cxn modelId="{9936DCB9-F159-4C68-84C6-76515CCC8BE4}" type="presOf" srcId="{7696C310-3CAB-42F9-B1BC-BBCD721E1A1B}" destId="{BAA05368-3928-456A-AD66-AE5D39BAE525}" srcOrd="1" destOrd="0" presId="urn:microsoft.com/office/officeart/2008/layout/HorizontalMultiLevelHierarchy"/>
+    <dgm:cxn modelId="{14A5849C-4C83-4B83-B68A-F26C80835182}" type="presOf" srcId="{FFA82C4B-875E-40AC-AE8A-0DAD5BF13E6B}" destId="{102B82C0-6243-4AFF-842F-FEC267C347BD}" srcOrd="0" destOrd="0" presId="urn:microsoft.com/office/officeart/2008/layout/HorizontalMultiLevelHierarchy#5"/>
+    <dgm:cxn modelId="{4289CAAA-C87C-43A5-AF6E-FCC55984F860}" type="presOf" srcId="{25CA9DDE-B406-4066-BB43-A3AA984A5766}" destId="{0CA853FF-4798-4621-BC86-16D18817B30B}" srcOrd="1" destOrd="0" presId="urn:microsoft.com/office/officeart/2008/layout/HorizontalMultiLevelHierarchy#5"/>
+    <dgm:cxn modelId="{B916AFAE-AE2E-4D2A-9D63-5D3D87A5F7A7}" type="presOf" srcId="{25CA9DDE-B406-4066-BB43-A3AA984A5766}" destId="{78E98673-2296-4C47-B551-5B2387AF51DC}" srcOrd="0" destOrd="0" presId="urn:microsoft.com/office/officeart/2008/layout/HorizontalMultiLevelHierarchy#5"/>
+    <dgm:cxn modelId="{F1C1EFAE-B2B5-4422-88A4-A0D93E47459A}" type="presOf" srcId="{C5C9A7E3-4B4D-437E-8F89-764B0F0B0E89}" destId="{BE78FBF1-D36E-4519-8A25-91E495F08911}" srcOrd="0" destOrd="0" presId="urn:microsoft.com/office/officeart/2008/layout/HorizontalMultiLevelHierarchy#5"/>
+    <dgm:cxn modelId="{3F7806B1-9171-4CAF-B5B0-B128BDFF6403}" type="presOf" srcId="{5006CB5F-BD68-4BCE-A1B4-24759E73953E}" destId="{E3421BF1-8785-4D75-8D4E-776E74282F68}" srcOrd="0" destOrd="0" presId="urn:microsoft.com/office/officeart/2008/layout/HorizontalMultiLevelHierarchy#5"/>
+    <dgm:cxn modelId="{9936DCB9-F159-4C68-84C6-76515CCC8BE4}" type="presOf" srcId="{7696C310-3CAB-42F9-B1BC-BBCD721E1A1B}" destId="{BAA05368-3928-456A-AD66-AE5D39BAE525}" srcOrd="1" destOrd="0" presId="urn:microsoft.com/office/officeart/2008/layout/HorizontalMultiLevelHierarchy#5"/>
     <dgm:cxn modelId="{A966EFBF-CC71-4D56-A0F1-3FAAAA5162EC}" srcId="{97CA6497-3A2C-4C33-AFF4-D58B25591272}" destId="{FFA82C4B-875E-40AC-AE8A-0DAD5BF13E6B}" srcOrd="0" destOrd="0" parTransId="{15547091-E3A6-4394-8FE8-DFA8AD2097F8}" sibTransId="{9F5DDB86-2268-49C6-850C-CB368548571D}"/>
-    <dgm:cxn modelId="{2E89C9C0-7025-49F5-A634-AB48660104D9}" type="presOf" srcId="{8F24A658-CE9F-4018-9154-36E115203874}" destId="{8930C6D7-98CD-4DBD-9E2D-D8B3593DA865}" srcOrd="0" destOrd="0" presId="urn:microsoft.com/office/officeart/2008/layout/HorizontalMultiLevelHierarchy"/>
-    <dgm:cxn modelId="{F9A569C2-4893-46BE-BAFF-D837005B6355}" type="presOf" srcId="{C5C9A7E3-4B4D-437E-8F89-764B0F0B0E89}" destId="{55E6BB49-11E9-41EB-AB5E-22F6A444DA9B}" srcOrd="1" destOrd="0" presId="urn:microsoft.com/office/officeart/2008/layout/HorizontalMultiLevelHierarchy"/>
-    <dgm:cxn modelId="{BEB088CA-EF63-471C-A579-98FC9216251F}" type="presOf" srcId="{97CA6497-3A2C-4C33-AFF4-D58B25591272}" destId="{DEB296E9-1E75-4B40-8CBF-C0BEDD712C86}" srcOrd="0" destOrd="0" presId="urn:microsoft.com/office/officeart/2008/layout/HorizontalMultiLevelHierarchy"/>
+    <dgm:cxn modelId="{2E89C9C0-7025-49F5-A634-AB48660104D9}" type="presOf" srcId="{8F24A658-CE9F-4018-9154-36E115203874}" destId="{8930C6D7-98CD-4DBD-9E2D-D8B3593DA865}" srcOrd="0" destOrd="0" presId="urn:microsoft.com/office/officeart/2008/layout/HorizontalMultiLevelHierarchy#5"/>
+    <dgm:cxn modelId="{F9A569C2-4893-46BE-BAFF-D837005B6355}" type="presOf" srcId="{C5C9A7E3-4B4D-437E-8F89-764B0F0B0E89}" destId="{55E6BB49-11E9-41EB-AB5E-22F6A444DA9B}" srcOrd="1" destOrd="0" presId="urn:microsoft.com/office/officeart/2008/layout/HorizontalMultiLevelHierarchy#5"/>
+    <dgm:cxn modelId="{BEB088CA-EF63-471C-A579-98FC9216251F}" type="presOf" srcId="{97CA6497-3A2C-4C33-AFF4-D58B25591272}" destId="{DEB296E9-1E75-4B40-8CBF-C0BEDD712C86}" srcOrd="0" destOrd="0" presId="urn:microsoft.com/office/officeart/2008/layout/HorizontalMultiLevelHierarchy#5"/>
     <dgm:cxn modelId="{603987CC-5E33-42E6-BFC1-0F859AFB20E4}" srcId="{FFA82C4B-875E-40AC-AE8A-0DAD5BF13E6B}" destId="{63193561-4D94-414F-8F4C-C8F26D6BF1D5}" srcOrd="1" destOrd="0" parTransId="{5006CB5F-BD68-4BCE-A1B4-24759E73953E}" sibTransId="{E067EA31-9FFB-418A-A326-996AB0DD534E}"/>
     <dgm:cxn modelId="{C6B7D0DC-8629-4C07-8A24-ED23D14D5927}" srcId="{FFA82C4B-875E-40AC-AE8A-0DAD5BF13E6B}" destId="{6DC6D685-E1DE-4F77-B94B-C8425F8C2C16}" srcOrd="0" destOrd="0" parTransId="{CBBD233D-9ECF-4407-A8D1-4CF8B4EAD943}" sibTransId="{AAAA4068-D484-4061-8678-C2EFE651BD94}"/>
-    <dgm:cxn modelId="{159365DF-068A-4DCC-9F65-19FB72E824F4}" type="presOf" srcId="{B907B16B-82F8-49A2-A430-99B46DE5517B}" destId="{9316EE00-C9D7-4360-9D23-2FF09D941DA0}" srcOrd="0" destOrd="0" presId="urn:microsoft.com/office/officeart/2008/layout/HorizontalMultiLevelHierarchy"/>
+    <dgm:cxn modelId="{159365DF-068A-4DCC-9F65-19FB72E824F4}" type="presOf" srcId="{B907B16B-82F8-49A2-A430-99B46DE5517B}" destId="{9316EE00-C9D7-4360-9D23-2FF09D941DA0}" srcOrd="0" destOrd="0" presId="urn:microsoft.com/office/officeart/2008/layout/HorizontalMultiLevelHierarchy#5"/>
     <dgm:cxn modelId="{6D1698E0-451C-4A88-825B-527D48ADD67B}" srcId="{FFA82C4B-875E-40AC-AE8A-0DAD5BF13E6B}" destId="{69AFE608-FB4E-4597-9C0B-39B3C7B330C7}" srcOrd="3" destOrd="0" parTransId="{7696C310-3CAB-42F9-B1BC-BBCD721E1A1B}" sibTransId="{DD70E8F2-0CCA-4F0C-BE2F-E970DE75A0B7}"/>
-    <dgm:cxn modelId="{85DDA2E1-3A18-429C-B0C8-046A8078B832}" type="presOf" srcId="{7696C310-3CAB-42F9-B1BC-BBCD721E1A1B}" destId="{534519AB-569A-4290-8E0B-64291B43B225}" srcOrd="0" destOrd="0" presId="urn:microsoft.com/office/officeart/2008/layout/HorizontalMultiLevelHierarchy"/>
-    <dgm:cxn modelId="{8B8E28EC-8E38-405C-9962-86AFA6640B29}" type="presOf" srcId="{B907B16B-82F8-49A2-A430-99B46DE5517B}" destId="{CA618FE8-35C5-4B58-A0BA-22F19507E915}" srcOrd="1" destOrd="0" presId="urn:microsoft.com/office/officeart/2008/layout/HorizontalMultiLevelHierarchy"/>
-    <dgm:cxn modelId="{B74A91F4-FD34-435C-A1D7-E1CFE7B9FE87}" type="presOf" srcId="{5006CB5F-BD68-4BCE-A1B4-24759E73953E}" destId="{5CDECEDC-54AE-4171-9793-2CCA15B36DDE}" srcOrd="1" destOrd="0" presId="urn:microsoft.com/office/officeart/2008/layout/HorizontalMultiLevelHierarchy"/>
+    <dgm:cxn modelId="{85DDA2E1-3A18-429C-B0C8-046A8078B832}" type="presOf" srcId="{7696C310-3CAB-42F9-B1BC-BBCD721E1A1B}" destId="{534519AB-569A-4290-8E0B-64291B43B225}" srcOrd="0" destOrd="0" presId="urn:microsoft.com/office/officeart/2008/layout/HorizontalMultiLevelHierarchy#5"/>
+    <dgm:cxn modelId="{8B8E28EC-8E38-405C-9962-86AFA6640B29}" type="presOf" srcId="{B907B16B-82F8-49A2-A430-99B46DE5517B}" destId="{CA618FE8-35C5-4B58-A0BA-22F19507E915}" srcOrd="1" destOrd="0" presId="urn:microsoft.com/office/officeart/2008/layout/HorizontalMultiLevelHierarchy#5"/>
+    <dgm:cxn modelId="{B74A91F4-FD34-435C-A1D7-E1CFE7B9FE87}" type="presOf" srcId="{5006CB5F-BD68-4BCE-A1B4-24759E73953E}" destId="{5CDECEDC-54AE-4171-9793-2CCA15B36DDE}" srcOrd="1" destOrd="0" presId="urn:microsoft.com/office/officeart/2008/layout/HorizontalMultiLevelHierarchy#5"/>
     <dgm:cxn modelId="{DD5706FC-54BF-4860-B193-7A7DA0B6C7CB}" srcId="{FFA82C4B-875E-40AC-AE8A-0DAD5BF13E6B}" destId="{8F24A658-CE9F-4018-9154-36E115203874}" srcOrd="2" destOrd="0" parTransId="{25CA9DDE-B406-4066-BB43-A3AA984A5766}" sibTransId="{AAEA03E0-C757-4017-94FB-656BFC0736D4}"/>
-    <dgm:cxn modelId="{483684E9-2E5E-4E82-8399-DF7BD4142C37}" type="presParOf" srcId="{DEB296E9-1E75-4B40-8CBF-C0BEDD712C86}" destId="{A7F62CF6-FBC8-4113-A623-83EC55E48568}" srcOrd="0" destOrd="0" presId="urn:microsoft.com/office/officeart/2008/layout/HorizontalMultiLevelHierarchy"/>
-    <dgm:cxn modelId="{FC2BEAFC-4299-4B58-993C-83BD47E1E08E}" type="presParOf" srcId="{A7F62CF6-FBC8-4113-A623-83EC55E48568}" destId="{102B82C0-6243-4AFF-842F-FEC267C347BD}" srcOrd="0" destOrd="0" presId="urn:microsoft.com/office/officeart/2008/layout/HorizontalMultiLevelHierarchy"/>
-    <dgm:cxn modelId="{C096BAF9-8F4C-426A-B217-50607D2F68DE}" type="presParOf" srcId="{A7F62CF6-FBC8-4113-A623-83EC55E48568}" destId="{EB92D9D9-8625-4AEF-AF00-C36FDC8429E0}" srcOrd="1" destOrd="0" presId="urn:microsoft.com/office/officeart/2008/layout/HorizontalMultiLevelHierarchy"/>
-    <dgm:cxn modelId="{8DA237A0-8550-4F7D-8292-2ACB68465C83}" type="presParOf" srcId="{EB92D9D9-8625-4AEF-AF00-C36FDC8429E0}" destId="{C1DC596F-CDA8-46DE-AC40-988308914B8A}" srcOrd="0" destOrd="0" presId="urn:microsoft.com/office/officeart/2008/layout/HorizontalMultiLevelHierarchy"/>
-    <dgm:cxn modelId="{2A62E0CF-800E-4192-9384-63D632F1AFFC}" type="presParOf" srcId="{C1DC596F-CDA8-46DE-AC40-988308914B8A}" destId="{2E834AFF-C68E-4D4A-A060-F1BE93CEECDE}" srcOrd="0" destOrd="0" presId="urn:microsoft.com/office/officeart/2008/layout/HorizontalMultiLevelHierarchy"/>
-    <dgm:cxn modelId="{C82E0800-BF23-4B6F-8D1B-1CCCC6BF511E}" type="presParOf" srcId="{EB92D9D9-8625-4AEF-AF00-C36FDC8429E0}" destId="{AD1C6B33-4CA1-4627-8064-8BE054CCA447}" srcOrd="1" destOrd="0" presId="urn:microsoft.com/office/officeart/2008/layout/HorizontalMultiLevelHierarchy"/>
-    <dgm:cxn modelId="{A5674E38-3125-468D-B146-6EBCF01754D6}" type="presParOf" srcId="{AD1C6B33-4CA1-4627-8064-8BE054CCA447}" destId="{ACD632AC-59EA-4151-8A1B-12C8A8A93D07}" srcOrd="0" destOrd="0" presId="urn:microsoft.com/office/officeart/2008/layout/HorizontalMultiLevelHierarchy"/>
-    <dgm:cxn modelId="{116D29F4-96D9-4AEE-AB66-44F565703D88}" type="presParOf" srcId="{AD1C6B33-4CA1-4627-8064-8BE054CCA447}" destId="{0D742447-04C3-403F-BB2F-9FDD72CB796F}" srcOrd="1" destOrd="0" presId="urn:microsoft.com/office/officeart/2008/layout/HorizontalMultiLevelHierarchy"/>
-    <dgm:cxn modelId="{AFAD2DA0-6A4B-4501-AD90-B179BFAE561B}" type="presParOf" srcId="{EB92D9D9-8625-4AEF-AF00-C36FDC8429E0}" destId="{E3421BF1-8785-4D75-8D4E-776E74282F68}" srcOrd="2" destOrd="0" presId="urn:microsoft.com/office/officeart/2008/layout/HorizontalMultiLevelHierarchy"/>
-    <dgm:cxn modelId="{9670E48F-02D6-4ABD-A52C-DC64D8805F41}" type="presParOf" srcId="{E3421BF1-8785-4D75-8D4E-776E74282F68}" destId="{5CDECEDC-54AE-4171-9793-2CCA15B36DDE}" srcOrd="0" destOrd="0" presId="urn:microsoft.com/office/officeart/2008/layout/HorizontalMultiLevelHierarchy"/>
-    <dgm:cxn modelId="{022AD453-9F06-4FA0-95CD-80E848973358}" type="presParOf" srcId="{EB92D9D9-8625-4AEF-AF00-C36FDC8429E0}" destId="{A7FC231E-3E91-4A5E-BBD5-63268A1C63C4}" srcOrd="3" destOrd="0" presId="urn:microsoft.com/office/officeart/2008/layout/HorizontalMultiLevelHierarchy"/>
-    <dgm:cxn modelId="{3FA8ED62-A75D-4731-94B2-E34F9DDF01B1}" type="presParOf" srcId="{A7FC231E-3E91-4A5E-BBD5-63268A1C63C4}" destId="{A63ECC77-27DD-4872-ABB2-C1CB6FFDC649}" srcOrd="0" destOrd="0" presId="urn:microsoft.com/office/officeart/2008/layout/HorizontalMultiLevelHierarchy"/>
-    <dgm:cxn modelId="{1BD34D97-306C-4AA5-9DFE-9F1CC8CEA508}" type="presParOf" srcId="{A7FC231E-3E91-4A5E-BBD5-63268A1C63C4}" destId="{38964B0C-1739-4195-BDD5-0888E79224AB}" srcOrd="1" destOrd="0" presId="urn:microsoft.com/office/officeart/2008/layout/HorizontalMultiLevelHierarchy"/>
-    <dgm:cxn modelId="{328D2F9B-77C5-4A25-A229-2CA1D9A839C6}" type="presParOf" srcId="{EB92D9D9-8625-4AEF-AF00-C36FDC8429E0}" destId="{78E98673-2296-4C47-B551-5B2387AF51DC}" srcOrd="4" destOrd="0" presId="urn:microsoft.com/office/officeart/2008/layout/HorizontalMultiLevelHierarchy"/>
-    <dgm:cxn modelId="{930F4C54-1B44-45D6-AEAC-3867BBE6B487}" type="presParOf" srcId="{78E98673-2296-4C47-B551-5B2387AF51DC}" destId="{0CA853FF-4798-4621-BC86-16D18817B30B}" srcOrd="0" destOrd="0" presId="urn:microsoft.com/office/officeart/2008/layout/HorizontalMultiLevelHierarchy"/>
-    <dgm:cxn modelId="{8558A5B3-8AAF-41CE-B0A0-C1A86DA43371}" type="presParOf" srcId="{EB92D9D9-8625-4AEF-AF00-C36FDC8429E0}" destId="{C88114FF-315D-4EAC-9E9D-5792498AFD8B}" srcOrd="5" destOrd="0" presId="urn:microsoft.com/office/officeart/2008/layout/HorizontalMultiLevelHierarchy"/>
-    <dgm:cxn modelId="{A94F3B43-7B46-450F-A1FA-49911AC46C6F}" type="presParOf" srcId="{C88114FF-315D-4EAC-9E9D-5792498AFD8B}" destId="{8930C6D7-98CD-4DBD-9E2D-D8B3593DA865}" srcOrd="0" destOrd="0" presId="urn:microsoft.com/office/officeart/2008/layout/HorizontalMultiLevelHierarchy"/>
-    <dgm:cxn modelId="{1FB63F6B-71DC-4CCF-A1F8-D17F6432821B}" type="presParOf" srcId="{C88114FF-315D-4EAC-9E9D-5792498AFD8B}" destId="{DF23C36D-3CEC-42BF-941B-580A564D6BEC}" srcOrd="1" destOrd="0" presId="urn:microsoft.com/office/officeart/2008/layout/HorizontalMultiLevelHierarchy"/>
-    <dgm:cxn modelId="{A094325E-1C5C-4C41-A04F-8193B4F10E5A}" type="presParOf" srcId="{EB92D9D9-8625-4AEF-AF00-C36FDC8429E0}" destId="{534519AB-569A-4290-8E0B-64291B43B225}" srcOrd="6" destOrd="0" presId="urn:microsoft.com/office/officeart/2008/layout/HorizontalMultiLevelHierarchy"/>
-    <dgm:cxn modelId="{EE54AD60-92D6-4D31-9653-7E26E7D6A136}" type="presParOf" srcId="{534519AB-569A-4290-8E0B-64291B43B225}" destId="{BAA05368-3928-456A-AD66-AE5D39BAE525}" srcOrd="0" destOrd="0" presId="urn:microsoft.com/office/officeart/2008/layout/HorizontalMultiLevelHierarchy"/>
-    <dgm:cxn modelId="{E76A5127-7963-4895-A804-410236862688}" type="presParOf" srcId="{EB92D9D9-8625-4AEF-AF00-C36FDC8429E0}" destId="{26A1CEB5-3081-4090-A1FB-0698158689B7}" srcOrd="7" destOrd="0" presId="urn:microsoft.com/office/officeart/2008/layout/HorizontalMultiLevelHierarchy"/>
-    <dgm:cxn modelId="{D19D7B85-B598-4EB1-A87E-88977329DCC7}" type="presParOf" srcId="{26A1CEB5-3081-4090-A1FB-0698158689B7}" destId="{6011EB5F-B8A1-4CF1-A515-5C89E838679B}" srcOrd="0" destOrd="0" presId="urn:microsoft.com/office/officeart/2008/layout/HorizontalMultiLevelHierarchy"/>
-    <dgm:cxn modelId="{E66CF881-D39C-45EC-B465-0913F0B3BBA0}" type="presParOf" srcId="{26A1CEB5-3081-4090-A1FB-0698158689B7}" destId="{E26788F5-2E1F-458B-83BD-689F8DA170E7}" srcOrd="1" destOrd="0" presId="urn:microsoft.com/office/officeart/2008/layout/HorizontalMultiLevelHierarchy"/>
-    <dgm:cxn modelId="{FE499608-C9D8-4001-9464-3A52C3495B2A}" type="presParOf" srcId="{DEB296E9-1E75-4B40-8CBF-C0BEDD712C86}" destId="{A865F218-6B99-4A7A-BE62-C16FFBC6ECD0}" srcOrd="1" destOrd="0" presId="urn:microsoft.com/office/officeart/2008/layout/HorizontalMultiLevelHierarchy"/>
-    <dgm:cxn modelId="{50916A6D-2670-4714-B184-B0B4C4FC2A61}" type="presParOf" srcId="{A865F218-6B99-4A7A-BE62-C16FFBC6ECD0}" destId="{8D15106F-03B4-497A-9511-3208784D3A49}" srcOrd="0" destOrd="0" presId="urn:microsoft.com/office/officeart/2008/layout/HorizontalMultiLevelHierarchy"/>
-    <dgm:cxn modelId="{FFFAC872-A661-4E0C-83D6-A6630A67DDC7}" type="presParOf" srcId="{A865F218-6B99-4A7A-BE62-C16FFBC6ECD0}" destId="{085B381E-BFC4-4ACD-89FD-4518380D931B}" srcOrd="1" destOrd="0" presId="urn:microsoft.com/office/officeart/2008/layout/HorizontalMultiLevelHierarchy"/>
-    <dgm:cxn modelId="{DFDD780F-70D2-43FD-848C-C9E775F83987}" type="presParOf" srcId="{085B381E-BFC4-4ACD-89FD-4518380D931B}" destId="{9316EE00-C9D7-4360-9D23-2FF09D941DA0}" srcOrd="0" destOrd="0" presId="urn:microsoft.com/office/officeart/2008/layout/HorizontalMultiLevelHierarchy"/>
-    <dgm:cxn modelId="{9E2840CC-D4A7-4592-930B-411B9DA1369A}" type="presParOf" srcId="{9316EE00-C9D7-4360-9D23-2FF09D941DA0}" destId="{CA618FE8-35C5-4B58-A0BA-22F19507E915}" srcOrd="0" destOrd="0" presId="urn:microsoft.com/office/officeart/2008/layout/HorizontalMultiLevelHierarchy"/>
-    <dgm:cxn modelId="{5BEFD156-5F96-44F5-87C3-0AF47FF28CA3}" type="presParOf" srcId="{085B381E-BFC4-4ACD-89FD-4518380D931B}" destId="{12F253F4-FCF1-4F21-AA7D-1274A15C0E8A}" srcOrd="1" destOrd="0" presId="urn:microsoft.com/office/officeart/2008/layout/HorizontalMultiLevelHierarchy"/>
-    <dgm:cxn modelId="{B37436A8-F871-45A8-A15C-965ACF37BE83}" type="presParOf" srcId="{12F253F4-FCF1-4F21-AA7D-1274A15C0E8A}" destId="{D4705046-149C-4207-8405-C5636F05B6B7}" srcOrd="0" destOrd="0" presId="urn:microsoft.com/office/officeart/2008/layout/HorizontalMultiLevelHierarchy"/>
-    <dgm:cxn modelId="{1FC7870C-B8F9-4CC4-84D9-98BC235A398E}" type="presParOf" srcId="{12F253F4-FCF1-4F21-AA7D-1274A15C0E8A}" destId="{8E14B9FC-3AC3-4879-9215-BFA7B2F103E0}" srcOrd="1" destOrd="0" presId="urn:microsoft.com/office/officeart/2008/layout/HorizontalMultiLevelHierarchy"/>
-    <dgm:cxn modelId="{CFF55527-476F-4465-9212-2250461BC9A8}" type="presParOf" srcId="{085B381E-BFC4-4ACD-89FD-4518380D931B}" destId="{BE78FBF1-D36E-4519-8A25-91E495F08911}" srcOrd="2" destOrd="0" presId="urn:microsoft.com/office/officeart/2008/layout/HorizontalMultiLevelHierarchy"/>
-    <dgm:cxn modelId="{FB26392B-0160-4931-B766-829E58E81DED}" type="presParOf" srcId="{BE78FBF1-D36E-4519-8A25-91E495F08911}" destId="{55E6BB49-11E9-41EB-AB5E-22F6A444DA9B}" srcOrd="0" destOrd="0" presId="urn:microsoft.com/office/officeart/2008/layout/HorizontalMultiLevelHierarchy"/>
-    <dgm:cxn modelId="{221E9B5F-D724-489D-B86F-94CFE702964D}" type="presParOf" srcId="{085B381E-BFC4-4ACD-89FD-4518380D931B}" destId="{2F809209-9FB3-447F-91FB-749E53369652}" srcOrd="3" destOrd="0" presId="urn:microsoft.com/office/officeart/2008/layout/HorizontalMultiLevelHierarchy"/>
-    <dgm:cxn modelId="{855BAB53-E15B-4ABA-ACE2-590966B3E8AE}" type="presParOf" srcId="{2F809209-9FB3-447F-91FB-749E53369652}" destId="{B92B5D26-E888-404C-A323-E4C367FA5A01}" srcOrd="0" destOrd="0" presId="urn:microsoft.com/office/officeart/2008/layout/HorizontalMultiLevelHierarchy"/>
-    <dgm:cxn modelId="{17063BA7-A598-4DF6-8CE7-1F52E3AD4997}" type="presParOf" srcId="{2F809209-9FB3-447F-91FB-749E53369652}" destId="{C7716E2F-934E-4748-9BEE-07F52E5F153E}" srcOrd="1" destOrd="0" presId="urn:microsoft.com/office/officeart/2008/layout/HorizontalMultiLevelHierarchy"/>
+    <dgm:cxn modelId="{483684E9-2E5E-4E82-8399-DF7BD4142C37}" type="presParOf" srcId="{DEB296E9-1E75-4B40-8CBF-C0BEDD712C86}" destId="{A7F62CF6-FBC8-4113-A623-83EC55E48568}" srcOrd="0" destOrd="0" presId="urn:microsoft.com/office/officeart/2008/layout/HorizontalMultiLevelHierarchy#5"/>
+    <dgm:cxn modelId="{FC2BEAFC-4299-4B58-993C-83BD47E1E08E}" type="presParOf" srcId="{A7F62CF6-FBC8-4113-A623-83EC55E48568}" destId="{102B82C0-6243-4AFF-842F-FEC267C347BD}" srcOrd="0" destOrd="0" presId="urn:microsoft.com/office/officeart/2008/layout/HorizontalMultiLevelHierarchy#5"/>
+    <dgm:cxn modelId="{C096BAF9-8F4C-426A-B217-50607D2F68DE}" type="presParOf" srcId="{A7F62CF6-FBC8-4113-A623-83EC55E48568}" destId="{EB92D9D9-8625-4AEF-AF00-C36FDC8429E0}" srcOrd="1" destOrd="0" presId="urn:microsoft.com/office/officeart/2008/layout/HorizontalMultiLevelHierarchy#5"/>
+    <dgm:cxn modelId="{8DA237A0-8550-4F7D-8292-2ACB68465C83}" type="presParOf" srcId="{EB92D9D9-8625-4AEF-AF00-C36FDC8429E0}" destId="{C1DC596F-CDA8-46DE-AC40-988308914B8A}" srcOrd="0" destOrd="0" presId="urn:microsoft.com/office/officeart/2008/layout/HorizontalMultiLevelHierarchy#5"/>
+    <dgm:cxn modelId="{2A62E0CF-800E-4192-9384-63D632F1AFFC}" type="presParOf" srcId="{C1DC596F-CDA8-46DE-AC40-988308914B8A}" destId="{2E834AFF-C68E-4D4A-A060-F1BE93CEECDE}" srcOrd="0" destOrd="0" presId="urn:microsoft.com/office/officeart/2008/layout/HorizontalMultiLevelHierarchy#5"/>
+    <dgm:cxn modelId="{C82E0800-BF23-4B6F-8D1B-1CCCC6BF511E}" type="presParOf" srcId="{EB92D9D9-8625-4AEF-AF00-C36FDC8429E0}" destId="{AD1C6B33-4CA1-4627-8064-8BE054CCA447}" srcOrd="1" destOrd="0" presId="urn:microsoft.com/office/officeart/2008/layout/HorizontalMultiLevelHierarchy#5"/>
+    <dgm:cxn modelId="{A5674E38-3125-468D-B146-6EBCF01754D6}" type="presParOf" srcId="{AD1C6B33-4CA1-4627-8064-8BE054CCA447}" destId="{ACD632AC-59EA-4151-8A1B-12C8A8A93D07}" srcOrd="0" destOrd="0" presId="urn:microsoft.com/office/officeart/2008/layout/HorizontalMultiLevelHierarchy#5"/>
+    <dgm:cxn modelId="{116D29F4-96D9-4AEE-AB66-44F565703D88}" type="presParOf" srcId="{AD1C6B33-4CA1-4627-8064-8BE054CCA447}" destId="{0D742447-04C3-403F-BB2F-9FDD72CB796F}" srcOrd="1" destOrd="0" presId="urn:microsoft.com/office/officeart/2008/layout/HorizontalMultiLevelHierarchy#5"/>
+    <dgm:cxn modelId="{AFAD2DA0-6A4B-4501-AD90-B179BFAE561B}" type="presParOf" srcId="{EB92D9D9-8625-4AEF-AF00-C36FDC8429E0}" destId="{E3421BF1-8785-4D75-8D4E-776E74282F68}" srcOrd="2" destOrd="0" presId="urn:microsoft.com/office/officeart/2008/layout/HorizontalMultiLevelHierarchy#5"/>
+    <dgm:cxn modelId="{9670E48F-02D6-4ABD-A52C-DC64D8805F41}" type="presParOf" srcId="{E3421BF1-8785-4D75-8D4E-776E74282F68}" destId="{5CDECEDC-54AE-4171-9793-2CCA15B36DDE}" srcOrd="0" destOrd="0" presId="urn:microsoft.com/office/officeart/2008/layout/HorizontalMultiLevelHierarchy#5"/>
+    <dgm:cxn modelId="{022AD453-9F06-4FA0-95CD-80E848973358}" type="presParOf" srcId="{EB92D9D9-8625-4AEF-AF00-C36FDC8429E0}" destId="{A7FC231E-3E91-4A5E-BBD5-63268A1C63C4}" srcOrd="3" destOrd="0" presId="urn:microsoft.com/office/officeart/2008/layout/HorizontalMultiLevelHierarchy#5"/>
+    <dgm:cxn modelId="{3FA8ED62-A75D-4731-94B2-E34F9DDF01B1}" type="presParOf" srcId="{A7FC231E-3E91-4A5E-BBD5-63268A1C63C4}" destId="{A63ECC77-27DD-4872-ABB2-C1CB6FFDC649}" srcOrd="0" destOrd="0" presId="urn:microsoft.com/office/officeart/2008/layout/HorizontalMultiLevelHierarchy#5"/>
+    <dgm:cxn modelId="{1BD34D97-306C-4AA5-9DFE-9F1CC8CEA508}" type="presParOf" srcId="{A7FC231E-3E91-4A5E-BBD5-63268A1C63C4}" destId="{38964B0C-1739-4195-BDD5-0888E79224AB}" srcOrd="1" destOrd="0" presId="urn:microsoft.com/office/officeart/2008/layout/HorizontalMultiLevelHierarchy#5"/>
+    <dgm:cxn modelId="{328D2F9B-77C5-4A25-A229-2CA1D9A839C6}" type="presParOf" srcId="{EB92D9D9-8625-4AEF-AF00-C36FDC8429E0}" destId="{78E98673-2296-4C47-B551-5B2387AF51DC}" srcOrd="4" destOrd="0" presId="urn:microsoft.com/office/officeart/2008/layout/HorizontalMultiLevelHierarchy#5"/>
+    <dgm:cxn modelId="{930F4C54-1B44-45D6-AEAC-3867BBE6B487}" type="presParOf" srcId="{78E98673-2296-4C47-B551-5B2387AF51DC}" destId="{0CA853FF-4798-4621-BC86-16D18817B30B}" srcOrd="0" destOrd="0" presId="urn:microsoft.com/office/officeart/2008/layout/HorizontalMultiLevelHierarchy#5"/>
+    <dgm:cxn modelId="{8558A5B3-8AAF-41CE-B0A0-C1A86DA43371}" type="presParOf" srcId="{EB92D9D9-8625-4AEF-AF00-C36FDC8429E0}" destId="{C88114FF-315D-4EAC-9E9D-5792498AFD8B}" srcOrd="5" destOrd="0" presId="urn:microsoft.com/office/officeart/2008/layout/HorizontalMultiLevelHierarchy#5"/>
+    <dgm:cxn modelId="{A94F3B43-7B46-450F-A1FA-49911AC46C6F}" type="presParOf" srcId="{C88114FF-315D-4EAC-9E9D-5792498AFD8B}" destId="{8930C6D7-98CD-4DBD-9E2D-D8B3593DA865}" srcOrd="0" destOrd="0" presId="urn:microsoft.com/office/officeart/2008/layout/HorizontalMultiLevelHierarchy#5"/>
+    <dgm:cxn modelId="{1FB63F6B-71DC-4CCF-A1F8-D17F6432821B}" type="presParOf" srcId="{C88114FF-315D-4EAC-9E9D-5792498AFD8B}" destId="{DF23C36D-3CEC-42BF-941B-580A564D6BEC}" srcOrd="1" destOrd="0" presId="urn:microsoft.com/office/officeart/2008/layout/HorizontalMultiLevelHierarchy#5"/>
+    <dgm:cxn modelId="{A094325E-1C5C-4C41-A04F-8193B4F10E5A}" type="presParOf" srcId="{EB92D9D9-8625-4AEF-AF00-C36FDC8429E0}" destId="{534519AB-569A-4290-8E0B-64291B43B225}" srcOrd="6" destOrd="0" presId="urn:microsoft.com/office/officeart/2008/layout/HorizontalMultiLevelHierarchy#5"/>
+    <dgm:cxn modelId="{EE54AD60-92D6-4D31-9653-7E26E7D6A136}" type="presParOf" srcId="{534519AB-569A-4290-8E0B-64291B43B225}" destId="{BAA05368-3928-456A-AD66-AE5D39BAE525}" srcOrd="0" destOrd="0" presId="urn:microsoft.com/office/officeart/2008/layout/HorizontalMultiLevelHierarchy#5"/>
+    <dgm:cxn modelId="{E76A5127-7963-4895-A804-410236862688}" type="presParOf" srcId="{EB92D9D9-8625-4AEF-AF00-C36FDC8429E0}" destId="{26A1CEB5-3081-4090-A1FB-0698158689B7}" srcOrd="7" destOrd="0" presId="urn:microsoft.com/office/officeart/2008/layout/HorizontalMultiLevelHierarchy#5"/>
+    <dgm:cxn modelId="{D19D7B85-B598-4EB1-A87E-88977329DCC7}" type="presParOf" srcId="{26A1CEB5-3081-4090-A1FB-0698158689B7}" destId="{6011EB5F-B8A1-4CF1-A515-5C89E838679B}" srcOrd="0" destOrd="0" presId="urn:microsoft.com/office/officeart/2008/layout/HorizontalMultiLevelHierarchy#5"/>
+    <dgm:cxn modelId="{E66CF881-D39C-45EC-B465-0913F0B3BBA0}" type="presParOf" srcId="{26A1CEB5-3081-4090-A1FB-0698158689B7}" destId="{E26788F5-2E1F-458B-83BD-689F8DA170E7}" srcOrd="1" destOrd="0" presId="urn:microsoft.com/office/officeart/2008/layout/HorizontalMultiLevelHierarchy#5"/>
+    <dgm:cxn modelId="{FE499608-C9D8-4001-9464-3A52C3495B2A}" type="presParOf" srcId="{DEB296E9-1E75-4B40-8CBF-C0BEDD712C86}" destId="{A865F218-6B99-4A7A-BE62-C16FFBC6ECD0}" srcOrd="1" destOrd="0" presId="urn:microsoft.com/office/officeart/2008/layout/HorizontalMultiLevelHierarchy#5"/>
+    <dgm:cxn modelId="{50916A6D-2670-4714-B184-B0B4C4FC2A61}" type="presParOf" srcId="{A865F218-6B99-4A7A-BE62-C16FFBC6ECD0}" destId="{8D15106F-03B4-497A-9511-3208784D3A49}" srcOrd="0" destOrd="0" presId="urn:microsoft.com/office/officeart/2008/layout/HorizontalMultiLevelHierarchy#5"/>
+    <dgm:cxn modelId="{FFFAC872-A661-4E0C-83D6-A6630A67DDC7}" type="presParOf" srcId="{A865F218-6B99-4A7A-BE62-C16FFBC6ECD0}" destId="{085B381E-BFC4-4ACD-89FD-4518380D931B}" srcOrd="1" destOrd="0" presId="urn:microsoft.com/office/officeart/2008/layout/HorizontalMultiLevelHierarchy#5"/>
+    <dgm:cxn modelId="{DFDD780F-70D2-43FD-848C-C9E775F83987}" type="presParOf" srcId="{085B381E-BFC4-4ACD-89FD-4518380D931B}" destId="{9316EE00-C9D7-4360-9D23-2FF09D941DA0}" srcOrd="0" destOrd="0" presId="urn:microsoft.com/office/officeart/2008/layout/HorizontalMultiLevelHierarchy#5"/>
+    <dgm:cxn modelId="{9E2840CC-D4A7-4592-930B-411B9DA1369A}" type="presParOf" srcId="{9316EE00-C9D7-4360-9D23-2FF09D941DA0}" destId="{CA618FE8-35C5-4B58-A0BA-22F19507E915}" srcOrd="0" destOrd="0" presId="urn:microsoft.com/office/officeart/2008/layout/HorizontalMultiLevelHierarchy#5"/>
+    <dgm:cxn modelId="{5BEFD156-5F96-44F5-87C3-0AF47FF28CA3}" type="presParOf" srcId="{085B381E-BFC4-4ACD-89FD-4518380D931B}" destId="{12F253F4-FCF1-4F21-AA7D-1274A15C0E8A}" srcOrd="1" destOrd="0" presId="urn:microsoft.com/office/officeart/2008/layout/HorizontalMultiLevelHierarchy#5"/>
+    <dgm:cxn modelId="{B37436A8-F871-45A8-A15C-965ACF37BE83}" type="presParOf" srcId="{12F253F4-FCF1-4F21-AA7D-1274A15C0E8A}" destId="{D4705046-149C-4207-8405-C5636F05B6B7}" srcOrd="0" destOrd="0" presId="urn:microsoft.com/office/officeart/2008/layout/HorizontalMultiLevelHierarchy#5"/>
+    <dgm:cxn modelId="{1FC7870C-B8F9-4CC4-84D9-98BC235A398E}" type="presParOf" srcId="{12F253F4-FCF1-4F21-AA7D-1274A15C0E8A}" destId="{8E14B9FC-3AC3-4879-9215-BFA7B2F103E0}" srcOrd="1" destOrd="0" presId="urn:microsoft.com/office/officeart/2008/layout/HorizontalMultiLevelHierarchy#5"/>
+    <dgm:cxn modelId="{CFF55527-476F-4465-9212-2250461BC9A8}" type="presParOf" srcId="{085B381E-BFC4-4ACD-89FD-4518380D931B}" destId="{BE78FBF1-D36E-4519-8A25-91E495F08911}" srcOrd="2" destOrd="0" presId="urn:microsoft.com/office/officeart/2008/layout/HorizontalMultiLevelHierarchy#5"/>
+    <dgm:cxn modelId="{FB26392B-0160-4931-B766-829E58E81DED}" type="presParOf" srcId="{BE78FBF1-D36E-4519-8A25-91E495F08911}" destId="{55E6BB49-11E9-41EB-AB5E-22F6A444DA9B}" srcOrd="0" destOrd="0" presId="urn:microsoft.com/office/officeart/2008/layout/HorizontalMultiLevelHierarchy#5"/>
+    <dgm:cxn modelId="{221E9B5F-D724-489D-B86F-94CFE702964D}" type="presParOf" srcId="{085B381E-BFC4-4ACD-89FD-4518380D931B}" destId="{2F809209-9FB3-447F-91FB-749E53369652}" srcOrd="3" destOrd="0" presId="urn:microsoft.com/office/officeart/2008/layout/HorizontalMultiLevelHierarchy#5"/>
+    <dgm:cxn modelId="{855BAB53-E15B-4ABA-ACE2-590966B3E8AE}" type="presParOf" srcId="{2F809209-9FB3-447F-91FB-749E53369652}" destId="{B92B5D26-E888-404C-A323-E4C367FA5A01}" srcOrd="0" destOrd="0" presId="urn:microsoft.com/office/officeart/2008/layout/HorizontalMultiLevelHierarchy#5"/>
+    <dgm:cxn modelId="{17063BA7-A598-4DF6-8CE7-1F52E3AD4997}" type="presParOf" srcId="{2F809209-9FB3-447F-91FB-749E53369652}" destId="{C7716E2F-934E-4748-9BEE-07F52E5F153E}" srcOrd="1" destOrd="0" presId="urn:microsoft.com/office/officeart/2008/layout/HorizontalMultiLevelHierarchy#5"/>
   </dgm:cxnLst>
   <dgm:bg/>
   <dgm:whole/>
   <dgm:extLst>
     <a:ext uri="http://schemas.microsoft.com/office/drawing/2008/diagram">
-      <dsp:dataModelExt xmlns:dsp="http://schemas.microsoft.com/office/drawing/2008/diagram" relId="rId5" minVer="http://schemas.openxmlformats.org/drawingml/2006/diagram"/>
+      <dsp:dataModelExt xmlns:dsp="http://schemas.microsoft.com/office/drawing/2008/diagram" relId="rId6" minVer="http://schemas.openxmlformats.org/drawingml/2006/diagram"/>
     </a:ext>
   </dgm:extLst>
 </dgm:dataModel>
@@ -4552,8 +4631,8 @@
             <a:solidFill>
               <a:prstClr val="white"/>
             </a:solidFill>
-            <a:latin typeface="等线" panose="020F0502020204030204"/>
-            <a:ea typeface="等线" panose="02010600030101010101" pitchFamily="2" charset="-122"/>
+            <a:latin typeface="等线" panose="02010600030101010101" charset="-122"/>
+            <a:ea typeface="等线" panose="02010600030101010101" charset="-122"/>
             <a:cs typeface="+mn-cs"/>
           </a:endParaRPr>
         </a:p>
@@ -4684,8 +4763,8 @@
               <a:solidFill>
                 <a:prstClr val="white"/>
               </a:solidFill>
-              <a:latin typeface="等线" panose="020F0502020204030204"/>
-              <a:ea typeface="等线" panose="02010600030101010101" pitchFamily="2" charset="-122"/>
+              <a:latin typeface="等线" panose="02010600030101010101" charset="-122"/>
+              <a:ea typeface="等线" panose="02010600030101010101" charset="-122"/>
               <a:cs typeface="+mn-cs"/>
             </a:rPr>
             <a:t>对象池</a:t>
@@ -4819,8 +4898,8 @@
               <a:solidFill>
                 <a:prstClr val="white"/>
               </a:solidFill>
-              <a:latin typeface="等线" panose="020F0502020204030204"/>
-              <a:ea typeface="等线" panose="02010600030101010101" pitchFamily="2" charset="-122"/>
+              <a:latin typeface="等线" panose="02010600030101010101" charset="-122"/>
+              <a:ea typeface="等线" panose="02010600030101010101" charset="-122"/>
               <a:cs typeface="+mn-cs"/>
             </a:rPr>
             <a:t>事件处理</a:t>
@@ -4900,8 +4979,8 @@
       </dsp:nvSpPr>
       <dsp:spPr>
         <a:xfrm>
-          <a:off x="1254706" y="4071093"/>
-          <a:ext cx="3207897" cy="691322"/>
+          <a:off x="1236047" y="4071093"/>
+          <a:ext cx="3207897" cy="1003623"/>
         </a:xfrm>
         <a:custGeom>
           <a:avLst/>
@@ -4918,10 +4997,10 @@
                 <a:pt x="1603948" y="0"/>
               </a:lnTo>
               <a:lnTo>
-                <a:pt x="1603948" y="691322"/>
+                <a:pt x="1603948" y="1003623"/>
               </a:lnTo>
               <a:lnTo>
-                <a:pt x="3207897" y="691322"/>
+                <a:pt x="3207897" y="1003623"/>
               </a:lnTo>
             </a:path>
           </a:pathLst>
@@ -4976,8 +5055,8 @@
         </a:p>
       </dsp:txBody>
       <dsp:txXfrm>
-        <a:off x="2776616" y="4334715"/>
-        <a:ext cx="164077" cy="164077"/>
+        <a:off x="2755965" y="4488874"/>
+        <a:ext cx="168061" cy="168061"/>
       </dsp:txXfrm>
     </dsp:sp>
     <dsp:sp modelId="{7E7E8E16-B053-4845-8A47-089CD9A78F56}">
@@ -4987,8 +5066,8 @@
       </dsp:nvSpPr>
       <dsp:spPr>
         <a:xfrm>
-          <a:off x="1254706" y="4025373"/>
-          <a:ext cx="3207897" cy="91440"/>
+          <a:off x="1236047" y="4071093"/>
+          <a:ext cx="3207897" cy="379020"/>
         </a:xfrm>
         <a:custGeom>
           <a:avLst/>
@@ -4999,16 +5078,16 @@
           <a:pathLst>
             <a:path>
               <a:moveTo>
-                <a:pt x="0" y="45720"/>
+                <a:pt x="0" y="0"/>
               </a:moveTo>
               <a:lnTo>
-                <a:pt x="1603948" y="45720"/>
+                <a:pt x="1603948" y="0"/>
               </a:lnTo>
               <a:lnTo>
-                <a:pt x="1603948" y="112439"/>
+                <a:pt x="1603948" y="379020"/>
               </a:lnTo>
               <a:lnTo>
-                <a:pt x="3207897" y="112439"/>
+                <a:pt x="3207897" y="379020"/>
               </a:lnTo>
             </a:path>
           </a:pathLst>
@@ -5063,19 +5142,19 @@
         </a:p>
       </dsp:txBody>
       <dsp:txXfrm>
-        <a:off x="2778440" y="3990878"/>
-        <a:ext cx="160429" cy="160429"/>
+        <a:off x="2759240" y="4179848"/>
+        <a:ext cx="161510" cy="161510"/>
       </dsp:txXfrm>
     </dsp:sp>
-    <dsp:sp modelId="{AEAFC00F-1553-4930-9576-ECC45A2ECB17}">
+    <dsp:sp modelId="{F2BB2FA6-0BD8-41F8-92EF-B5E363A4C386}">
       <dsp:nvSpPr>
         <dsp:cNvPr id="0" name=""/>
         <dsp:cNvSpPr/>
       </dsp:nvSpPr>
       <dsp:spPr>
         <a:xfrm>
-          <a:off x="1254706" y="3513210"/>
-          <a:ext cx="3207897" cy="557882"/>
+          <a:off x="1236047" y="3814119"/>
+          <a:ext cx="3188557" cy="256974"/>
         </a:xfrm>
         <a:custGeom>
           <a:avLst/>
@@ -5086,10 +5165,97 @@
           <a:pathLst>
             <a:path>
               <a:moveTo>
-                <a:pt x="0" y="557882"/>
+                <a:pt x="0" y="256974"/>
               </a:moveTo>
               <a:lnTo>
-                <a:pt x="1603948" y="557882"/>
+                <a:pt x="1594278" y="256974"/>
+              </a:lnTo>
+              <a:lnTo>
+                <a:pt x="1594278" y="0"/>
+              </a:lnTo>
+              <a:lnTo>
+                <a:pt x="3188557" y="0"/>
+              </a:lnTo>
+            </a:path>
+          </a:pathLst>
+        </a:custGeom>
+        <a:noFill/>
+        <a:ln w="12700" cap="flat" cmpd="sng" algn="ctr">
+          <a:solidFill>
+            <a:schemeClr val="dk1">
+              <a:shade val="60000"/>
+              <a:hueOff val="0"/>
+              <a:satOff val="0"/>
+              <a:lumOff val="0"/>
+              <a:alphaOff val="0"/>
+            </a:schemeClr>
+          </a:solidFill>
+          <a:prstDash val="solid"/>
+          <a:miter lim="800000"/>
+        </a:ln>
+        <a:effectLst/>
+      </dsp:spPr>
+      <dsp:style>
+        <a:lnRef idx="2">
+          <a:scrgbClr r="0" g="0" b="0"/>
+        </a:lnRef>
+        <a:fillRef idx="0">
+          <a:scrgbClr r="0" g="0" b="0"/>
+        </a:fillRef>
+        <a:effectRef idx="0">
+          <a:scrgbClr r="0" g="0" b="0"/>
+        </a:effectRef>
+        <a:fontRef idx="minor"/>
+      </dsp:style>
+      <dsp:txBody>
+        <a:bodyPr spcFirstLastPara="0" vert="horz" wrap="square" lIns="12700" tIns="0" rIns="12700" bIns="0" numCol="1" spcCol="1270" anchor="ctr" anchorCtr="0">
+          <a:noAutofit/>
+        </a:bodyPr>
+        <a:lstStyle/>
+        <a:p>
+          <a:pPr marL="0" lvl="0" indent="0" algn="ctr" defTabSz="444500">
+            <a:lnSpc>
+              <a:spcPct val="90000"/>
+            </a:lnSpc>
+            <a:spcBef>
+              <a:spcPct val="0"/>
+            </a:spcBef>
+            <a:spcAft>
+              <a:spcPct val="35000"/>
+            </a:spcAft>
+            <a:buNone/>
+          </a:pPr>
+          <a:endParaRPr lang="zh-CN" altLang="en-US" sz="1000" kern="1200"/>
+        </a:p>
+      </dsp:txBody>
+      <dsp:txXfrm>
+        <a:off x="2750353" y="3862633"/>
+        <a:ext cx="159944" cy="159944"/>
+      </dsp:txXfrm>
+    </dsp:sp>
+    <dsp:sp modelId="{AEAFC00F-1553-4930-9576-ECC45A2ECB17}">
+      <dsp:nvSpPr>
+        <dsp:cNvPr id="0" name=""/>
+        <dsp:cNvSpPr/>
+      </dsp:nvSpPr>
+      <dsp:spPr>
+        <a:xfrm>
+          <a:off x="1236047" y="3200909"/>
+          <a:ext cx="3207897" cy="870184"/>
+        </a:xfrm>
+        <a:custGeom>
+          <a:avLst/>
+          <a:gdLst/>
+          <a:ahLst/>
+          <a:cxnLst/>
+          <a:rect l="0" t="0" r="0" b="0"/>
+          <a:pathLst>
+            <a:path>
+              <a:moveTo>
+                <a:pt x="0" y="870184"/>
+              </a:moveTo>
+              <a:lnTo>
+                <a:pt x="1603948" y="870184"/>
               </a:lnTo>
               <a:lnTo>
                 <a:pt x="1603948" y="0"/>
@@ -5150,8 +5316,8 @@
         </a:p>
       </dsp:txBody>
       <dsp:txXfrm>
-        <a:off x="2777254" y="3710750"/>
-        <a:ext cx="162802" cy="162802"/>
+        <a:off x="2756900" y="3552905"/>
+        <a:ext cx="166191" cy="166191"/>
       </dsp:txXfrm>
     </dsp:sp>
     <dsp:sp modelId="{E2EC2FB9-B63E-48A7-A342-FBB2A0749B13}">
@@ -5161,7 +5327,7 @@
       </dsp:nvSpPr>
       <dsp:spPr>
         <a:xfrm>
-          <a:off x="1245692" y="1314952"/>
+          <a:off x="1227033" y="1314952"/>
           <a:ext cx="3226761" cy="955075"/>
         </a:xfrm>
         <a:custGeom>
@@ -5237,7 +5403,7 @@
         </a:p>
       </dsp:txBody>
       <dsp:txXfrm>
-        <a:off x="2774945" y="1708361"/>
+        <a:off x="2756285" y="1708361"/>
         <a:ext cx="168256" cy="168256"/>
       </dsp:txXfrm>
     </dsp:sp>
@@ -5248,7 +5414,7 @@
       </dsp:nvSpPr>
       <dsp:spPr>
         <a:xfrm>
-          <a:off x="1245692" y="1314952"/>
+          <a:off x="1227033" y="1314952"/>
           <a:ext cx="3226761" cy="330472"/>
         </a:xfrm>
         <a:custGeom>
@@ -5324,7 +5490,7 @@
         </a:p>
       </dsp:txBody>
       <dsp:txXfrm>
-        <a:off x="2777982" y="1399097"/>
+        <a:off x="2759322" y="1399097"/>
         <a:ext cx="162182" cy="162182"/>
       </dsp:txXfrm>
     </dsp:sp>
@@ -5335,7 +5501,7 @@
       </dsp:nvSpPr>
       <dsp:spPr>
         <a:xfrm>
-          <a:off x="1245692" y="1020822"/>
+          <a:off x="1227033" y="1020822"/>
           <a:ext cx="3226761" cy="294129"/>
         </a:xfrm>
         <a:custGeom>
@@ -5411,7 +5577,7 @@
         </a:p>
       </dsp:txBody>
       <dsp:txXfrm>
-        <a:off x="2778069" y="1086884"/>
+        <a:off x="2759410" y="1086884"/>
         <a:ext cx="162006" cy="162006"/>
       </dsp:txXfrm>
     </dsp:sp>
@@ -5422,7 +5588,7 @@
       </dsp:nvSpPr>
       <dsp:spPr>
         <a:xfrm>
-          <a:off x="1245692" y="396220"/>
+          <a:off x="1227033" y="396220"/>
           <a:ext cx="3226761" cy="918732"/>
         </a:xfrm>
         <a:custGeom>
@@ -5498,7 +5664,7 @@
         </a:p>
       </dsp:txBody>
       <dsp:txXfrm>
-        <a:off x="2775198" y="771711"/>
+        <a:off x="2756538" y="771711"/>
         <a:ext cx="167750" cy="167750"/>
       </dsp:txXfrm>
     </dsp:sp>
@@ -5509,7 +5675,7 @@
       </dsp:nvSpPr>
       <dsp:spPr>
         <a:xfrm rot="16200000">
-          <a:off x="-319100" y="1065111"/>
+          <a:off x="-337760" y="1065111"/>
           <a:ext cx="2629905" cy="499682"/>
         </a:xfrm>
         <a:prstGeom prst="rect">
@@ -5608,7 +5774,7 @@
         </a:p>
       </dsp:txBody>
       <dsp:txXfrm>
-        <a:off x="-319100" y="1065111"/>
+        <a:off x="-337760" y="1065111"/>
         <a:ext cx="2629905" cy="499682"/>
       </dsp:txXfrm>
     </dsp:sp>
@@ -5619,7 +5785,7 @@
       </dsp:nvSpPr>
       <dsp:spPr>
         <a:xfrm>
-          <a:off x="4472454" y="146379"/>
+          <a:off x="4453794" y="146379"/>
           <a:ext cx="2522551" cy="499682"/>
         </a:xfrm>
         <a:prstGeom prst="rect">
@@ -5715,7 +5881,7 @@
         </a:p>
       </dsp:txBody>
       <dsp:txXfrm>
-        <a:off x="4472454" y="146379"/>
+        <a:off x="4453794" y="146379"/>
         <a:ext cx="2522551" cy="499682"/>
       </dsp:txXfrm>
     </dsp:sp>
@@ -5726,7 +5892,7 @@
       </dsp:nvSpPr>
       <dsp:spPr>
         <a:xfrm>
-          <a:off x="4472454" y="770981"/>
+          <a:off x="4453794" y="770981"/>
           <a:ext cx="2522551" cy="499682"/>
         </a:xfrm>
         <a:prstGeom prst="rect">
@@ -5816,12 +5982,12 @@
           </a:pPr>
           <a:r>
             <a:rPr lang="zh-CN" altLang="en-US" sz="2500" kern="1200" dirty="0"/>
-            <a:t>说明</a:t>
+            <a:t>关卡选择</a:t>
           </a:r>
         </a:p>
       </dsp:txBody>
       <dsp:txXfrm>
-        <a:off x="4472454" y="770981"/>
+        <a:off x="4453794" y="770981"/>
         <a:ext cx="2522551" cy="499682"/>
       </dsp:txXfrm>
     </dsp:sp>
@@ -5832,114 +5998,7 @@
       </dsp:nvSpPr>
       <dsp:spPr>
         <a:xfrm>
-          <a:off x="4472454" y="1395584"/>
-          <a:ext cx="2522551" cy="499682"/>
-        </a:xfrm>
-        <a:prstGeom prst="rect">
-          <a:avLst/>
-        </a:prstGeom>
-        <a:gradFill rotWithShape="0">
-          <a:gsLst>
-            <a:gs pos="0">
-              <a:schemeClr val="lt1">
-                <a:hueOff val="0"/>
-                <a:satOff val="0"/>
-                <a:lumOff val="0"/>
-                <a:alphaOff val="0"/>
-                <a:lumMod val="110000"/>
-                <a:satMod val="105000"/>
-                <a:tint val="67000"/>
-              </a:schemeClr>
-            </a:gs>
-            <a:gs pos="50000">
-              <a:schemeClr val="lt1">
-                <a:hueOff val="0"/>
-                <a:satOff val="0"/>
-                <a:lumOff val="0"/>
-                <a:alphaOff val="0"/>
-                <a:lumMod val="105000"/>
-                <a:satMod val="103000"/>
-                <a:tint val="73000"/>
-              </a:schemeClr>
-            </a:gs>
-            <a:gs pos="100000">
-              <a:schemeClr val="lt1">
-                <a:hueOff val="0"/>
-                <a:satOff val="0"/>
-                <a:lumOff val="0"/>
-                <a:alphaOff val="0"/>
-                <a:lumMod val="105000"/>
-                <a:satMod val="109000"/>
-                <a:tint val="81000"/>
-              </a:schemeClr>
-            </a:gs>
-          </a:gsLst>
-          <a:lin ang="5400000" scaled="0"/>
-        </a:gradFill>
-        <a:ln>
-          <a:noFill/>
-        </a:ln>
-        <a:effectLst/>
-        <a:scene3d>
-          <a:camera prst="orthographicFront"/>
-          <a:lightRig rig="flat" dir="t"/>
-        </a:scene3d>
-        <a:sp3d prstMaterial="dkEdge">
-          <a:bevelT w="8200" h="38100"/>
-        </a:sp3d>
-      </dsp:spPr>
-      <dsp:style>
-        <a:lnRef idx="0">
-          <a:scrgbClr r="0" g="0" b="0"/>
-        </a:lnRef>
-        <a:fillRef idx="2">
-          <a:scrgbClr r="0" g="0" b="0"/>
-        </a:fillRef>
-        <a:effectRef idx="1">
-          <a:scrgbClr r="0" g="0" b="0"/>
-        </a:effectRef>
-        <a:fontRef idx="minor">
-          <a:schemeClr val="dk1"/>
-        </a:fontRef>
-      </dsp:style>
-      <dsp:txBody>
-        <a:bodyPr spcFirstLastPara="0" vert="horz" wrap="square" lIns="15875" tIns="15875" rIns="15875" bIns="15875" numCol="1" spcCol="1270" anchor="ctr" anchorCtr="0">
-          <a:noAutofit/>
-        </a:bodyPr>
-        <a:lstStyle/>
-        <a:p>
-          <a:pPr marL="0" lvl="0" indent="0" algn="ctr" defTabSz="1111250">
-            <a:lnSpc>
-              <a:spcPct val="90000"/>
-            </a:lnSpc>
-            <a:spcBef>
-              <a:spcPct val="0"/>
-            </a:spcBef>
-            <a:spcAft>
-              <a:spcPct val="35000"/>
-            </a:spcAft>
-            <a:buFont typeface="+mj-lt"/>
-            <a:buNone/>
-          </a:pPr>
-          <a:r>
-            <a:rPr lang="zh-CN" altLang="en-US" sz="2500" kern="1200" dirty="0"/>
-            <a:t>关卡选择</a:t>
-          </a:r>
-        </a:p>
-      </dsp:txBody>
-      <dsp:txXfrm>
-        <a:off x="4472454" y="1395584"/>
-        <a:ext cx="2522551" cy="499682"/>
-      </dsp:txXfrm>
-    </dsp:sp>
-    <dsp:sp modelId="{9041456B-8D97-4923-8E9A-735B90619910}">
-      <dsp:nvSpPr>
-        <dsp:cNvPr id="0" name=""/>
-        <dsp:cNvSpPr/>
-      </dsp:nvSpPr>
-      <dsp:spPr>
-        <a:xfrm>
-          <a:off x="4472454" y="2020186"/>
+          <a:off x="4453794" y="1395584"/>
           <a:ext cx="2522551" cy="499682"/>
         </a:xfrm>
         <a:prstGeom prst="rect">
@@ -6035,7 +6094,114 @@
         </a:p>
       </dsp:txBody>
       <dsp:txXfrm>
-        <a:off x="4472454" y="2020186"/>
+        <a:off x="4453794" y="1395584"/>
+        <a:ext cx="2522551" cy="499682"/>
+      </dsp:txXfrm>
+    </dsp:sp>
+    <dsp:sp modelId="{9041456B-8D97-4923-8E9A-735B90619910}">
+      <dsp:nvSpPr>
+        <dsp:cNvPr id="0" name=""/>
+        <dsp:cNvSpPr/>
+      </dsp:nvSpPr>
+      <dsp:spPr>
+        <a:xfrm>
+          <a:off x="4453794" y="2020186"/>
+          <a:ext cx="2522551" cy="499682"/>
+        </a:xfrm>
+        <a:prstGeom prst="rect">
+          <a:avLst/>
+        </a:prstGeom>
+        <a:gradFill rotWithShape="0">
+          <a:gsLst>
+            <a:gs pos="0">
+              <a:schemeClr val="lt1">
+                <a:hueOff val="0"/>
+                <a:satOff val="0"/>
+                <a:lumOff val="0"/>
+                <a:alphaOff val="0"/>
+                <a:lumMod val="110000"/>
+                <a:satMod val="105000"/>
+                <a:tint val="67000"/>
+              </a:schemeClr>
+            </a:gs>
+            <a:gs pos="50000">
+              <a:schemeClr val="lt1">
+                <a:hueOff val="0"/>
+                <a:satOff val="0"/>
+                <a:lumOff val="0"/>
+                <a:alphaOff val="0"/>
+                <a:lumMod val="105000"/>
+                <a:satMod val="103000"/>
+                <a:tint val="73000"/>
+              </a:schemeClr>
+            </a:gs>
+            <a:gs pos="100000">
+              <a:schemeClr val="lt1">
+                <a:hueOff val="0"/>
+                <a:satOff val="0"/>
+                <a:lumOff val="0"/>
+                <a:alphaOff val="0"/>
+                <a:lumMod val="105000"/>
+                <a:satMod val="109000"/>
+                <a:tint val="81000"/>
+              </a:schemeClr>
+            </a:gs>
+          </a:gsLst>
+          <a:lin ang="5400000" scaled="0"/>
+        </a:gradFill>
+        <a:ln>
+          <a:noFill/>
+        </a:ln>
+        <a:effectLst/>
+        <a:scene3d>
+          <a:camera prst="orthographicFront"/>
+          <a:lightRig rig="flat" dir="t"/>
+        </a:scene3d>
+        <a:sp3d prstMaterial="dkEdge">
+          <a:bevelT w="8200" h="38100"/>
+        </a:sp3d>
+      </dsp:spPr>
+      <dsp:style>
+        <a:lnRef idx="0">
+          <a:scrgbClr r="0" g="0" b="0"/>
+        </a:lnRef>
+        <a:fillRef idx="2">
+          <a:scrgbClr r="0" g="0" b="0"/>
+        </a:fillRef>
+        <a:effectRef idx="1">
+          <a:scrgbClr r="0" g="0" b="0"/>
+        </a:effectRef>
+        <a:fontRef idx="minor">
+          <a:schemeClr val="dk1"/>
+        </a:fontRef>
+      </dsp:style>
+      <dsp:txBody>
+        <a:bodyPr spcFirstLastPara="0" vert="horz" wrap="square" lIns="15875" tIns="15875" rIns="15875" bIns="15875" numCol="1" spcCol="1270" anchor="ctr" anchorCtr="0">
+          <a:noAutofit/>
+        </a:bodyPr>
+        <a:lstStyle/>
+        <a:p>
+          <a:pPr marL="0" lvl="0" indent="0" algn="ctr" defTabSz="1111250">
+            <a:lnSpc>
+              <a:spcPct val="90000"/>
+            </a:lnSpc>
+            <a:spcBef>
+              <a:spcPct val="0"/>
+            </a:spcBef>
+            <a:spcAft>
+              <a:spcPct val="35000"/>
+            </a:spcAft>
+            <a:buFont typeface="+mj-lt"/>
+            <a:buNone/>
+          </a:pPr>
+          <a:r>
+            <a:rPr lang="zh-CN" altLang="en-US" sz="2500" kern="1200" dirty="0"/>
+            <a:t>通关界面</a:t>
+          </a:r>
+        </a:p>
+      </dsp:txBody>
+      <dsp:txXfrm>
+        <a:off x="4453794" y="2020186"/>
         <a:ext cx="2522551" cy="499682"/>
       </dsp:txXfrm>
     </dsp:sp>
@@ -6046,7 +6212,7 @@
       </dsp:nvSpPr>
       <dsp:spPr>
         <a:xfrm rot="16200000">
-          <a:off x="-310086" y="3821252"/>
+          <a:off x="-328746" y="3821252"/>
           <a:ext cx="2629905" cy="499682"/>
         </a:xfrm>
         <a:prstGeom prst="rect">
@@ -6142,7 +6308,7 @@
         </a:p>
       </dsp:txBody>
       <dsp:txXfrm>
-        <a:off x="-310086" y="3821252"/>
+        <a:off x="-328746" y="3821252"/>
         <a:ext cx="2629905" cy="499682"/>
       </dsp:txXfrm>
     </dsp:sp>
@@ -6153,8 +6319,114 @@
       </dsp:nvSpPr>
       <dsp:spPr>
         <a:xfrm>
-          <a:off x="4462604" y="3263369"/>
+          <a:off x="4443944" y="2951068"/>
           <a:ext cx="2522551" cy="499682"/>
+        </a:xfrm>
+        <a:prstGeom prst="rect">
+          <a:avLst/>
+        </a:prstGeom>
+        <a:gradFill rotWithShape="0">
+          <a:gsLst>
+            <a:gs pos="0">
+              <a:schemeClr val="lt1">
+                <a:hueOff val="0"/>
+                <a:satOff val="0"/>
+                <a:lumOff val="0"/>
+                <a:alphaOff val="0"/>
+                <a:lumMod val="110000"/>
+                <a:satMod val="105000"/>
+                <a:tint val="67000"/>
+              </a:schemeClr>
+            </a:gs>
+            <a:gs pos="50000">
+              <a:schemeClr val="lt1">
+                <a:hueOff val="0"/>
+                <a:satOff val="0"/>
+                <a:lumOff val="0"/>
+                <a:alphaOff val="0"/>
+                <a:lumMod val="105000"/>
+                <a:satMod val="103000"/>
+                <a:tint val="73000"/>
+              </a:schemeClr>
+            </a:gs>
+            <a:gs pos="100000">
+              <a:schemeClr val="lt1">
+                <a:hueOff val="0"/>
+                <a:satOff val="0"/>
+                <a:lumOff val="0"/>
+                <a:alphaOff val="0"/>
+                <a:lumMod val="105000"/>
+                <a:satMod val="109000"/>
+                <a:tint val="81000"/>
+              </a:schemeClr>
+            </a:gs>
+          </a:gsLst>
+          <a:lin ang="5400000" scaled="0"/>
+        </a:gradFill>
+        <a:ln>
+          <a:noFill/>
+        </a:ln>
+        <a:effectLst/>
+        <a:scene3d>
+          <a:camera prst="orthographicFront"/>
+          <a:lightRig rig="flat" dir="t"/>
+        </a:scene3d>
+        <a:sp3d prstMaterial="dkEdge">
+          <a:bevelT w="8200" h="38100"/>
+        </a:sp3d>
+      </dsp:spPr>
+      <dsp:style>
+        <a:lnRef idx="0">
+          <a:scrgbClr r="0" g="0" b="0"/>
+        </a:lnRef>
+        <a:fillRef idx="2">
+          <a:scrgbClr r="0" g="0" b="0"/>
+        </a:fillRef>
+        <a:effectRef idx="1">
+          <a:scrgbClr r="0" g="0" b="0"/>
+        </a:effectRef>
+        <a:fontRef idx="minor">
+          <a:schemeClr val="dk1"/>
+        </a:fontRef>
+      </dsp:style>
+      <dsp:txBody>
+        <a:bodyPr spcFirstLastPara="0" vert="horz" wrap="square" lIns="17145" tIns="17145" rIns="17145" bIns="17145" numCol="1" spcCol="1270" anchor="ctr" anchorCtr="0">
+          <a:noAutofit/>
+        </a:bodyPr>
+        <a:lstStyle/>
+        <a:p>
+          <a:pPr marL="0" lvl="0" indent="0" algn="ctr" defTabSz="1200150">
+            <a:lnSpc>
+              <a:spcPct val="90000"/>
+            </a:lnSpc>
+            <a:spcBef>
+              <a:spcPct val="0"/>
+            </a:spcBef>
+            <a:spcAft>
+              <a:spcPct val="35000"/>
+            </a:spcAft>
+            <a:buNone/>
+          </a:pPr>
+          <a:r>
+            <a:rPr lang="zh-CN" altLang="en-US" sz="2700" kern="1200" dirty="0"/>
+            <a:t>程序说明</a:t>
+          </a:r>
+        </a:p>
+      </dsp:txBody>
+      <dsp:txXfrm>
+        <a:off x="4443944" y="2951068"/>
+        <a:ext cx="2522551" cy="499682"/>
+      </dsp:txXfrm>
+    </dsp:sp>
+    <dsp:sp modelId="{7A9C256E-BD10-4222-A624-E5560EA9A3C4}">
+      <dsp:nvSpPr>
+        <dsp:cNvPr id="0" name=""/>
+        <dsp:cNvSpPr/>
+      </dsp:nvSpPr>
+      <dsp:spPr>
+        <a:xfrm>
+          <a:off x="4424604" y="3564278"/>
+          <a:ext cx="2559870" cy="499682"/>
         </a:xfrm>
         <a:prstGeom prst="rect">
           <a:avLst/>
@@ -6242,14 +6514,15 @@
             <a:buNone/>
           </a:pPr>
           <a:r>
-            <a:rPr lang="zh-CN" altLang="en-US" sz="2600" kern="1200" dirty="0"/>
+            <a:rPr lang="zh-CN" altLang="en-US" sz="2600" kern="1200"/>
             <a:t>游戏暂停菜单</a:t>
           </a:r>
+          <a:endParaRPr lang="zh-CN" altLang="en-US" sz="2600" kern="1200" dirty="0"/>
         </a:p>
       </dsp:txBody>
       <dsp:txXfrm>
-        <a:off x="4462604" y="3263369"/>
-        <a:ext cx="2522551" cy="499682"/>
+        <a:off x="4424604" y="3564278"/>
+        <a:ext cx="2559870" cy="499682"/>
       </dsp:txXfrm>
     </dsp:sp>
     <dsp:sp modelId="{0E9277A7-885A-405A-97CE-FCC3592A1BA5}">
@@ -6259,7 +6532,7 @@
       </dsp:nvSpPr>
       <dsp:spPr>
         <a:xfrm>
-          <a:off x="4462604" y="3887972"/>
+          <a:off x="4443944" y="4200273"/>
           <a:ext cx="2522551" cy="499682"/>
         </a:xfrm>
         <a:prstGeom prst="rect">
@@ -6355,7 +6628,7 @@
         </a:p>
       </dsp:txBody>
       <dsp:txXfrm>
-        <a:off x="4462604" y="3887972"/>
+        <a:off x="4443944" y="4200273"/>
         <a:ext cx="2522551" cy="499682"/>
       </dsp:txXfrm>
     </dsp:sp>
@@ -6366,7 +6639,7 @@
       </dsp:nvSpPr>
       <dsp:spPr>
         <a:xfrm>
-          <a:off x="4462604" y="4512574"/>
+          <a:off x="4443944" y="4824875"/>
           <a:ext cx="2522551" cy="499682"/>
         </a:xfrm>
         <a:prstGeom prst="rect">
@@ -6462,7 +6735,7 @@
         </a:p>
       </dsp:txBody>
       <dsp:txXfrm>
-        <a:off x="4462604" y="4512574"/>
+        <a:off x="4443944" y="4824875"/>
         <a:ext cx="2522551" cy="499682"/>
       </dsp:txXfrm>
     </dsp:sp>
@@ -7877,7 +8150,7 @@
 </file>
 
 <file path=ppt/diagrams/layout1.xml><?xml version="1.0" encoding="utf-8"?>
-<dgm:layoutDef xmlns:dgm="http://schemas.openxmlformats.org/drawingml/2006/diagram" xmlns:a="http://schemas.openxmlformats.org/drawingml/2006/main" uniqueId="urn:microsoft.com/office/officeart/2008/layout/VerticalCurvedList">
+<dgm:layoutDef xmlns:dgm="http://schemas.openxmlformats.org/drawingml/2006/diagram" xmlns:a="http://schemas.openxmlformats.org/drawingml/2006/main" uniqueId="urn:microsoft.com/office/officeart/2008/layout/VerticalCurvedList#1">
   <dgm:title val=""/>
   <dgm:desc val=""/>
   <dgm:catLst>
@@ -9155,7 +9428,7 @@
 </file>
 
 <file path=ppt/diagrams/layout2.xml><?xml version="1.0" encoding="utf-8"?>
-<dgm:layoutDef xmlns:dgm="http://schemas.openxmlformats.org/drawingml/2006/diagram" xmlns:a="http://schemas.openxmlformats.org/drawingml/2006/main" uniqueId="urn:microsoft.com/office/officeart/2008/layout/HorizontalMultiLevelHierarchy">
+<dgm:layoutDef xmlns:dgm="http://schemas.openxmlformats.org/drawingml/2006/diagram" xmlns:a="http://schemas.openxmlformats.org/drawingml/2006/main" uniqueId="urn:microsoft.com/office/officeart/2008/layout/HorizontalMultiLevelHierarchy#4">
   <dgm:title val=""/>
   <dgm:desc val=""/>
   <dgm:catLst>
@@ -9308,12 +9581,12 @@
             </dgm:alg>
             <dgm:choose name="Name9">
               <dgm:if name="Name10" func="var" arg="dir" op="equ" val="norm">
-                <dgm:shape xmlns:r="http://schemas.openxmlformats.org/officeDocument/2006/relationships" type="rect" r:blip="" rot="270">
+                <dgm:shape xmlns:r="http://schemas.openxmlformats.org/officeDocument/2006/relationships" rot="270" type="rect" r:blip="">
                   <dgm:adjLst/>
                 </dgm:shape>
               </dgm:if>
               <dgm:else name="Name11">
-                <dgm:shape xmlns:r="http://schemas.openxmlformats.org/officeDocument/2006/relationships" type="rect" r:blip="" rot="90">
+                <dgm:shape xmlns:r="http://schemas.openxmlformats.org/officeDocument/2006/relationships" rot="90" type="rect" r:blip="">
                   <dgm:adjLst/>
                 </dgm:shape>
               </dgm:else>
@@ -9478,7 +9751,7 @@
 </file>
 
 <file path=ppt/diagrams/layout3.xml><?xml version="1.0" encoding="utf-8"?>
-<dgm:layoutDef xmlns:dgm="http://schemas.openxmlformats.org/drawingml/2006/diagram" xmlns:a="http://schemas.openxmlformats.org/drawingml/2006/main" uniqueId="urn:microsoft.com/office/officeart/2008/layout/HorizontalMultiLevelHierarchy">
+<dgm:layoutDef xmlns:dgm="http://schemas.openxmlformats.org/drawingml/2006/diagram" xmlns:a="http://schemas.openxmlformats.org/drawingml/2006/main" uniqueId="urn:microsoft.com/office/officeart/2008/layout/HorizontalMultiLevelHierarchy#5">
   <dgm:title val=""/>
   <dgm:desc val=""/>
   <dgm:catLst>
@@ -9631,12 +9904,12 @@
             </dgm:alg>
             <dgm:choose name="Name9">
               <dgm:if name="Name10" func="var" arg="dir" op="equ" val="norm">
-                <dgm:shape xmlns:r="http://schemas.openxmlformats.org/officeDocument/2006/relationships" type="rect" r:blip="" rot="270">
+                <dgm:shape xmlns:r="http://schemas.openxmlformats.org/officeDocument/2006/relationships" rot="270" type="rect" r:blip="">
                   <dgm:adjLst/>
                 </dgm:shape>
               </dgm:if>
               <dgm:else name="Name11">
-                <dgm:shape xmlns:r="http://schemas.openxmlformats.org/officeDocument/2006/relationships" type="rect" r:blip="" rot="90">
+                <dgm:shape xmlns:r="http://schemas.openxmlformats.org/officeDocument/2006/relationships" rot="90" type="rect" r:blip="">
                   <dgm:adjLst/>
                 </dgm:shape>
               </dgm:else>
@@ -9801,7 +10074,7 @@
 </file>
 
 <file path=ppt/diagrams/quickStyle1.xml><?xml version="1.0" encoding="utf-8"?>
-<dgm:styleDef xmlns:dgm="http://schemas.openxmlformats.org/drawingml/2006/diagram" xmlns:a="http://schemas.openxmlformats.org/drawingml/2006/main" uniqueId="urn:microsoft.com/office/officeart/2005/8/quickstyle/simple1">
+<dgm:styleDef xmlns:dgm="http://schemas.openxmlformats.org/drawingml/2006/diagram" xmlns:a="http://schemas.openxmlformats.org/drawingml/2006/main" uniqueId="urn:microsoft.com/office/officeart/2005/8/quickstyle/simple1#7">
   <dgm:title val=""/>
   <dgm:desc val=""/>
   <dgm:catLst>
@@ -9816,6 +10089,7 @@
       <a:camera prst="orthographicFront"/>
       <a:lightRig rig="threePt" dir="t"/>
     </dgm:scene3d>
+    <dgm:sp3d/>
     <dgm:txPr/>
     <dgm:style>
       <a:lnRef idx="2">
@@ -9835,6 +10109,7 @@
       <a:camera prst="orthographicFront"/>
       <a:lightRig rig="threePt" dir="t"/>
     </dgm:scene3d>
+    <dgm:sp3d/>
     <dgm:txPr/>
     <dgm:style>
       <a:lnRef idx="2">
@@ -9854,6 +10129,7 @@
       <a:camera prst="orthographicFront"/>
       <a:lightRig rig="threePt" dir="t"/>
     </dgm:scene3d>
+    <dgm:sp3d/>
     <dgm:txPr/>
     <dgm:style>
       <a:lnRef idx="2">
@@ -9873,6 +10149,7 @@
       <a:camera prst="orthographicFront"/>
       <a:lightRig rig="threePt" dir="t"/>
     </dgm:scene3d>
+    <dgm:sp3d/>
     <dgm:txPr/>
     <dgm:style>
       <a:lnRef idx="2">
@@ -9894,6 +10171,7 @@
       <a:camera prst="orthographicFront"/>
       <a:lightRig rig="threePt" dir="t"/>
     </dgm:scene3d>
+    <dgm:sp3d/>
     <dgm:txPr/>
     <dgm:style>
       <a:lnRef idx="2">
@@ -9915,6 +10193,7 @@
       <a:camera prst="orthographicFront"/>
       <a:lightRig rig="threePt" dir="t"/>
     </dgm:scene3d>
+    <dgm:sp3d/>
     <dgm:txPr/>
     <dgm:style>
       <a:lnRef idx="2">
@@ -9936,6 +10215,7 @@
       <a:camera prst="orthographicFront"/>
       <a:lightRig rig="threePt" dir="t"/>
     </dgm:scene3d>
+    <dgm:sp3d/>
     <dgm:txPr/>
     <dgm:style>
       <a:lnRef idx="2">
@@ -9957,6 +10237,7 @@
       <a:camera prst="orthographicFront"/>
       <a:lightRig rig="threePt" dir="t"/>
     </dgm:scene3d>
+    <dgm:sp3d/>
     <dgm:txPr/>
     <dgm:style>
       <a:lnRef idx="2">
@@ -9978,6 +10259,7 @@
       <a:camera prst="orthographicFront"/>
       <a:lightRig rig="threePt" dir="t"/>
     </dgm:scene3d>
+    <dgm:sp3d/>
     <dgm:txPr/>
     <dgm:style>
       <a:lnRef idx="2">
@@ -9999,6 +10281,7 @@
       <a:camera prst="orthographicFront"/>
       <a:lightRig rig="threePt" dir="t"/>
     </dgm:scene3d>
+    <dgm:sp3d/>
     <dgm:txPr/>
     <dgm:style>
       <a:lnRef idx="2">
@@ -10018,6 +10301,7 @@
       <a:camera prst="orthographicFront"/>
       <a:lightRig rig="threePt" dir="t"/>
     </dgm:scene3d>
+    <dgm:sp3d/>
     <dgm:txPr/>
     <dgm:style>
       <a:lnRef idx="2">
@@ -10037,6 +10321,7 @@
       <a:camera prst="orthographicFront"/>
       <a:lightRig rig="threePt" dir="t"/>
     </dgm:scene3d>
+    <dgm:sp3d/>
     <dgm:txPr/>
     <dgm:style>
       <a:lnRef idx="2">
@@ -10056,6 +10341,7 @@
       <a:camera prst="orthographicFront"/>
       <a:lightRig rig="threePt" dir="t"/>
     </dgm:scene3d>
+    <dgm:sp3d/>
     <dgm:txPr/>
     <dgm:style>
       <a:lnRef idx="0">
@@ -10075,6 +10361,7 @@
       <a:camera prst="orthographicFront"/>
       <a:lightRig rig="threePt" dir="t"/>
     </dgm:scene3d>
+    <dgm:sp3d/>
     <dgm:txPr/>
     <dgm:style>
       <a:lnRef idx="0">
@@ -10096,6 +10383,7 @@
       <a:camera prst="orthographicFront"/>
       <a:lightRig rig="threePt" dir="t"/>
     </dgm:scene3d>
+    <dgm:sp3d/>
     <dgm:txPr/>
     <dgm:style>
       <a:lnRef idx="2">
@@ -10115,6 +10403,7 @@
       <a:camera prst="orthographicFront"/>
       <a:lightRig rig="threePt" dir="t"/>
     </dgm:scene3d>
+    <dgm:sp3d/>
     <dgm:txPr/>
     <dgm:style>
       <a:lnRef idx="2">
@@ -10134,6 +10423,7 @@
       <a:camera prst="orthographicFront"/>
       <a:lightRig rig="threePt" dir="t"/>
     </dgm:scene3d>
+    <dgm:sp3d/>
     <dgm:txPr/>
     <dgm:style>
       <a:lnRef idx="0">
@@ -10153,6 +10443,7 @@
       <a:camera prst="orthographicFront"/>
       <a:lightRig rig="threePt" dir="t"/>
     </dgm:scene3d>
+    <dgm:sp3d/>
     <dgm:txPr/>
     <dgm:style>
       <a:lnRef idx="2">
@@ -10172,6 +10463,7 @@
       <a:camera prst="orthographicFront"/>
       <a:lightRig rig="threePt" dir="t"/>
     </dgm:scene3d>
+    <dgm:sp3d/>
     <dgm:txPr/>
     <dgm:style>
       <a:lnRef idx="2">
@@ -10191,6 +10483,7 @@
       <a:camera prst="orthographicFront"/>
       <a:lightRig rig="threePt" dir="t"/>
     </dgm:scene3d>
+    <dgm:sp3d/>
     <dgm:txPr/>
     <dgm:style>
       <a:lnRef idx="2">
@@ -10210,6 +10503,7 @@
       <a:camera prst="orthographicFront"/>
       <a:lightRig rig="threePt" dir="t"/>
     </dgm:scene3d>
+    <dgm:sp3d/>
     <dgm:txPr/>
     <dgm:style>
       <a:lnRef idx="2">
@@ -10229,6 +10523,7 @@
       <a:camera prst="orthographicFront"/>
       <a:lightRig rig="threePt" dir="t"/>
     </dgm:scene3d>
+    <dgm:sp3d/>
     <dgm:txPr/>
     <dgm:style>
       <a:lnRef idx="2">
@@ -10248,6 +10543,7 @@
       <a:camera prst="orthographicFront"/>
       <a:lightRig rig="threePt" dir="t"/>
     </dgm:scene3d>
+    <dgm:sp3d/>
     <dgm:txPr/>
     <dgm:style>
       <a:lnRef idx="2">
@@ -10267,6 +10563,7 @@
       <a:camera prst="orthographicFront"/>
       <a:lightRig rig="threePt" dir="t"/>
     </dgm:scene3d>
+    <dgm:sp3d/>
     <dgm:txPr/>
     <dgm:style>
       <a:lnRef idx="2">
@@ -10286,6 +10583,7 @@
       <a:camera prst="orthographicFront"/>
       <a:lightRig rig="threePt" dir="t"/>
     </dgm:scene3d>
+    <dgm:sp3d/>
     <dgm:txPr/>
     <dgm:style>
       <a:lnRef idx="2">
@@ -10305,6 +10603,7 @@
       <a:camera prst="orthographicFront"/>
       <a:lightRig rig="threePt" dir="t"/>
     </dgm:scene3d>
+    <dgm:sp3d/>
     <dgm:txPr/>
     <dgm:style>
       <a:lnRef idx="0">
@@ -10326,6 +10625,7 @@
       <a:camera prst="orthographicFront"/>
       <a:lightRig rig="threePt" dir="t"/>
     </dgm:scene3d>
+    <dgm:sp3d/>
     <dgm:txPr/>
     <dgm:style>
       <a:lnRef idx="2">
@@ -10347,6 +10647,7 @@
       <a:camera prst="orthographicFront"/>
       <a:lightRig rig="threePt" dir="t"/>
     </dgm:scene3d>
+    <dgm:sp3d/>
     <dgm:txPr/>
     <dgm:style>
       <a:lnRef idx="2">
@@ -10368,6 +10669,7 @@
       <a:camera prst="orthographicFront"/>
       <a:lightRig rig="threePt" dir="t"/>
     </dgm:scene3d>
+    <dgm:sp3d/>
     <dgm:txPr/>
     <dgm:style>
       <a:lnRef idx="2">
@@ -10389,6 +10691,7 @@
       <a:camera prst="orthographicFront"/>
       <a:lightRig rig="threePt" dir="t"/>
     </dgm:scene3d>
+    <dgm:sp3d/>
     <dgm:txPr/>
     <dgm:style>
       <a:lnRef idx="2">
@@ -10410,6 +10713,7 @@
       <a:camera prst="orthographicFront"/>
       <a:lightRig rig="threePt" dir="t"/>
     </dgm:scene3d>
+    <dgm:sp3d/>
     <dgm:txPr/>
     <dgm:style>
       <a:lnRef idx="2">
@@ -10431,6 +10735,7 @@
       <a:camera prst="orthographicFront"/>
       <a:lightRig rig="threePt" dir="t"/>
     </dgm:scene3d>
+    <dgm:sp3d/>
     <dgm:txPr/>
     <dgm:style>
       <a:lnRef idx="2">
@@ -10452,6 +10757,7 @@
       <a:camera prst="orthographicFront"/>
       <a:lightRig rig="threePt" dir="t"/>
     </dgm:scene3d>
+    <dgm:sp3d/>
     <dgm:txPr/>
     <dgm:style>
       <a:lnRef idx="2">
@@ -10471,6 +10777,7 @@
       <a:camera prst="orthographicFront"/>
       <a:lightRig rig="threePt" dir="t"/>
     </dgm:scene3d>
+    <dgm:sp3d/>
     <dgm:txPr/>
     <dgm:style>
       <a:lnRef idx="2">
@@ -10490,6 +10797,7 @@
       <a:camera prst="orthographicFront"/>
       <a:lightRig rig="threePt" dir="t"/>
     </dgm:scene3d>
+    <dgm:sp3d/>
     <dgm:txPr/>
     <dgm:style>
       <a:lnRef idx="2">
@@ -10509,6 +10817,7 @@
       <a:camera prst="orthographicFront"/>
       <a:lightRig rig="threePt" dir="t"/>
     </dgm:scene3d>
+    <dgm:sp3d/>
     <dgm:txPr/>
     <dgm:style>
       <a:lnRef idx="2">
@@ -10528,6 +10837,7 @@
       <a:camera prst="orthographicFront"/>
       <a:lightRig rig="threePt" dir="t"/>
     </dgm:scene3d>
+    <dgm:sp3d/>
     <dgm:txPr/>
     <dgm:style>
       <a:lnRef idx="2">
@@ -10549,6 +10859,7 @@
       <a:camera prst="orthographicFront"/>
       <a:lightRig rig="threePt" dir="t"/>
     </dgm:scene3d>
+    <dgm:sp3d/>
     <dgm:txPr/>
     <dgm:style>
       <a:lnRef idx="2">
@@ -10570,6 +10881,7 @@
       <a:camera prst="orthographicFront"/>
       <a:lightRig rig="threePt" dir="t"/>
     </dgm:scene3d>
+    <dgm:sp3d/>
     <dgm:txPr/>
     <dgm:style>
       <a:lnRef idx="2">
@@ -10591,6 +10903,7 @@
       <a:camera prst="orthographicFront"/>
       <a:lightRig rig="threePt" dir="t"/>
     </dgm:scene3d>
+    <dgm:sp3d/>
     <dgm:txPr/>
     <dgm:style>
       <a:lnRef idx="2">
@@ -10612,6 +10925,7 @@
       <a:camera prst="orthographicFront"/>
       <a:lightRig rig="threePt" dir="t"/>
     </dgm:scene3d>
+    <dgm:sp3d/>
     <dgm:txPr/>
     <dgm:style>
       <a:lnRef idx="0">
@@ -10631,6 +10945,7 @@
       <a:camera prst="orthographicFront"/>
       <a:lightRig rig="threePt" dir="t"/>
     </dgm:scene3d>
+    <dgm:sp3d/>
     <dgm:txPr/>
     <dgm:style>
       <a:lnRef idx="1">
@@ -10650,6 +10965,7 @@
       <a:camera prst="orthographicFront"/>
       <a:lightRig rig="threePt" dir="t"/>
     </dgm:scene3d>
+    <dgm:sp3d/>
     <dgm:txPr/>
     <dgm:style>
       <a:lnRef idx="0">
@@ -10671,6 +10987,7 @@
       <a:camera prst="orthographicFront"/>
       <a:lightRig rig="threePt" dir="t"/>
     </dgm:scene3d>
+    <dgm:sp3d/>
     <dgm:txPr/>
     <dgm:style>
       <a:lnRef idx="2">
@@ -10690,6 +11007,7 @@
       <a:camera prst="orthographicFront"/>
       <a:lightRig rig="threePt" dir="t"/>
     </dgm:scene3d>
+    <dgm:sp3d/>
     <dgm:txPr/>
     <dgm:style>
       <a:lnRef idx="2">
@@ -10709,6 +11027,7 @@
       <a:camera prst="orthographicFront"/>
       <a:lightRig rig="threePt" dir="t"/>
     </dgm:scene3d>
+    <dgm:sp3d/>
     <dgm:txPr/>
     <dgm:style>
       <a:lnRef idx="2">
@@ -10728,6 +11047,7 @@
       <a:camera prst="orthographicFront"/>
       <a:lightRig rig="threePt" dir="t"/>
     </dgm:scene3d>
+    <dgm:sp3d/>
     <dgm:txPr/>
     <dgm:style>
       <a:lnRef idx="1">
@@ -10747,6 +11067,7 @@
       <a:camera prst="orthographicFront"/>
       <a:lightRig rig="threePt" dir="t"/>
     </dgm:scene3d>
+    <dgm:sp3d/>
     <dgm:txPr/>
     <dgm:style>
       <a:lnRef idx="0">
@@ -10766,6 +11087,7 @@
       <a:camera prst="orthographicFront"/>
       <a:lightRig rig="threePt" dir="t"/>
     </dgm:scene3d>
+    <dgm:sp3d/>
     <dgm:txPr/>
     <dgm:style>
       <a:lnRef idx="2">
@@ -10786,7 +11108,7 @@
 </file>
 
 <file path=ppt/diagrams/quickStyle2.xml><?xml version="1.0" encoding="utf-8"?>
-<dgm:styleDef xmlns:dgm="http://schemas.openxmlformats.org/drawingml/2006/diagram" xmlns:a="http://schemas.openxmlformats.org/drawingml/2006/main" uniqueId="urn:microsoft.com/office/officeart/2005/8/quickstyle/simple3">
+<dgm:styleDef xmlns:dgm="http://schemas.openxmlformats.org/drawingml/2006/diagram" xmlns:a="http://schemas.openxmlformats.org/drawingml/2006/main" uniqueId="urn:microsoft.com/office/officeart/2005/8/quickstyle/simple3#2">
   <dgm:title val=""/>
   <dgm:desc val=""/>
   <dgm:catLst>
@@ -10801,6 +11123,7 @@
       <a:camera prst="orthographicFront"/>
       <a:lightRig rig="threePt" dir="t"/>
     </dgm:scene3d>
+    <dgm:sp3d/>
     <dgm:txPr/>
     <dgm:style>
       <a:lnRef idx="1">
@@ -10820,6 +11143,7 @@
       <a:camera prst="orthographicFront"/>
       <a:lightRig rig="threePt" dir="t"/>
     </dgm:scene3d>
+    <dgm:sp3d/>
     <dgm:txPr/>
     <dgm:style>
       <a:lnRef idx="1">
@@ -10839,6 +11163,7 @@
       <a:camera prst="orthographicFront"/>
       <a:lightRig rig="threePt" dir="t"/>
     </dgm:scene3d>
+    <dgm:sp3d/>
     <dgm:txPr/>
     <dgm:style>
       <a:lnRef idx="1">
@@ -10858,6 +11183,7 @@
       <a:camera prst="orthographicFront"/>
       <a:lightRig rig="threePt" dir="t"/>
     </dgm:scene3d>
+    <dgm:sp3d/>
     <dgm:txPr/>
     <dgm:style>
       <a:lnRef idx="1">
@@ -10999,6 +11325,7 @@
       <a:camera prst="orthographicFront"/>
       <a:lightRig rig="threePt" dir="t"/>
     </dgm:scene3d>
+    <dgm:sp3d/>
     <dgm:txPr/>
     <dgm:style>
       <a:lnRef idx="1">
@@ -11018,6 +11345,7 @@
       <a:camera prst="orthographicFront"/>
       <a:lightRig rig="threePt" dir="t"/>
     </dgm:scene3d>
+    <dgm:sp3d/>
     <dgm:txPr/>
     <dgm:style>
       <a:lnRef idx="1">
@@ -11037,6 +11365,7 @@
       <a:camera prst="orthographicFront"/>
       <a:lightRig rig="threePt" dir="t"/>
     </dgm:scene3d>
+    <dgm:sp3d/>
     <dgm:txPr/>
     <dgm:style>
       <a:lnRef idx="1">
@@ -11056,6 +11385,7 @@
       <a:camera prst="orthographicFront"/>
       <a:lightRig rig="threePt" dir="t"/>
     </dgm:scene3d>
+    <dgm:sp3d/>
     <dgm:txPr/>
     <dgm:style>
       <a:lnRef idx="0">
@@ -11075,6 +11405,7 @@
       <a:camera prst="orthographicFront"/>
       <a:lightRig rig="threePt" dir="t"/>
     </dgm:scene3d>
+    <dgm:sp3d/>
     <dgm:txPr/>
     <dgm:style>
       <a:lnRef idx="0">
@@ -11096,6 +11427,7 @@
       <a:camera prst="orthographicFront"/>
       <a:lightRig rig="threePt" dir="t"/>
     </dgm:scene3d>
+    <dgm:sp3d/>
     <dgm:txPr/>
     <dgm:style>
       <a:lnRef idx="1">
@@ -11115,6 +11447,7 @@
       <a:camera prst="orthographicFront"/>
       <a:lightRig rig="threePt" dir="t"/>
     </dgm:scene3d>
+    <dgm:sp3d/>
     <dgm:txPr/>
     <dgm:style>
       <a:lnRef idx="1">
@@ -11134,6 +11467,7 @@
       <a:camera prst="orthographicFront"/>
       <a:lightRig rig="threePt" dir="t"/>
     </dgm:scene3d>
+    <dgm:sp3d/>
     <dgm:txPr/>
     <dgm:style>
       <a:lnRef idx="0">
@@ -11153,6 +11487,7 @@
       <a:camera prst="orthographicFront"/>
       <a:lightRig rig="threePt" dir="t"/>
     </dgm:scene3d>
+    <dgm:sp3d/>
     <dgm:txPr/>
     <dgm:style>
       <a:lnRef idx="1">
@@ -11172,6 +11507,7 @@
       <a:camera prst="orthographicFront"/>
       <a:lightRig rig="threePt" dir="t"/>
     </dgm:scene3d>
+    <dgm:sp3d/>
     <dgm:txPr/>
     <dgm:style>
       <a:lnRef idx="1">
@@ -11191,6 +11527,7 @@
       <a:camera prst="orthographicFront"/>
       <a:lightRig rig="threePt" dir="t"/>
     </dgm:scene3d>
+    <dgm:sp3d/>
     <dgm:txPr/>
     <dgm:style>
       <a:lnRef idx="1">
@@ -11210,6 +11547,7 @@
       <a:camera prst="orthographicFront"/>
       <a:lightRig rig="threePt" dir="t"/>
     </dgm:scene3d>
+    <dgm:sp3d/>
     <dgm:txPr/>
     <dgm:style>
       <a:lnRef idx="1">
@@ -11229,6 +11567,7 @@
       <a:camera prst="orthographicFront"/>
       <a:lightRig rig="threePt" dir="t"/>
     </dgm:scene3d>
+    <dgm:sp3d/>
     <dgm:txPr/>
     <dgm:style>
       <a:lnRef idx="1">
@@ -11248,6 +11587,7 @@
       <a:camera prst="orthographicFront"/>
       <a:lightRig rig="threePt" dir="t"/>
     </dgm:scene3d>
+    <dgm:sp3d/>
     <dgm:txPr/>
     <dgm:style>
       <a:lnRef idx="1">
@@ -11267,6 +11607,7 @@
       <a:camera prst="orthographicFront"/>
       <a:lightRig rig="threePt" dir="t"/>
     </dgm:scene3d>
+    <dgm:sp3d/>
     <dgm:txPr/>
     <dgm:style>
       <a:lnRef idx="1">
@@ -11308,6 +11649,7 @@
       <a:camera prst="orthographicFront"/>
       <a:lightRig rig="threePt" dir="t"/>
     </dgm:scene3d>
+    <dgm:sp3d/>
     <dgm:txPr/>
     <dgm:style>
       <a:lnRef idx="0">
@@ -11473,6 +11815,7 @@
       <a:camera prst="orthographicFront"/>
       <a:lightRig rig="threePt" dir="t"/>
     </dgm:scene3d>
+    <dgm:sp3d/>
     <dgm:txPr/>
     <dgm:style>
       <a:lnRef idx="2">
@@ -11492,6 +11835,7 @@
       <a:camera prst="orthographicFront"/>
       <a:lightRig rig="threePt" dir="t"/>
     </dgm:scene3d>
+    <dgm:sp3d/>
     <dgm:txPr/>
     <dgm:style>
       <a:lnRef idx="2">
@@ -11511,6 +11855,7 @@
       <a:camera prst="orthographicFront"/>
       <a:lightRig rig="threePt" dir="t"/>
     </dgm:scene3d>
+    <dgm:sp3d/>
     <dgm:txPr/>
     <dgm:style>
       <a:lnRef idx="2">
@@ -11530,6 +11875,7 @@
       <a:camera prst="orthographicFront"/>
       <a:lightRig rig="threePt" dir="t"/>
     </dgm:scene3d>
+    <dgm:sp3d/>
     <dgm:txPr/>
     <dgm:style>
       <a:lnRef idx="2">
@@ -11549,6 +11895,7 @@
       <a:camera prst="orthographicFront"/>
       <a:lightRig rig="threePt" dir="t"/>
     </dgm:scene3d>
+    <dgm:sp3d/>
     <dgm:txPr/>
     <dgm:style>
       <a:lnRef idx="1">
@@ -11570,6 +11917,7 @@
       <a:camera prst="orthographicFront"/>
       <a:lightRig rig="threePt" dir="t"/>
     </dgm:scene3d>
+    <dgm:sp3d/>
     <dgm:txPr/>
     <dgm:style>
       <a:lnRef idx="1">
@@ -11591,6 +11939,7 @@
       <a:camera prst="orthographicFront"/>
       <a:lightRig rig="threePt" dir="t"/>
     </dgm:scene3d>
+    <dgm:sp3d/>
     <dgm:txPr/>
     <dgm:style>
       <a:lnRef idx="1">
@@ -11612,6 +11961,7 @@
       <a:camera prst="orthographicFront"/>
       <a:lightRig rig="threePt" dir="t"/>
     </dgm:scene3d>
+    <dgm:sp3d/>
     <dgm:txPr/>
     <dgm:style>
       <a:lnRef idx="1">
@@ -11633,6 +11983,7 @@
       <a:camera prst="orthographicFront"/>
       <a:lightRig rig="threePt" dir="t"/>
     </dgm:scene3d>
+    <dgm:sp3d/>
     <dgm:txPr/>
     <dgm:style>
       <a:lnRef idx="0">
@@ -11652,6 +12003,7 @@
       <a:camera prst="orthographicFront"/>
       <a:lightRig rig="threePt" dir="t"/>
     </dgm:scene3d>
+    <dgm:sp3d/>
     <dgm:txPr/>
     <dgm:style>
       <a:lnRef idx="1">
@@ -11671,6 +12023,7 @@
       <a:camera prst="orthographicFront"/>
       <a:lightRig rig="threePt" dir="t"/>
     </dgm:scene3d>
+    <dgm:sp3d/>
     <dgm:txPr/>
     <dgm:style>
       <a:lnRef idx="0">
@@ -11692,6 +12045,7 @@
       <a:camera prst="orthographicFront"/>
       <a:lightRig rig="threePt" dir="t"/>
     </dgm:scene3d>
+    <dgm:sp3d/>
     <dgm:txPr/>
     <dgm:style>
       <a:lnRef idx="1">
@@ -11711,6 +12065,7 @@
       <a:camera prst="orthographicFront"/>
       <a:lightRig rig="threePt" dir="t"/>
     </dgm:scene3d>
+    <dgm:sp3d/>
     <dgm:txPr/>
     <dgm:style>
       <a:lnRef idx="1">
@@ -11730,6 +12085,7 @@
       <a:camera prst="orthographicFront"/>
       <a:lightRig rig="threePt" dir="t"/>
     </dgm:scene3d>
+    <dgm:sp3d/>
     <dgm:txPr/>
     <dgm:style>
       <a:lnRef idx="1">
@@ -11749,6 +12105,7 @@
       <a:camera prst="orthographicFront"/>
       <a:lightRig rig="threePt" dir="t"/>
     </dgm:scene3d>
+    <dgm:sp3d/>
     <dgm:txPr/>
     <dgm:style>
       <a:lnRef idx="1">
@@ -11768,6 +12125,7 @@
       <a:camera prst="orthographicFront"/>
       <a:lightRig rig="threePt" dir="t"/>
     </dgm:scene3d>
+    <dgm:sp3d/>
     <dgm:txPr/>
     <dgm:style>
       <a:lnRef idx="0">
@@ -11810,7 +12168,7 @@
 </file>
 
 <file path=ppt/diagrams/quickStyle3.xml><?xml version="1.0" encoding="utf-8"?>
-<dgm:styleDef xmlns:dgm="http://schemas.openxmlformats.org/drawingml/2006/diagram" xmlns:a="http://schemas.openxmlformats.org/drawingml/2006/main" uniqueId="urn:microsoft.com/office/officeart/2005/8/quickstyle/simple3">
+<dgm:styleDef xmlns:dgm="http://schemas.openxmlformats.org/drawingml/2006/diagram" xmlns:a="http://schemas.openxmlformats.org/drawingml/2006/main" uniqueId="urn:microsoft.com/office/officeart/2005/8/quickstyle/simple3#3">
   <dgm:title val=""/>
   <dgm:desc val=""/>
   <dgm:catLst>
@@ -11825,6 +12183,7 @@
       <a:camera prst="orthographicFront"/>
       <a:lightRig rig="threePt" dir="t"/>
     </dgm:scene3d>
+    <dgm:sp3d/>
     <dgm:txPr/>
     <dgm:style>
       <a:lnRef idx="1">
@@ -11844,6 +12203,7 @@
       <a:camera prst="orthographicFront"/>
       <a:lightRig rig="threePt" dir="t"/>
     </dgm:scene3d>
+    <dgm:sp3d/>
     <dgm:txPr/>
     <dgm:style>
       <a:lnRef idx="1">
@@ -11863,6 +12223,7 @@
       <a:camera prst="orthographicFront"/>
       <a:lightRig rig="threePt" dir="t"/>
     </dgm:scene3d>
+    <dgm:sp3d/>
     <dgm:txPr/>
     <dgm:style>
       <a:lnRef idx="1">
@@ -11882,6 +12243,7 @@
       <a:camera prst="orthographicFront"/>
       <a:lightRig rig="threePt" dir="t"/>
     </dgm:scene3d>
+    <dgm:sp3d/>
     <dgm:txPr/>
     <dgm:style>
       <a:lnRef idx="1">
@@ -12023,6 +12385,7 @@
       <a:camera prst="orthographicFront"/>
       <a:lightRig rig="threePt" dir="t"/>
     </dgm:scene3d>
+    <dgm:sp3d/>
     <dgm:txPr/>
     <dgm:style>
       <a:lnRef idx="1">
@@ -12042,6 +12405,7 @@
       <a:camera prst="orthographicFront"/>
       <a:lightRig rig="threePt" dir="t"/>
     </dgm:scene3d>
+    <dgm:sp3d/>
     <dgm:txPr/>
     <dgm:style>
       <a:lnRef idx="1">
@@ -12061,6 +12425,7 @@
       <a:camera prst="orthographicFront"/>
       <a:lightRig rig="threePt" dir="t"/>
     </dgm:scene3d>
+    <dgm:sp3d/>
     <dgm:txPr/>
     <dgm:style>
       <a:lnRef idx="1">
@@ -12080,6 +12445,7 @@
       <a:camera prst="orthographicFront"/>
       <a:lightRig rig="threePt" dir="t"/>
     </dgm:scene3d>
+    <dgm:sp3d/>
     <dgm:txPr/>
     <dgm:style>
       <a:lnRef idx="0">
@@ -12099,6 +12465,7 @@
       <a:camera prst="orthographicFront"/>
       <a:lightRig rig="threePt" dir="t"/>
     </dgm:scene3d>
+    <dgm:sp3d/>
     <dgm:txPr/>
     <dgm:style>
       <a:lnRef idx="0">
@@ -12120,6 +12487,7 @@
       <a:camera prst="orthographicFront"/>
       <a:lightRig rig="threePt" dir="t"/>
     </dgm:scene3d>
+    <dgm:sp3d/>
     <dgm:txPr/>
     <dgm:style>
       <a:lnRef idx="1">
@@ -12139,6 +12507,7 @@
       <a:camera prst="orthographicFront"/>
       <a:lightRig rig="threePt" dir="t"/>
     </dgm:scene3d>
+    <dgm:sp3d/>
     <dgm:txPr/>
     <dgm:style>
       <a:lnRef idx="1">
@@ -12158,6 +12527,7 @@
       <a:camera prst="orthographicFront"/>
       <a:lightRig rig="threePt" dir="t"/>
     </dgm:scene3d>
+    <dgm:sp3d/>
     <dgm:txPr/>
     <dgm:style>
       <a:lnRef idx="0">
@@ -12177,6 +12547,7 @@
       <a:camera prst="orthographicFront"/>
       <a:lightRig rig="threePt" dir="t"/>
     </dgm:scene3d>
+    <dgm:sp3d/>
     <dgm:txPr/>
     <dgm:style>
       <a:lnRef idx="1">
@@ -12196,6 +12567,7 @@
       <a:camera prst="orthographicFront"/>
       <a:lightRig rig="threePt" dir="t"/>
     </dgm:scene3d>
+    <dgm:sp3d/>
     <dgm:txPr/>
     <dgm:style>
       <a:lnRef idx="1">
@@ -12215,6 +12587,7 @@
       <a:camera prst="orthographicFront"/>
       <a:lightRig rig="threePt" dir="t"/>
     </dgm:scene3d>
+    <dgm:sp3d/>
     <dgm:txPr/>
     <dgm:style>
       <a:lnRef idx="1">
@@ -12234,6 +12607,7 @@
       <a:camera prst="orthographicFront"/>
       <a:lightRig rig="threePt" dir="t"/>
     </dgm:scene3d>
+    <dgm:sp3d/>
     <dgm:txPr/>
     <dgm:style>
       <a:lnRef idx="1">
@@ -12253,6 +12627,7 @@
       <a:camera prst="orthographicFront"/>
       <a:lightRig rig="threePt" dir="t"/>
     </dgm:scene3d>
+    <dgm:sp3d/>
     <dgm:txPr/>
     <dgm:style>
       <a:lnRef idx="1">
@@ -12272,6 +12647,7 @@
       <a:camera prst="orthographicFront"/>
       <a:lightRig rig="threePt" dir="t"/>
     </dgm:scene3d>
+    <dgm:sp3d/>
     <dgm:txPr/>
     <dgm:style>
       <a:lnRef idx="1">
@@ -12291,6 +12667,7 @@
       <a:camera prst="orthographicFront"/>
       <a:lightRig rig="threePt" dir="t"/>
     </dgm:scene3d>
+    <dgm:sp3d/>
     <dgm:txPr/>
     <dgm:style>
       <a:lnRef idx="1">
@@ -12332,6 +12709,7 @@
       <a:camera prst="orthographicFront"/>
       <a:lightRig rig="threePt" dir="t"/>
     </dgm:scene3d>
+    <dgm:sp3d/>
     <dgm:txPr/>
     <dgm:style>
       <a:lnRef idx="0">
@@ -12497,6 +12875,7 @@
       <a:camera prst="orthographicFront"/>
       <a:lightRig rig="threePt" dir="t"/>
     </dgm:scene3d>
+    <dgm:sp3d/>
     <dgm:txPr/>
     <dgm:style>
       <a:lnRef idx="2">
@@ -12516,6 +12895,7 @@
       <a:camera prst="orthographicFront"/>
       <a:lightRig rig="threePt" dir="t"/>
     </dgm:scene3d>
+    <dgm:sp3d/>
     <dgm:txPr/>
     <dgm:style>
       <a:lnRef idx="2">
@@ -12535,6 +12915,7 @@
       <a:camera prst="orthographicFront"/>
       <a:lightRig rig="threePt" dir="t"/>
     </dgm:scene3d>
+    <dgm:sp3d/>
     <dgm:txPr/>
     <dgm:style>
       <a:lnRef idx="2">
@@ -12554,6 +12935,7 @@
       <a:camera prst="orthographicFront"/>
       <a:lightRig rig="threePt" dir="t"/>
     </dgm:scene3d>
+    <dgm:sp3d/>
     <dgm:txPr/>
     <dgm:style>
       <a:lnRef idx="2">
@@ -12573,6 +12955,7 @@
       <a:camera prst="orthographicFront"/>
       <a:lightRig rig="threePt" dir="t"/>
     </dgm:scene3d>
+    <dgm:sp3d/>
     <dgm:txPr/>
     <dgm:style>
       <a:lnRef idx="1">
@@ -12594,6 +12977,7 @@
       <a:camera prst="orthographicFront"/>
       <a:lightRig rig="threePt" dir="t"/>
     </dgm:scene3d>
+    <dgm:sp3d/>
     <dgm:txPr/>
     <dgm:style>
       <a:lnRef idx="1">
@@ -12615,6 +12999,7 @@
       <a:camera prst="orthographicFront"/>
       <a:lightRig rig="threePt" dir="t"/>
     </dgm:scene3d>
+    <dgm:sp3d/>
     <dgm:txPr/>
     <dgm:style>
       <a:lnRef idx="1">
@@ -12636,6 +13021,7 @@
       <a:camera prst="orthographicFront"/>
       <a:lightRig rig="threePt" dir="t"/>
     </dgm:scene3d>
+    <dgm:sp3d/>
     <dgm:txPr/>
     <dgm:style>
       <a:lnRef idx="1">
@@ -12657,6 +13043,7 @@
       <a:camera prst="orthographicFront"/>
       <a:lightRig rig="threePt" dir="t"/>
     </dgm:scene3d>
+    <dgm:sp3d/>
     <dgm:txPr/>
     <dgm:style>
       <a:lnRef idx="0">
@@ -12676,6 +13063,7 @@
       <a:camera prst="orthographicFront"/>
       <a:lightRig rig="threePt" dir="t"/>
     </dgm:scene3d>
+    <dgm:sp3d/>
     <dgm:txPr/>
     <dgm:style>
       <a:lnRef idx="1">
@@ -12695,6 +13083,7 @@
       <a:camera prst="orthographicFront"/>
       <a:lightRig rig="threePt" dir="t"/>
     </dgm:scene3d>
+    <dgm:sp3d/>
     <dgm:txPr/>
     <dgm:style>
       <a:lnRef idx="0">
@@ -12716,6 +13105,7 @@
       <a:camera prst="orthographicFront"/>
       <a:lightRig rig="threePt" dir="t"/>
     </dgm:scene3d>
+    <dgm:sp3d/>
     <dgm:txPr/>
     <dgm:style>
       <a:lnRef idx="1">
@@ -12735,6 +13125,7 @@
       <a:camera prst="orthographicFront"/>
       <a:lightRig rig="threePt" dir="t"/>
     </dgm:scene3d>
+    <dgm:sp3d/>
     <dgm:txPr/>
     <dgm:style>
       <a:lnRef idx="1">
@@ -12754,6 +13145,7 @@
       <a:camera prst="orthographicFront"/>
       <a:lightRig rig="threePt" dir="t"/>
     </dgm:scene3d>
+    <dgm:sp3d/>
     <dgm:txPr/>
     <dgm:style>
       <a:lnRef idx="1">
@@ -12773,6 +13165,7 @@
       <a:camera prst="orthographicFront"/>
       <a:lightRig rig="threePt" dir="t"/>
     </dgm:scene3d>
+    <dgm:sp3d/>
     <dgm:txPr/>
     <dgm:style>
       <a:lnRef idx="1">
@@ -12792,6 +13185,7 @@
       <a:camera prst="orthographicFront"/>
       <a:lightRig rig="threePt" dir="t"/>
     </dgm:scene3d>
+    <dgm:sp3d/>
     <dgm:txPr/>
     <dgm:style>
       <a:lnRef idx="0">
@@ -12915,6 +13309,7 @@
           <a:p>
             <a:fld id="{C15A8F9B-DAE6-4885-8680-AD544A57EFA6}" type="datetimeFigureOut">
               <a:rPr lang="zh-CN" altLang="en-US" smtClean="0"/>
+              <a:t>2018/1/15</a:t>
             </a:fld>
             <a:endParaRPr lang="zh-CN" altLang="en-US"/>
           </a:p>
@@ -12981,7 +13376,6 @@
               <a:rPr lang="zh-CN" altLang="en-US"/>
               <a:t>编辑母版文本样式</a:t>
             </a:r>
-            <a:endParaRPr lang="zh-CN" altLang="en-US"/>
           </a:p>
           <a:p>
             <a:pPr lvl="1"/>
@@ -12989,7 +13383,6 @@
               <a:rPr lang="zh-CN" altLang="en-US"/>
               <a:t>第二级</a:t>
             </a:r>
-            <a:endParaRPr lang="zh-CN" altLang="en-US"/>
           </a:p>
           <a:p>
             <a:pPr lvl="2"/>
@@ -12997,7 +13390,6 @@
               <a:rPr lang="zh-CN" altLang="en-US"/>
               <a:t>第三级</a:t>
             </a:r>
-            <a:endParaRPr lang="zh-CN" altLang="en-US"/>
           </a:p>
           <a:p>
             <a:pPr lvl="3"/>
@@ -13005,7 +13397,6 @@
               <a:rPr lang="zh-CN" altLang="en-US"/>
               <a:t>第四级</a:t>
             </a:r>
-            <a:endParaRPr lang="zh-CN" altLang="en-US"/>
           </a:p>
           <a:p>
             <a:pPr lvl="4"/>
@@ -13013,7 +13404,6 @@
               <a:rPr lang="zh-CN" altLang="en-US"/>
               <a:t>第五级</a:t>
             </a:r>
-            <a:endParaRPr lang="zh-CN" altLang="en-US"/>
           </a:p>
         </p:txBody>
       </p:sp>
@@ -13077,6 +13467,7 @@
           <a:p>
             <a:fld id="{B98B0A11-3D62-4606-A6CF-01D98BDA7E39}" type="slidenum">
               <a:rPr lang="zh-CN" altLang="en-US" smtClean="0"/>
+              <a:t>‹#›</a:t>
             </a:fld>
             <a:endParaRPr lang="zh-CN" altLang="en-US"/>
           </a:p>
@@ -13237,15 +13628,6 @@
               </a:rPr>
               <a:t>技术可行性</a:t>
             </a:r>
-            <a:endParaRPr lang="zh-CN" altLang="zh-CN" sz="1200" kern="1200" dirty="0">
-              <a:solidFill>
-                <a:schemeClr val="tx1"/>
-              </a:solidFill>
-              <a:effectLst/>
-              <a:latin typeface="+mn-lt"/>
-              <a:ea typeface="+mn-ea"/>
-              <a:cs typeface="+mn-cs"/>
-            </a:endParaRPr>
           </a:p>
           <a:p>
             <a:pPr lvl="0"/>
@@ -13261,15 +13643,6 @@
               </a:rPr>
               <a:t>塔防游戏发展历程相对比较悠久，且当下非常热门，相应的制作技术成熟，在网上可以找到很多视频参考教程。</a:t>
             </a:r>
-            <a:endParaRPr lang="zh-CN" altLang="zh-CN" sz="1200" kern="1200" dirty="0">
-              <a:solidFill>
-                <a:schemeClr val="tx1"/>
-              </a:solidFill>
-              <a:effectLst/>
-              <a:latin typeface="+mn-lt"/>
-              <a:ea typeface="+mn-ea"/>
-              <a:cs typeface="+mn-cs"/>
-            </a:endParaRPr>
           </a:p>
           <a:p>
             <a:pPr lvl="0"/>
@@ -13333,15 +13706,6 @@
               </a:rPr>
               <a:t>是一个很完备的游戏引擎，且对于新手比较友好，学习成本相较于其他著名游戏引擎比较低。</a:t>
             </a:r>
-            <a:endParaRPr lang="zh-CN" altLang="zh-CN" sz="1200" kern="1200" dirty="0">
-              <a:solidFill>
-                <a:schemeClr val="tx1"/>
-              </a:solidFill>
-              <a:effectLst/>
-              <a:latin typeface="+mn-lt"/>
-              <a:ea typeface="+mn-ea"/>
-              <a:cs typeface="+mn-cs"/>
-            </a:endParaRPr>
           </a:p>
           <a:p>
             <a:pPr lvl="0"/>
@@ -13357,15 +13721,6 @@
               </a:rPr>
               <a:t>经济可行性</a:t>
             </a:r>
-            <a:endParaRPr lang="zh-CN" altLang="zh-CN" sz="1200" kern="1200" dirty="0">
-              <a:solidFill>
-                <a:schemeClr val="tx1"/>
-              </a:solidFill>
-              <a:effectLst/>
-              <a:latin typeface="+mn-lt"/>
-              <a:ea typeface="+mn-ea"/>
-              <a:cs typeface="+mn-cs"/>
-            </a:endParaRPr>
           </a:p>
           <a:p>
             <a:pPr lvl="0"/>
@@ -13381,15 +13736,6 @@
               </a:rPr>
               <a:t>我们的项目为学习研究性质，小组成员自发劳动，不需要提供人力成本，且使用完全免费的开发环境，因此开发成本基本为零。</a:t>
             </a:r>
-            <a:endParaRPr lang="zh-CN" altLang="zh-CN" sz="1200" kern="1200" dirty="0">
-              <a:solidFill>
-                <a:schemeClr val="tx1"/>
-              </a:solidFill>
-              <a:effectLst/>
-              <a:latin typeface="+mn-lt"/>
-              <a:ea typeface="+mn-ea"/>
-              <a:cs typeface="+mn-cs"/>
-            </a:endParaRPr>
           </a:p>
           <a:p>
             <a:pPr lvl="0"/>
@@ -13405,15 +13751,6 @@
               </a:rPr>
               <a:t>我们的项目无经济效益，但是可以为参与项目的成员带来丰厚的项目开发管理经验，为将来的发展提供帮助。</a:t>
             </a:r>
-            <a:endParaRPr lang="zh-CN" altLang="zh-CN" sz="1200" kern="1200" dirty="0">
-              <a:solidFill>
-                <a:schemeClr val="tx1"/>
-              </a:solidFill>
-              <a:effectLst/>
-              <a:latin typeface="+mn-lt"/>
-              <a:ea typeface="+mn-ea"/>
-              <a:cs typeface="+mn-cs"/>
-            </a:endParaRPr>
           </a:p>
           <a:p>
             <a:pPr lvl="0"/>
@@ -13429,15 +13766,6 @@
               </a:rPr>
               <a:t>操作可行性</a:t>
             </a:r>
-            <a:endParaRPr lang="zh-CN" altLang="zh-CN" sz="1200" kern="1200" dirty="0">
-              <a:solidFill>
-                <a:schemeClr val="tx1"/>
-              </a:solidFill>
-              <a:effectLst/>
-              <a:latin typeface="+mn-lt"/>
-              <a:ea typeface="+mn-ea"/>
-              <a:cs typeface="+mn-cs"/>
-            </a:endParaRPr>
           </a:p>
           <a:p>
             <a:pPr lvl="0"/>
@@ -13453,15 +13781,6 @@
               </a:rPr>
               <a:t>塔防游戏作为游戏领域的一个大类，已经有非常繁多各有创意的游戏，其中不乏许多著名游戏如《植物大战僵尸》、《保卫萝卜》、《部落冲突》等，可见在现今该游戏形式的发展极其迅速且非常受世界各地的玩家欢迎，所以这样的研究是有其操作价值的。</a:t>
             </a:r>
-            <a:endParaRPr lang="zh-CN" altLang="zh-CN" sz="1200" kern="1200" dirty="0">
-              <a:solidFill>
-                <a:schemeClr val="tx1"/>
-              </a:solidFill>
-              <a:effectLst/>
-              <a:latin typeface="+mn-lt"/>
-              <a:ea typeface="+mn-ea"/>
-              <a:cs typeface="+mn-cs"/>
-            </a:endParaRPr>
           </a:p>
         </p:txBody>
       </p:sp>
@@ -13482,6 +13801,7 @@
           <a:p>
             <a:fld id="{B98B0A11-3D62-4606-A6CF-01D98BDA7E39}" type="slidenum">
               <a:rPr lang="zh-CN" altLang="en-US" smtClean="0"/>
+              <a:t>18</a:t>
             </a:fld>
             <a:endParaRPr lang="zh-CN" altLang="en-US"/>
           </a:p>
@@ -13540,7 +13860,6 @@
               <a:rPr lang="zh-CN" altLang="en-US"/>
               <a:t>单击此处编辑母版标题样式</a:t>
             </a:r>
-            <a:endParaRPr lang="zh-CN" altLang="en-US"/>
           </a:p>
         </p:txBody>
       </p:sp>
@@ -13605,7 +13924,6 @@
               <a:rPr lang="zh-CN" altLang="en-US"/>
               <a:t>单击此处编辑母版副标题样式</a:t>
             </a:r>
-            <a:endParaRPr lang="zh-CN" altLang="en-US"/>
           </a:p>
         </p:txBody>
       </p:sp>
@@ -13626,6 +13944,7 @@
           <a:p>
             <a:fld id="{4052178D-7029-4E5A-BDE7-7463B093413C}" type="datetimeFigureOut">
               <a:rPr lang="zh-CN" altLang="en-US" smtClean="0"/>
+              <a:t>2018/1/15</a:t>
             </a:fld>
             <a:endParaRPr lang="zh-CN" altLang="en-US"/>
           </a:p>
@@ -13667,6 +13986,7 @@
           <a:p>
             <a:fld id="{77A2FBCC-32E6-46B5-8212-073B89DE794C}" type="slidenum">
               <a:rPr lang="zh-CN" altLang="en-US" smtClean="0"/>
+              <a:t>‹#›</a:t>
             </a:fld>
             <a:endParaRPr lang="zh-CN" altLang="en-US"/>
           </a:p>
@@ -13716,7 +14036,6 @@
               <a:rPr lang="zh-CN" altLang="en-US"/>
               <a:t>单击此处编辑母版标题样式</a:t>
             </a:r>
-            <a:endParaRPr lang="zh-CN" altLang="en-US"/>
           </a:p>
         </p:txBody>
       </p:sp>
@@ -13740,7 +14059,6 @@
               <a:rPr lang="zh-CN" altLang="en-US"/>
               <a:t>编辑母版文本样式</a:t>
             </a:r>
-            <a:endParaRPr lang="zh-CN" altLang="en-US"/>
           </a:p>
           <a:p>
             <a:pPr lvl="1"/>
@@ -13748,7 +14066,6 @@
               <a:rPr lang="zh-CN" altLang="en-US"/>
               <a:t>第二级</a:t>
             </a:r>
-            <a:endParaRPr lang="zh-CN" altLang="en-US"/>
           </a:p>
           <a:p>
             <a:pPr lvl="2"/>
@@ -13756,7 +14073,6 @@
               <a:rPr lang="zh-CN" altLang="en-US"/>
               <a:t>第三级</a:t>
             </a:r>
-            <a:endParaRPr lang="zh-CN" altLang="en-US"/>
           </a:p>
           <a:p>
             <a:pPr lvl="3"/>
@@ -13764,7 +14080,6 @@
               <a:rPr lang="zh-CN" altLang="en-US"/>
               <a:t>第四级</a:t>
             </a:r>
-            <a:endParaRPr lang="zh-CN" altLang="en-US"/>
           </a:p>
           <a:p>
             <a:pPr lvl="4"/>
@@ -13772,7 +14087,6 @@
               <a:rPr lang="zh-CN" altLang="en-US"/>
               <a:t>第五级</a:t>
             </a:r>
-            <a:endParaRPr lang="zh-CN" altLang="en-US"/>
           </a:p>
         </p:txBody>
       </p:sp>
@@ -13793,6 +14107,7 @@
           <a:p>
             <a:fld id="{4052178D-7029-4E5A-BDE7-7463B093413C}" type="datetimeFigureOut">
               <a:rPr lang="zh-CN" altLang="en-US" smtClean="0"/>
+              <a:t>2018/1/15</a:t>
             </a:fld>
             <a:endParaRPr lang="zh-CN" altLang="en-US"/>
           </a:p>
@@ -13834,6 +14149,7 @@
           <a:p>
             <a:fld id="{77A2FBCC-32E6-46B5-8212-073B89DE794C}" type="slidenum">
               <a:rPr lang="zh-CN" altLang="en-US" smtClean="0"/>
+              <a:t>‹#›</a:t>
             </a:fld>
             <a:endParaRPr lang="zh-CN" altLang="en-US"/>
           </a:p>
@@ -13888,7 +14204,6 @@
               <a:rPr lang="zh-CN" altLang="en-US"/>
               <a:t>单击此处编辑母版标题样式</a:t>
             </a:r>
-            <a:endParaRPr lang="zh-CN" altLang="en-US"/>
           </a:p>
         </p:txBody>
       </p:sp>
@@ -13917,7 +14232,6 @@
               <a:rPr lang="zh-CN" altLang="en-US"/>
               <a:t>编辑母版文本样式</a:t>
             </a:r>
-            <a:endParaRPr lang="zh-CN" altLang="en-US"/>
           </a:p>
           <a:p>
             <a:pPr lvl="1"/>
@@ -13925,7 +14239,6 @@
               <a:rPr lang="zh-CN" altLang="en-US"/>
               <a:t>第二级</a:t>
             </a:r>
-            <a:endParaRPr lang="zh-CN" altLang="en-US"/>
           </a:p>
           <a:p>
             <a:pPr lvl="2"/>
@@ -13933,7 +14246,6 @@
               <a:rPr lang="zh-CN" altLang="en-US"/>
               <a:t>第三级</a:t>
             </a:r>
-            <a:endParaRPr lang="zh-CN" altLang="en-US"/>
           </a:p>
           <a:p>
             <a:pPr lvl="3"/>
@@ -13941,7 +14253,6 @@
               <a:rPr lang="zh-CN" altLang="en-US"/>
               <a:t>第四级</a:t>
             </a:r>
-            <a:endParaRPr lang="zh-CN" altLang="en-US"/>
           </a:p>
           <a:p>
             <a:pPr lvl="4"/>
@@ -13949,7 +14260,6 @@
               <a:rPr lang="zh-CN" altLang="en-US"/>
               <a:t>第五级</a:t>
             </a:r>
-            <a:endParaRPr lang="zh-CN" altLang="en-US"/>
           </a:p>
         </p:txBody>
       </p:sp>
@@ -13970,6 +14280,7 @@
           <a:p>
             <a:fld id="{4052178D-7029-4E5A-BDE7-7463B093413C}" type="datetimeFigureOut">
               <a:rPr lang="zh-CN" altLang="en-US" smtClean="0"/>
+              <a:t>2018/1/15</a:t>
             </a:fld>
             <a:endParaRPr lang="zh-CN" altLang="en-US"/>
           </a:p>
@@ -14011,6 +14322,7 @@
           <a:p>
             <a:fld id="{77A2FBCC-32E6-46B5-8212-073B89DE794C}" type="slidenum">
               <a:rPr lang="zh-CN" altLang="en-US" smtClean="0"/>
+              <a:t>‹#›</a:t>
             </a:fld>
             <a:endParaRPr lang="zh-CN" altLang="en-US"/>
           </a:p>
@@ -14069,7 +14381,6 @@
               <a:rPr lang="zh-CN" altLang="en-US"/>
               <a:t>单击此处编辑母版标题样式</a:t>
             </a:r>
-            <a:endParaRPr lang="zh-CN" altLang="en-US"/>
           </a:p>
         </p:txBody>
       </p:sp>
@@ -14134,7 +14445,6 @@
               <a:rPr lang="zh-CN" altLang="en-US"/>
               <a:t>单击此处编辑母版副标题样式</a:t>
             </a:r>
-            <a:endParaRPr lang="zh-CN" altLang="en-US"/>
           </a:p>
         </p:txBody>
       </p:sp>
@@ -14155,6 +14465,7 @@
           <a:p>
             <a:fld id="{4052178D-7029-4E5A-BDE7-7463B093413C}" type="datetimeFigureOut">
               <a:rPr lang="zh-CN" altLang="en-US" smtClean="0"/>
+              <a:t>2018/1/15</a:t>
             </a:fld>
             <a:endParaRPr lang="zh-CN" altLang="en-US"/>
           </a:p>
@@ -14196,6 +14507,7 @@
           <a:p>
             <a:fld id="{77A2FBCC-32E6-46B5-8212-073B89DE794C}" type="slidenum">
               <a:rPr lang="zh-CN" altLang="en-US" smtClean="0"/>
+              <a:t>‹#›</a:t>
             </a:fld>
             <a:endParaRPr lang="zh-CN" altLang="en-US"/>
           </a:p>
@@ -14245,7 +14557,6 @@
               <a:rPr lang="zh-CN" altLang="en-US"/>
               <a:t>单击此处编辑母版标题样式</a:t>
             </a:r>
-            <a:endParaRPr lang="zh-CN" altLang="en-US"/>
           </a:p>
         </p:txBody>
       </p:sp>
@@ -14269,7 +14580,6 @@
               <a:rPr lang="zh-CN" altLang="en-US"/>
               <a:t>编辑母版文本样式</a:t>
             </a:r>
-            <a:endParaRPr lang="zh-CN" altLang="en-US"/>
           </a:p>
           <a:p>
             <a:pPr lvl="1"/>
@@ -14277,7 +14587,6 @@
               <a:rPr lang="zh-CN" altLang="en-US"/>
               <a:t>第二级</a:t>
             </a:r>
-            <a:endParaRPr lang="zh-CN" altLang="en-US"/>
           </a:p>
           <a:p>
             <a:pPr lvl="2"/>
@@ -14285,7 +14594,6 @@
               <a:rPr lang="zh-CN" altLang="en-US"/>
               <a:t>第三级</a:t>
             </a:r>
-            <a:endParaRPr lang="zh-CN" altLang="en-US"/>
           </a:p>
           <a:p>
             <a:pPr lvl="3"/>
@@ -14293,7 +14601,6 @@
               <a:rPr lang="zh-CN" altLang="en-US"/>
               <a:t>第四级</a:t>
             </a:r>
-            <a:endParaRPr lang="zh-CN" altLang="en-US"/>
           </a:p>
           <a:p>
             <a:pPr lvl="4"/>
@@ -14301,7 +14608,6 @@
               <a:rPr lang="zh-CN" altLang="en-US"/>
               <a:t>第五级</a:t>
             </a:r>
-            <a:endParaRPr lang="zh-CN" altLang="en-US"/>
           </a:p>
         </p:txBody>
       </p:sp>
@@ -14322,6 +14628,7 @@
           <a:p>
             <a:fld id="{4052178D-7029-4E5A-BDE7-7463B093413C}" type="datetimeFigureOut">
               <a:rPr lang="zh-CN" altLang="en-US" smtClean="0"/>
+              <a:t>2018/1/15</a:t>
             </a:fld>
             <a:endParaRPr lang="zh-CN" altLang="en-US"/>
           </a:p>
@@ -14363,6 +14670,7 @@
           <a:p>
             <a:fld id="{77A2FBCC-32E6-46B5-8212-073B89DE794C}" type="slidenum">
               <a:rPr lang="zh-CN" altLang="en-US" smtClean="0"/>
+              <a:t>‹#›</a:t>
             </a:fld>
             <a:endParaRPr lang="zh-CN" altLang="en-US"/>
           </a:p>
@@ -14421,7 +14729,6 @@
               <a:rPr lang="zh-CN" altLang="en-US"/>
               <a:t>单击此处编辑母版标题样式</a:t>
             </a:r>
-            <a:endParaRPr lang="zh-CN" altLang="en-US"/>
           </a:p>
         </p:txBody>
       </p:sp>
@@ -14541,7 +14848,6 @@
               <a:rPr lang="zh-CN" altLang="en-US"/>
               <a:t>编辑母版文本样式</a:t>
             </a:r>
-            <a:endParaRPr lang="zh-CN" altLang="en-US"/>
           </a:p>
         </p:txBody>
       </p:sp>
@@ -14562,6 +14868,7 @@
           <a:p>
             <a:fld id="{4052178D-7029-4E5A-BDE7-7463B093413C}" type="datetimeFigureOut">
               <a:rPr lang="zh-CN" altLang="en-US" smtClean="0"/>
+              <a:t>2018/1/15</a:t>
             </a:fld>
             <a:endParaRPr lang="zh-CN" altLang="en-US"/>
           </a:p>
@@ -14603,6 +14910,7 @@
           <a:p>
             <a:fld id="{77A2FBCC-32E6-46B5-8212-073B89DE794C}" type="slidenum">
               <a:rPr lang="zh-CN" altLang="en-US" smtClean="0"/>
+              <a:t>‹#›</a:t>
             </a:fld>
             <a:endParaRPr lang="zh-CN" altLang="en-US"/>
           </a:p>
@@ -14652,7 +14960,6 @@
               <a:rPr lang="zh-CN" altLang="en-US"/>
               <a:t>单击此处编辑母版标题样式</a:t>
             </a:r>
-            <a:endParaRPr lang="zh-CN" altLang="en-US"/>
           </a:p>
         </p:txBody>
       </p:sp>
@@ -14681,7 +14988,6 @@
               <a:rPr lang="zh-CN" altLang="en-US"/>
               <a:t>编辑母版文本样式</a:t>
             </a:r>
-            <a:endParaRPr lang="zh-CN" altLang="en-US"/>
           </a:p>
           <a:p>
             <a:pPr lvl="1"/>
@@ -14689,7 +14995,6 @@
               <a:rPr lang="zh-CN" altLang="en-US"/>
               <a:t>第二级</a:t>
             </a:r>
-            <a:endParaRPr lang="zh-CN" altLang="en-US"/>
           </a:p>
           <a:p>
             <a:pPr lvl="2"/>
@@ -14697,7 +15002,6 @@
               <a:rPr lang="zh-CN" altLang="en-US"/>
               <a:t>第三级</a:t>
             </a:r>
-            <a:endParaRPr lang="zh-CN" altLang="en-US"/>
           </a:p>
           <a:p>
             <a:pPr lvl="3"/>
@@ -14705,7 +15009,6 @@
               <a:rPr lang="zh-CN" altLang="en-US"/>
               <a:t>第四级</a:t>
             </a:r>
-            <a:endParaRPr lang="zh-CN" altLang="en-US"/>
           </a:p>
           <a:p>
             <a:pPr lvl="4"/>
@@ -14713,7 +15016,6 @@
               <a:rPr lang="zh-CN" altLang="en-US"/>
               <a:t>第五级</a:t>
             </a:r>
-            <a:endParaRPr lang="zh-CN" altLang="en-US"/>
           </a:p>
         </p:txBody>
       </p:sp>
@@ -14742,7 +15044,6 @@
               <a:rPr lang="zh-CN" altLang="en-US"/>
               <a:t>编辑母版文本样式</a:t>
             </a:r>
-            <a:endParaRPr lang="zh-CN" altLang="en-US"/>
           </a:p>
           <a:p>
             <a:pPr lvl="1"/>
@@ -14750,7 +15051,6 @@
               <a:rPr lang="zh-CN" altLang="en-US"/>
               <a:t>第二级</a:t>
             </a:r>
-            <a:endParaRPr lang="zh-CN" altLang="en-US"/>
           </a:p>
           <a:p>
             <a:pPr lvl="2"/>
@@ -14758,7 +15058,6 @@
               <a:rPr lang="zh-CN" altLang="en-US"/>
               <a:t>第三级</a:t>
             </a:r>
-            <a:endParaRPr lang="zh-CN" altLang="en-US"/>
           </a:p>
           <a:p>
             <a:pPr lvl="3"/>
@@ -14766,7 +15065,6 @@
               <a:rPr lang="zh-CN" altLang="en-US"/>
               <a:t>第四级</a:t>
             </a:r>
-            <a:endParaRPr lang="zh-CN" altLang="en-US"/>
           </a:p>
           <a:p>
             <a:pPr lvl="4"/>
@@ -14774,7 +15072,6 @@
               <a:rPr lang="zh-CN" altLang="en-US"/>
               <a:t>第五级</a:t>
             </a:r>
-            <a:endParaRPr lang="zh-CN" altLang="en-US"/>
           </a:p>
         </p:txBody>
       </p:sp>
@@ -14795,6 +15092,7 @@
           <a:p>
             <a:fld id="{4052178D-7029-4E5A-BDE7-7463B093413C}" type="datetimeFigureOut">
               <a:rPr lang="zh-CN" altLang="en-US" smtClean="0"/>
+              <a:t>2018/1/15</a:t>
             </a:fld>
             <a:endParaRPr lang="zh-CN" altLang="en-US"/>
           </a:p>
@@ -14836,6 +15134,7 @@
           <a:p>
             <a:fld id="{77A2FBCC-32E6-46B5-8212-073B89DE794C}" type="slidenum">
               <a:rPr lang="zh-CN" altLang="en-US" smtClean="0"/>
+              <a:t>‹#›</a:t>
             </a:fld>
             <a:endParaRPr lang="zh-CN" altLang="en-US"/>
           </a:p>
@@ -14890,7 +15189,6 @@
               <a:rPr lang="zh-CN" altLang="en-US"/>
               <a:t>单击此处编辑母版标题样式</a:t>
             </a:r>
-            <a:endParaRPr lang="zh-CN" altLang="en-US"/>
           </a:p>
         </p:txBody>
       </p:sp>
@@ -14956,7 +15254,6 @@
               <a:rPr lang="zh-CN" altLang="en-US"/>
               <a:t>编辑母版文本样式</a:t>
             </a:r>
-            <a:endParaRPr lang="zh-CN" altLang="en-US"/>
           </a:p>
         </p:txBody>
       </p:sp>
@@ -14985,7 +15282,6 @@
               <a:rPr lang="zh-CN" altLang="en-US"/>
               <a:t>编辑母版文本样式</a:t>
             </a:r>
-            <a:endParaRPr lang="zh-CN" altLang="en-US"/>
           </a:p>
           <a:p>
             <a:pPr lvl="1"/>
@@ -14993,7 +15289,6 @@
               <a:rPr lang="zh-CN" altLang="en-US"/>
               <a:t>第二级</a:t>
             </a:r>
-            <a:endParaRPr lang="zh-CN" altLang="en-US"/>
           </a:p>
           <a:p>
             <a:pPr lvl="2"/>
@@ -15001,7 +15296,6 @@
               <a:rPr lang="zh-CN" altLang="en-US"/>
               <a:t>第三级</a:t>
             </a:r>
-            <a:endParaRPr lang="zh-CN" altLang="en-US"/>
           </a:p>
           <a:p>
             <a:pPr lvl="3"/>
@@ -15009,7 +15303,6 @@
               <a:rPr lang="zh-CN" altLang="en-US"/>
               <a:t>第四级</a:t>
             </a:r>
-            <a:endParaRPr lang="zh-CN" altLang="en-US"/>
           </a:p>
           <a:p>
             <a:pPr lvl="4"/>
@@ -15017,7 +15310,6 @@
               <a:rPr lang="zh-CN" altLang="en-US"/>
               <a:t>第五级</a:t>
             </a:r>
-            <a:endParaRPr lang="zh-CN" altLang="en-US"/>
           </a:p>
         </p:txBody>
       </p:sp>
@@ -15083,7 +15375,6 @@
               <a:rPr lang="zh-CN" altLang="en-US"/>
               <a:t>编辑母版文本样式</a:t>
             </a:r>
-            <a:endParaRPr lang="zh-CN" altLang="en-US"/>
           </a:p>
         </p:txBody>
       </p:sp>
@@ -15112,7 +15403,6 @@
               <a:rPr lang="zh-CN" altLang="en-US"/>
               <a:t>编辑母版文本样式</a:t>
             </a:r>
-            <a:endParaRPr lang="zh-CN" altLang="en-US"/>
           </a:p>
           <a:p>
             <a:pPr lvl="1"/>
@@ -15120,7 +15410,6 @@
               <a:rPr lang="zh-CN" altLang="en-US"/>
               <a:t>第二级</a:t>
             </a:r>
-            <a:endParaRPr lang="zh-CN" altLang="en-US"/>
           </a:p>
           <a:p>
             <a:pPr lvl="2"/>
@@ -15128,7 +15417,6 @@
               <a:rPr lang="zh-CN" altLang="en-US"/>
               <a:t>第三级</a:t>
             </a:r>
-            <a:endParaRPr lang="zh-CN" altLang="en-US"/>
           </a:p>
           <a:p>
             <a:pPr lvl="3"/>
@@ -15136,7 +15424,6 @@
               <a:rPr lang="zh-CN" altLang="en-US"/>
               <a:t>第四级</a:t>
             </a:r>
-            <a:endParaRPr lang="zh-CN" altLang="en-US"/>
           </a:p>
           <a:p>
             <a:pPr lvl="4"/>
@@ -15144,7 +15431,6 @@
               <a:rPr lang="zh-CN" altLang="en-US"/>
               <a:t>第五级</a:t>
             </a:r>
-            <a:endParaRPr lang="zh-CN" altLang="en-US"/>
           </a:p>
         </p:txBody>
       </p:sp>
@@ -15165,6 +15451,7 @@
           <a:p>
             <a:fld id="{4052178D-7029-4E5A-BDE7-7463B093413C}" type="datetimeFigureOut">
               <a:rPr lang="zh-CN" altLang="en-US" smtClean="0"/>
+              <a:t>2018/1/15</a:t>
             </a:fld>
             <a:endParaRPr lang="zh-CN" altLang="en-US"/>
           </a:p>
@@ -15206,6 +15493,7 @@
           <a:p>
             <a:fld id="{77A2FBCC-32E6-46B5-8212-073B89DE794C}" type="slidenum">
               <a:rPr lang="zh-CN" altLang="en-US" smtClean="0"/>
+              <a:t>‹#›</a:t>
             </a:fld>
             <a:endParaRPr lang="zh-CN" altLang="en-US"/>
           </a:p>
@@ -15255,7 +15543,6 @@
               <a:rPr lang="zh-CN" altLang="en-US"/>
               <a:t>单击此处编辑母版标题样式</a:t>
             </a:r>
-            <a:endParaRPr lang="zh-CN" altLang="en-US"/>
           </a:p>
         </p:txBody>
       </p:sp>
@@ -15276,6 +15563,7 @@
           <a:p>
             <a:fld id="{4052178D-7029-4E5A-BDE7-7463B093413C}" type="datetimeFigureOut">
               <a:rPr lang="zh-CN" altLang="en-US" smtClean="0"/>
+              <a:t>2018/1/15</a:t>
             </a:fld>
             <a:endParaRPr lang="zh-CN" altLang="en-US"/>
           </a:p>
@@ -15317,6 +15605,7 @@
           <a:p>
             <a:fld id="{77A2FBCC-32E6-46B5-8212-073B89DE794C}" type="slidenum">
               <a:rPr lang="zh-CN" altLang="en-US" smtClean="0"/>
+              <a:t>‹#›</a:t>
             </a:fld>
             <a:endParaRPr lang="zh-CN" altLang="en-US"/>
           </a:p>
@@ -15364,6 +15653,7 @@
           <a:p>
             <a:fld id="{4052178D-7029-4E5A-BDE7-7463B093413C}" type="datetimeFigureOut">
               <a:rPr lang="zh-CN" altLang="en-US" smtClean="0"/>
+              <a:t>2018/1/15</a:t>
             </a:fld>
             <a:endParaRPr lang="zh-CN" altLang="en-US"/>
           </a:p>
@@ -15405,6 +15695,7 @@
           <a:p>
             <a:fld id="{77A2FBCC-32E6-46B5-8212-073B89DE794C}" type="slidenum">
               <a:rPr lang="zh-CN" altLang="en-US" smtClean="0"/>
+              <a:t>‹#›</a:t>
             </a:fld>
             <a:endParaRPr lang="zh-CN" altLang="en-US"/>
           </a:p>
@@ -15463,7 +15754,6 @@
               <a:rPr lang="zh-CN" altLang="en-US"/>
               <a:t>单击此处编辑母版标题样式</a:t>
             </a:r>
-            <a:endParaRPr lang="zh-CN" altLang="en-US"/>
           </a:p>
         </p:txBody>
       </p:sp>
@@ -15520,7 +15810,6 @@
               <a:rPr lang="zh-CN" altLang="en-US"/>
               <a:t>编辑母版文本样式</a:t>
             </a:r>
-            <a:endParaRPr lang="zh-CN" altLang="en-US"/>
           </a:p>
           <a:p>
             <a:pPr lvl="1"/>
@@ -15528,7 +15817,6 @@
               <a:rPr lang="zh-CN" altLang="en-US"/>
               <a:t>第二级</a:t>
             </a:r>
-            <a:endParaRPr lang="zh-CN" altLang="en-US"/>
           </a:p>
           <a:p>
             <a:pPr lvl="2"/>
@@ -15536,7 +15824,6 @@
               <a:rPr lang="zh-CN" altLang="en-US"/>
               <a:t>第三级</a:t>
             </a:r>
-            <a:endParaRPr lang="zh-CN" altLang="en-US"/>
           </a:p>
           <a:p>
             <a:pPr lvl="3"/>
@@ -15544,7 +15831,6 @@
               <a:rPr lang="zh-CN" altLang="en-US"/>
               <a:t>第四级</a:t>
             </a:r>
-            <a:endParaRPr lang="zh-CN" altLang="en-US"/>
           </a:p>
           <a:p>
             <a:pPr lvl="4"/>
@@ -15552,7 +15838,6 @@
               <a:rPr lang="zh-CN" altLang="en-US"/>
               <a:t>第五级</a:t>
             </a:r>
-            <a:endParaRPr lang="zh-CN" altLang="en-US"/>
           </a:p>
         </p:txBody>
       </p:sp>
@@ -15618,7 +15903,6 @@
               <a:rPr lang="zh-CN" altLang="en-US"/>
               <a:t>编辑母版文本样式</a:t>
             </a:r>
-            <a:endParaRPr lang="zh-CN" altLang="en-US"/>
           </a:p>
         </p:txBody>
       </p:sp>
@@ -15639,6 +15923,7 @@
           <a:p>
             <a:fld id="{4052178D-7029-4E5A-BDE7-7463B093413C}" type="datetimeFigureOut">
               <a:rPr lang="zh-CN" altLang="en-US" smtClean="0"/>
+              <a:t>2018/1/15</a:t>
             </a:fld>
             <a:endParaRPr lang="zh-CN" altLang="en-US"/>
           </a:p>
@@ -15680,6 +15965,7 @@
           <a:p>
             <a:fld id="{77A2FBCC-32E6-46B5-8212-073B89DE794C}" type="slidenum">
               <a:rPr lang="zh-CN" altLang="en-US" smtClean="0"/>
+              <a:t>‹#›</a:t>
             </a:fld>
             <a:endParaRPr lang="zh-CN" altLang="en-US"/>
           </a:p>
@@ -15729,7 +16015,6 @@
               <a:rPr lang="zh-CN" altLang="en-US"/>
               <a:t>单击此处编辑母版标题样式</a:t>
             </a:r>
-            <a:endParaRPr lang="zh-CN" altLang="en-US"/>
           </a:p>
         </p:txBody>
       </p:sp>
@@ -15753,7 +16038,6 @@
               <a:rPr lang="zh-CN" altLang="en-US"/>
               <a:t>编辑母版文本样式</a:t>
             </a:r>
-            <a:endParaRPr lang="zh-CN" altLang="en-US"/>
           </a:p>
           <a:p>
             <a:pPr lvl="1"/>
@@ -15761,7 +16045,6 @@
               <a:rPr lang="zh-CN" altLang="en-US"/>
               <a:t>第二级</a:t>
             </a:r>
-            <a:endParaRPr lang="zh-CN" altLang="en-US"/>
           </a:p>
           <a:p>
             <a:pPr lvl="2"/>
@@ -15769,7 +16052,6 @@
               <a:rPr lang="zh-CN" altLang="en-US"/>
               <a:t>第三级</a:t>
             </a:r>
-            <a:endParaRPr lang="zh-CN" altLang="en-US"/>
           </a:p>
           <a:p>
             <a:pPr lvl="3"/>
@@ -15777,7 +16059,6 @@
               <a:rPr lang="zh-CN" altLang="en-US"/>
               <a:t>第四级</a:t>
             </a:r>
-            <a:endParaRPr lang="zh-CN" altLang="en-US"/>
           </a:p>
           <a:p>
             <a:pPr lvl="4"/>
@@ -15785,7 +16066,6 @@
               <a:rPr lang="zh-CN" altLang="en-US"/>
               <a:t>第五级</a:t>
             </a:r>
-            <a:endParaRPr lang="zh-CN" altLang="en-US"/>
           </a:p>
         </p:txBody>
       </p:sp>
@@ -15806,6 +16086,7 @@
           <a:p>
             <a:fld id="{4052178D-7029-4E5A-BDE7-7463B093413C}" type="datetimeFigureOut">
               <a:rPr lang="zh-CN" altLang="en-US" smtClean="0"/>
+              <a:t>2018/1/15</a:t>
             </a:fld>
             <a:endParaRPr lang="zh-CN" altLang="en-US"/>
           </a:p>
@@ -15847,6 +16128,7 @@
           <a:p>
             <a:fld id="{77A2FBCC-32E6-46B5-8212-073B89DE794C}" type="slidenum">
               <a:rPr lang="zh-CN" altLang="en-US" smtClean="0"/>
+              <a:t>‹#›</a:t>
             </a:fld>
             <a:endParaRPr lang="zh-CN" altLang="en-US"/>
           </a:p>
@@ -15905,7 +16187,6 @@
               <a:rPr lang="zh-CN" altLang="en-US"/>
               <a:t>单击此处编辑母版标题样式</a:t>
             </a:r>
-            <a:endParaRPr lang="zh-CN" altLang="en-US"/>
           </a:p>
         </p:txBody>
       </p:sp>
@@ -16032,7 +16313,6 @@
               <a:rPr lang="zh-CN" altLang="en-US"/>
               <a:t>编辑母版文本样式</a:t>
             </a:r>
-            <a:endParaRPr lang="zh-CN" altLang="en-US"/>
           </a:p>
         </p:txBody>
       </p:sp>
@@ -16053,6 +16333,7 @@
           <a:p>
             <a:fld id="{4052178D-7029-4E5A-BDE7-7463B093413C}" type="datetimeFigureOut">
               <a:rPr lang="zh-CN" altLang="en-US" smtClean="0"/>
+              <a:t>2018/1/15</a:t>
             </a:fld>
             <a:endParaRPr lang="zh-CN" altLang="en-US"/>
           </a:p>
@@ -16094,6 +16375,7 @@
           <a:p>
             <a:fld id="{77A2FBCC-32E6-46B5-8212-073B89DE794C}" type="slidenum">
               <a:rPr lang="zh-CN" altLang="en-US" smtClean="0"/>
+              <a:t>‹#›</a:t>
             </a:fld>
             <a:endParaRPr lang="zh-CN" altLang="en-US"/>
           </a:p>
@@ -16143,7 +16425,6 @@
               <a:rPr lang="zh-CN" altLang="en-US"/>
               <a:t>单击此处编辑母版标题样式</a:t>
             </a:r>
-            <a:endParaRPr lang="zh-CN" altLang="en-US"/>
           </a:p>
         </p:txBody>
       </p:sp>
@@ -16167,7 +16448,6 @@
               <a:rPr lang="zh-CN" altLang="en-US"/>
               <a:t>编辑母版文本样式</a:t>
             </a:r>
-            <a:endParaRPr lang="zh-CN" altLang="en-US"/>
           </a:p>
           <a:p>
             <a:pPr lvl="1"/>
@@ -16175,7 +16455,6 @@
               <a:rPr lang="zh-CN" altLang="en-US"/>
               <a:t>第二级</a:t>
             </a:r>
-            <a:endParaRPr lang="zh-CN" altLang="en-US"/>
           </a:p>
           <a:p>
             <a:pPr lvl="2"/>
@@ -16183,7 +16462,6 @@
               <a:rPr lang="zh-CN" altLang="en-US"/>
               <a:t>第三级</a:t>
             </a:r>
-            <a:endParaRPr lang="zh-CN" altLang="en-US"/>
           </a:p>
           <a:p>
             <a:pPr lvl="3"/>
@@ -16191,7 +16469,6 @@
               <a:rPr lang="zh-CN" altLang="en-US"/>
               <a:t>第四级</a:t>
             </a:r>
-            <a:endParaRPr lang="zh-CN" altLang="en-US"/>
           </a:p>
           <a:p>
             <a:pPr lvl="4"/>
@@ -16199,7 +16476,6 @@
               <a:rPr lang="zh-CN" altLang="en-US"/>
               <a:t>第五级</a:t>
             </a:r>
-            <a:endParaRPr lang="zh-CN" altLang="en-US"/>
           </a:p>
         </p:txBody>
       </p:sp>
@@ -16220,6 +16496,7 @@
           <a:p>
             <a:fld id="{4052178D-7029-4E5A-BDE7-7463B093413C}" type="datetimeFigureOut">
               <a:rPr lang="zh-CN" altLang="en-US" smtClean="0"/>
+              <a:t>2018/1/15</a:t>
             </a:fld>
             <a:endParaRPr lang="zh-CN" altLang="en-US"/>
           </a:p>
@@ -16261,6 +16538,7 @@
           <a:p>
             <a:fld id="{77A2FBCC-32E6-46B5-8212-073B89DE794C}" type="slidenum">
               <a:rPr lang="zh-CN" altLang="en-US" smtClean="0"/>
+              <a:t>‹#›</a:t>
             </a:fld>
             <a:endParaRPr lang="zh-CN" altLang="en-US"/>
           </a:p>
@@ -16315,7 +16593,6 @@
               <a:rPr lang="zh-CN" altLang="en-US"/>
               <a:t>单击此处编辑母版标题样式</a:t>
             </a:r>
-            <a:endParaRPr lang="zh-CN" altLang="en-US"/>
           </a:p>
         </p:txBody>
       </p:sp>
@@ -16344,7 +16621,6 @@
               <a:rPr lang="zh-CN" altLang="en-US"/>
               <a:t>编辑母版文本样式</a:t>
             </a:r>
-            <a:endParaRPr lang="zh-CN" altLang="en-US"/>
           </a:p>
           <a:p>
             <a:pPr lvl="1"/>
@@ -16352,7 +16628,6 @@
               <a:rPr lang="zh-CN" altLang="en-US"/>
               <a:t>第二级</a:t>
             </a:r>
-            <a:endParaRPr lang="zh-CN" altLang="en-US"/>
           </a:p>
           <a:p>
             <a:pPr lvl="2"/>
@@ -16360,7 +16635,6 @@
               <a:rPr lang="zh-CN" altLang="en-US"/>
               <a:t>第三级</a:t>
             </a:r>
-            <a:endParaRPr lang="zh-CN" altLang="en-US"/>
           </a:p>
           <a:p>
             <a:pPr lvl="3"/>
@@ -16368,7 +16642,6 @@
               <a:rPr lang="zh-CN" altLang="en-US"/>
               <a:t>第四级</a:t>
             </a:r>
-            <a:endParaRPr lang="zh-CN" altLang="en-US"/>
           </a:p>
           <a:p>
             <a:pPr lvl="4"/>
@@ -16376,7 +16649,6 @@
               <a:rPr lang="zh-CN" altLang="en-US"/>
               <a:t>第五级</a:t>
             </a:r>
-            <a:endParaRPr lang="zh-CN" altLang="en-US"/>
           </a:p>
         </p:txBody>
       </p:sp>
@@ -16397,6 +16669,7 @@
           <a:p>
             <a:fld id="{4052178D-7029-4E5A-BDE7-7463B093413C}" type="datetimeFigureOut">
               <a:rPr lang="zh-CN" altLang="en-US" smtClean="0"/>
+              <a:t>2018/1/15</a:t>
             </a:fld>
             <a:endParaRPr lang="zh-CN" altLang="en-US"/>
           </a:p>
@@ -16438,6 +16711,7 @@
           <a:p>
             <a:fld id="{77A2FBCC-32E6-46B5-8212-073B89DE794C}" type="slidenum">
               <a:rPr lang="zh-CN" altLang="en-US" smtClean="0"/>
+              <a:t>‹#›</a:t>
             </a:fld>
             <a:endParaRPr lang="zh-CN" altLang="en-US"/>
           </a:p>
@@ -16496,7 +16770,6 @@
               <a:rPr lang="zh-CN" altLang="en-US"/>
               <a:t>单击此处编辑母版标题样式</a:t>
             </a:r>
-            <a:endParaRPr lang="zh-CN" altLang="en-US"/>
           </a:p>
         </p:txBody>
       </p:sp>
@@ -16616,7 +16889,6 @@
               <a:rPr lang="zh-CN" altLang="en-US"/>
               <a:t>编辑母版文本样式</a:t>
             </a:r>
-            <a:endParaRPr lang="zh-CN" altLang="en-US"/>
           </a:p>
         </p:txBody>
       </p:sp>
@@ -16637,6 +16909,7 @@
           <a:p>
             <a:fld id="{4052178D-7029-4E5A-BDE7-7463B093413C}" type="datetimeFigureOut">
               <a:rPr lang="zh-CN" altLang="en-US" smtClean="0"/>
+              <a:t>2018/1/15</a:t>
             </a:fld>
             <a:endParaRPr lang="zh-CN" altLang="en-US"/>
           </a:p>
@@ -16678,6 +16951,7 @@
           <a:p>
             <a:fld id="{77A2FBCC-32E6-46B5-8212-073B89DE794C}" type="slidenum">
               <a:rPr lang="zh-CN" altLang="en-US" smtClean="0"/>
+              <a:t>‹#›</a:t>
             </a:fld>
             <a:endParaRPr lang="zh-CN" altLang="en-US"/>
           </a:p>
@@ -16727,7 +17001,6 @@
               <a:rPr lang="zh-CN" altLang="en-US"/>
               <a:t>单击此处编辑母版标题样式</a:t>
             </a:r>
-            <a:endParaRPr lang="zh-CN" altLang="en-US"/>
           </a:p>
         </p:txBody>
       </p:sp>
@@ -16756,7 +17029,6 @@
               <a:rPr lang="zh-CN" altLang="en-US"/>
               <a:t>编辑母版文本样式</a:t>
             </a:r>
-            <a:endParaRPr lang="zh-CN" altLang="en-US"/>
           </a:p>
           <a:p>
             <a:pPr lvl="1"/>
@@ -16764,7 +17036,6 @@
               <a:rPr lang="zh-CN" altLang="en-US"/>
               <a:t>第二级</a:t>
             </a:r>
-            <a:endParaRPr lang="zh-CN" altLang="en-US"/>
           </a:p>
           <a:p>
             <a:pPr lvl="2"/>
@@ -16772,7 +17043,6 @@
               <a:rPr lang="zh-CN" altLang="en-US"/>
               <a:t>第三级</a:t>
             </a:r>
-            <a:endParaRPr lang="zh-CN" altLang="en-US"/>
           </a:p>
           <a:p>
             <a:pPr lvl="3"/>
@@ -16780,7 +17050,6 @@
               <a:rPr lang="zh-CN" altLang="en-US"/>
               <a:t>第四级</a:t>
             </a:r>
-            <a:endParaRPr lang="zh-CN" altLang="en-US"/>
           </a:p>
           <a:p>
             <a:pPr lvl="4"/>
@@ -16788,7 +17057,6 @@
               <a:rPr lang="zh-CN" altLang="en-US"/>
               <a:t>第五级</a:t>
             </a:r>
-            <a:endParaRPr lang="zh-CN" altLang="en-US"/>
           </a:p>
         </p:txBody>
       </p:sp>
@@ -16817,7 +17085,6 @@
               <a:rPr lang="zh-CN" altLang="en-US"/>
               <a:t>编辑母版文本样式</a:t>
             </a:r>
-            <a:endParaRPr lang="zh-CN" altLang="en-US"/>
           </a:p>
           <a:p>
             <a:pPr lvl="1"/>
@@ -16825,7 +17092,6 @@
               <a:rPr lang="zh-CN" altLang="en-US"/>
               <a:t>第二级</a:t>
             </a:r>
-            <a:endParaRPr lang="zh-CN" altLang="en-US"/>
           </a:p>
           <a:p>
             <a:pPr lvl="2"/>
@@ -16833,7 +17099,6 @@
               <a:rPr lang="zh-CN" altLang="en-US"/>
               <a:t>第三级</a:t>
             </a:r>
-            <a:endParaRPr lang="zh-CN" altLang="en-US"/>
           </a:p>
           <a:p>
             <a:pPr lvl="3"/>
@@ -16841,7 +17106,6 @@
               <a:rPr lang="zh-CN" altLang="en-US"/>
               <a:t>第四级</a:t>
             </a:r>
-            <a:endParaRPr lang="zh-CN" altLang="en-US"/>
           </a:p>
           <a:p>
             <a:pPr lvl="4"/>
@@ -16849,7 +17113,6 @@
               <a:rPr lang="zh-CN" altLang="en-US"/>
               <a:t>第五级</a:t>
             </a:r>
-            <a:endParaRPr lang="zh-CN" altLang="en-US"/>
           </a:p>
         </p:txBody>
       </p:sp>
@@ -16870,6 +17133,7 @@
           <a:p>
             <a:fld id="{4052178D-7029-4E5A-BDE7-7463B093413C}" type="datetimeFigureOut">
               <a:rPr lang="zh-CN" altLang="en-US" smtClean="0"/>
+              <a:t>2018/1/15</a:t>
             </a:fld>
             <a:endParaRPr lang="zh-CN" altLang="en-US"/>
           </a:p>
@@ -16911,6 +17175,7 @@
           <a:p>
             <a:fld id="{77A2FBCC-32E6-46B5-8212-073B89DE794C}" type="slidenum">
               <a:rPr lang="zh-CN" altLang="en-US" smtClean="0"/>
+              <a:t>‹#›</a:t>
             </a:fld>
             <a:endParaRPr lang="zh-CN" altLang="en-US"/>
           </a:p>
@@ -16965,7 +17230,6 @@
               <a:rPr lang="zh-CN" altLang="en-US"/>
               <a:t>单击此处编辑母版标题样式</a:t>
             </a:r>
-            <a:endParaRPr lang="zh-CN" altLang="en-US"/>
           </a:p>
         </p:txBody>
       </p:sp>
@@ -17031,7 +17295,6 @@
               <a:rPr lang="zh-CN" altLang="en-US"/>
               <a:t>编辑母版文本样式</a:t>
             </a:r>
-            <a:endParaRPr lang="zh-CN" altLang="en-US"/>
           </a:p>
         </p:txBody>
       </p:sp>
@@ -17060,7 +17323,6 @@
               <a:rPr lang="zh-CN" altLang="en-US"/>
               <a:t>编辑母版文本样式</a:t>
             </a:r>
-            <a:endParaRPr lang="zh-CN" altLang="en-US"/>
           </a:p>
           <a:p>
             <a:pPr lvl="1"/>
@@ -17068,7 +17330,6 @@
               <a:rPr lang="zh-CN" altLang="en-US"/>
               <a:t>第二级</a:t>
             </a:r>
-            <a:endParaRPr lang="zh-CN" altLang="en-US"/>
           </a:p>
           <a:p>
             <a:pPr lvl="2"/>
@@ -17076,7 +17337,6 @@
               <a:rPr lang="zh-CN" altLang="en-US"/>
               <a:t>第三级</a:t>
             </a:r>
-            <a:endParaRPr lang="zh-CN" altLang="en-US"/>
           </a:p>
           <a:p>
             <a:pPr lvl="3"/>
@@ -17084,7 +17344,6 @@
               <a:rPr lang="zh-CN" altLang="en-US"/>
               <a:t>第四级</a:t>
             </a:r>
-            <a:endParaRPr lang="zh-CN" altLang="en-US"/>
           </a:p>
           <a:p>
             <a:pPr lvl="4"/>
@@ -17092,7 +17351,6 @@
               <a:rPr lang="zh-CN" altLang="en-US"/>
               <a:t>第五级</a:t>
             </a:r>
-            <a:endParaRPr lang="zh-CN" altLang="en-US"/>
           </a:p>
         </p:txBody>
       </p:sp>
@@ -17158,7 +17416,6 @@
               <a:rPr lang="zh-CN" altLang="en-US"/>
               <a:t>编辑母版文本样式</a:t>
             </a:r>
-            <a:endParaRPr lang="zh-CN" altLang="en-US"/>
           </a:p>
         </p:txBody>
       </p:sp>
@@ -17187,7 +17444,6 @@
               <a:rPr lang="zh-CN" altLang="en-US"/>
               <a:t>编辑母版文本样式</a:t>
             </a:r>
-            <a:endParaRPr lang="zh-CN" altLang="en-US"/>
           </a:p>
           <a:p>
             <a:pPr lvl="1"/>
@@ -17195,7 +17451,6 @@
               <a:rPr lang="zh-CN" altLang="en-US"/>
               <a:t>第二级</a:t>
             </a:r>
-            <a:endParaRPr lang="zh-CN" altLang="en-US"/>
           </a:p>
           <a:p>
             <a:pPr lvl="2"/>
@@ -17203,7 +17458,6 @@
               <a:rPr lang="zh-CN" altLang="en-US"/>
               <a:t>第三级</a:t>
             </a:r>
-            <a:endParaRPr lang="zh-CN" altLang="en-US"/>
           </a:p>
           <a:p>
             <a:pPr lvl="3"/>
@@ -17211,7 +17465,6 @@
               <a:rPr lang="zh-CN" altLang="en-US"/>
               <a:t>第四级</a:t>
             </a:r>
-            <a:endParaRPr lang="zh-CN" altLang="en-US"/>
           </a:p>
           <a:p>
             <a:pPr lvl="4"/>
@@ -17219,7 +17472,6 @@
               <a:rPr lang="zh-CN" altLang="en-US"/>
               <a:t>第五级</a:t>
             </a:r>
-            <a:endParaRPr lang="zh-CN" altLang="en-US"/>
           </a:p>
         </p:txBody>
       </p:sp>
@@ -17240,6 +17492,7 @@
           <a:p>
             <a:fld id="{4052178D-7029-4E5A-BDE7-7463B093413C}" type="datetimeFigureOut">
               <a:rPr lang="zh-CN" altLang="en-US" smtClean="0"/>
+              <a:t>2018/1/15</a:t>
             </a:fld>
             <a:endParaRPr lang="zh-CN" altLang="en-US"/>
           </a:p>
@@ -17281,6 +17534,7 @@
           <a:p>
             <a:fld id="{77A2FBCC-32E6-46B5-8212-073B89DE794C}" type="slidenum">
               <a:rPr lang="zh-CN" altLang="en-US" smtClean="0"/>
+              <a:t>‹#›</a:t>
             </a:fld>
             <a:endParaRPr lang="zh-CN" altLang="en-US"/>
           </a:p>
@@ -17330,7 +17584,6 @@
               <a:rPr lang="zh-CN" altLang="en-US"/>
               <a:t>单击此处编辑母版标题样式</a:t>
             </a:r>
-            <a:endParaRPr lang="zh-CN" altLang="en-US"/>
           </a:p>
         </p:txBody>
       </p:sp>
@@ -17351,6 +17604,7 @@
           <a:p>
             <a:fld id="{4052178D-7029-4E5A-BDE7-7463B093413C}" type="datetimeFigureOut">
               <a:rPr lang="zh-CN" altLang="en-US" smtClean="0"/>
+              <a:t>2018/1/15</a:t>
             </a:fld>
             <a:endParaRPr lang="zh-CN" altLang="en-US"/>
           </a:p>
@@ -17392,6 +17646,7 @@
           <a:p>
             <a:fld id="{77A2FBCC-32E6-46B5-8212-073B89DE794C}" type="slidenum">
               <a:rPr lang="zh-CN" altLang="en-US" smtClean="0"/>
+              <a:t>‹#›</a:t>
             </a:fld>
             <a:endParaRPr lang="zh-CN" altLang="en-US"/>
           </a:p>
@@ -17439,6 +17694,7 @@
           <a:p>
             <a:fld id="{4052178D-7029-4E5A-BDE7-7463B093413C}" type="datetimeFigureOut">
               <a:rPr lang="zh-CN" altLang="en-US" smtClean="0"/>
+              <a:t>2018/1/15</a:t>
             </a:fld>
             <a:endParaRPr lang="zh-CN" altLang="en-US"/>
           </a:p>
@@ -17480,6 +17736,7 @@
           <a:p>
             <a:fld id="{77A2FBCC-32E6-46B5-8212-073B89DE794C}" type="slidenum">
               <a:rPr lang="zh-CN" altLang="en-US" smtClean="0"/>
+              <a:t>‹#›</a:t>
             </a:fld>
             <a:endParaRPr lang="zh-CN" altLang="en-US"/>
           </a:p>
@@ -17538,7 +17795,6 @@
               <a:rPr lang="zh-CN" altLang="en-US"/>
               <a:t>单击此处编辑母版标题样式</a:t>
             </a:r>
-            <a:endParaRPr lang="zh-CN" altLang="en-US"/>
           </a:p>
         </p:txBody>
       </p:sp>
@@ -17595,7 +17851,6 @@
               <a:rPr lang="zh-CN" altLang="en-US"/>
               <a:t>编辑母版文本样式</a:t>
             </a:r>
-            <a:endParaRPr lang="zh-CN" altLang="en-US"/>
           </a:p>
           <a:p>
             <a:pPr lvl="1"/>
@@ -17603,7 +17858,6 @@
               <a:rPr lang="zh-CN" altLang="en-US"/>
               <a:t>第二级</a:t>
             </a:r>
-            <a:endParaRPr lang="zh-CN" altLang="en-US"/>
           </a:p>
           <a:p>
             <a:pPr lvl="2"/>
@@ -17611,7 +17865,6 @@
               <a:rPr lang="zh-CN" altLang="en-US"/>
               <a:t>第三级</a:t>
             </a:r>
-            <a:endParaRPr lang="zh-CN" altLang="en-US"/>
           </a:p>
           <a:p>
             <a:pPr lvl="3"/>
@@ -17619,7 +17872,6 @@
               <a:rPr lang="zh-CN" altLang="en-US"/>
               <a:t>第四级</a:t>
             </a:r>
-            <a:endParaRPr lang="zh-CN" altLang="en-US"/>
           </a:p>
           <a:p>
             <a:pPr lvl="4"/>
@@ -17627,7 +17879,6 @@
               <a:rPr lang="zh-CN" altLang="en-US"/>
               <a:t>第五级</a:t>
             </a:r>
-            <a:endParaRPr lang="zh-CN" altLang="en-US"/>
           </a:p>
         </p:txBody>
       </p:sp>
@@ -17693,7 +17944,6 @@
               <a:rPr lang="zh-CN" altLang="en-US"/>
               <a:t>编辑母版文本样式</a:t>
             </a:r>
-            <a:endParaRPr lang="zh-CN" altLang="en-US"/>
           </a:p>
         </p:txBody>
       </p:sp>
@@ -17714,6 +17964,7 @@
           <a:p>
             <a:fld id="{4052178D-7029-4E5A-BDE7-7463B093413C}" type="datetimeFigureOut">
               <a:rPr lang="zh-CN" altLang="en-US" smtClean="0"/>
+              <a:t>2018/1/15</a:t>
             </a:fld>
             <a:endParaRPr lang="zh-CN" altLang="en-US"/>
           </a:p>
@@ -17755,6 +18006,7 @@
           <a:p>
             <a:fld id="{77A2FBCC-32E6-46B5-8212-073B89DE794C}" type="slidenum">
               <a:rPr lang="zh-CN" altLang="en-US" smtClean="0"/>
+              <a:t>‹#›</a:t>
             </a:fld>
             <a:endParaRPr lang="zh-CN" altLang="en-US"/>
           </a:p>
@@ -17813,7 +18065,6 @@
               <a:rPr lang="zh-CN" altLang="en-US"/>
               <a:t>单击此处编辑母版标题样式</a:t>
             </a:r>
-            <a:endParaRPr lang="zh-CN" altLang="en-US"/>
           </a:p>
         </p:txBody>
       </p:sp>
@@ -17940,7 +18191,6 @@
               <a:rPr lang="zh-CN" altLang="en-US"/>
               <a:t>编辑母版文本样式</a:t>
             </a:r>
-            <a:endParaRPr lang="zh-CN" altLang="en-US"/>
           </a:p>
         </p:txBody>
       </p:sp>
@@ -17961,6 +18211,7 @@
           <a:p>
             <a:fld id="{4052178D-7029-4E5A-BDE7-7463B093413C}" type="datetimeFigureOut">
               <a:rPr lang="zh-CN" altLang="en-US" smtClean="0"/>
+              <a:t>2018/1/15</a:t>
             </a:fld>
             <a:endParaRPr lang="zh-CN" altLang="en-US"/>
           </a:p>
@@ -18002,6 +18253,7 @@
           <a:p>
             <a:fld id="{77A2FBCC-32E6-46B5-8212-073B89DE794C}" type="slidenum">
               <a:rPr lang="zh-CN" altLang="en-US" smtClean="0"/>
+              <a:t>‹#›</a:t>
             </a:fld>
             <a:endParaRPr lang="zh-CN" altLang="en-US"/>
           </a:p>
@@ -18084,7 +18336,6 @@
               <a:rPr lang="zh-CN" altLang="en-US"/>
               <a:t>单击此处编辑母版标题样式</a:t>
             </a:r>
-            <a:endParaRPr lang="zh-CN" altLang="en-US"/>
           </a:p>
         </p:txBody>
       </p:sp>
@@ -18118,7 +18369,6 @@
               <a:rPr lang="zh-CN" altLang="en-US"/>
               <a:t>编辑母版文本样式</a:t>
             </a:r>
-            <a:endParaRPr lang="zh-CN" altLang="en-US"/>
           </a:p>
           <a:p>
             <a:pPr lvl="1"/>
@@ -18126,7 +18376,6 @@
               <a:rPr lang="zh-CN" altLang="en-US"/>
               <a:t>第二级</a:t>
             </a:r>
-            <a:endParaRPr lang="zh-CN" altLang="en-US"/>
           </a:p>
           <a:p>
             <a:pPr lvl="2"/>
@@ -18134,7 +18383,6 @@
               <a:rPr lang="zh-CN" altLang="en-US"/>
               <a:t>第三级</a:t>
             </a:r>
-            <a:endParaRPr lang="zh-CN" altLang="en-US"/>
           </a:p>
           <a:p>
             <a:pPr lvl="3"/>
@@ -18142,7 +18390,6 @@
               <a:rPr lang="zh-CN" altLang="en-US"/>
               <a:t>第四级</a:t>
             </a:r>
-            <a:endParaRPr lang="zh-CN" altLang="en-US"/>
           </a:p>
           <a:p>
             <a:pPr lvl="4"/>
@@ -18150,7 +18397,6 @@
               <a:rPr lang="zh-CN" altLang="en-US"/>
               <a:t>第五级</a:t>
             </a:r>
-            <a:endParaRPr lang="zh-CN" altLang="en-US"/>
           </a:p>
         </p:txBody>
       </p:sp>
@@ -18189,6 +18435,7 @@
           <a:p>
             <a:fld id="{4052178D-7029-4E5A-BDE7-7463B093413C}" type="datetimeFigureOut">
               <a:rPr lang="zh-CN" altLang="en-US" smtClean="0"/>
+              <a:t>2018/1/15</a:t>
             </a:fld>
             <a:endParaRPr lang="zh-CN" altLang="en-US"/>
           </a:p>
@@ -18266,6 +18513,7 @@
           <a:p>
             <a:fld id="{77A2FBCC-32E6-46B5-8212-073B89DE794C}" type="slidenum">
               <a:rPr lang="zh-CN" altLang="en-US" smtClean="0"/>
+              <a:t>‹#›</a:t>
             </a:fld>
             <a:endParaRPr lang="zh-CN" altLang="en-US"/>
           </a:p>
@@ -18639,7 +18887,6 @@
               <a:rPr lang="zh-CN" altLang="en-US"/>
               <a:t>单击此处编辑母版标题样式</a:t>
             </a:r>
-            <a:endParaRPr lang="zh-CN" altLang="en-US"/>
           </a:p>
         </p:txBody>
       </p:sp>
@@ -18673,7 +18920,6 @@
               <a:rPr lang="zh-CN" altLang="en-US"/>
               <a:t>编辑母版文本样式</a:t>
             </a:r>
-            <a:endParaRPr lang="zh-CN" altLang="en-US"/>
           </a:p>
           <a:p>
             <a:pPr lvl="1"/>
@@ -18681,7 +18927,6 @@
               <a:rPr lang="zh-CN" altLang="en-US"/>
               <a:t>第二级</a:t>
             </a:r>
-            <a:endParaRPr lang="zh-CN" altLang="en-US"/>
           </a:p>
           <a:p>
             <a:pPr lvl="2"/>
@@ -18689,7 +18934,6 @@
               <a:rPr lang="zh-CN" altLang="en-US"/>
               <a:t>第三级</a:t>
             </a:r>
-            <a:endParaRPr lang="zh-CN" altLang="en-US"/>
           </a:p>
           <a:p>
             <a:pPr lvl="3"/>
@@ -18697,7 +18941,6 @@
               <a:rPr lang="zh-CN" altLang="en-US"/>
               <a:t>第四级</a:t>
             </a:r>
-            <a:endParaRPr lang="zh-CN" altLang="en-US"/>
           </a:p>
           <a:p>
             <a:pPr lvl="4"/>
@@ -18705,7 +18948,6 @@
               <a:rPr lang="zh-CN" altLang="en-US"/>
               <a:t>第五级</a:t>
             </a:r>
-            <a:endParaRPr lang="zh-CN" altLang="en-US"/>
           </a:p>
         </p:txBody>
       </p:sp>
@@ -18744,6 +18986,7 @@
           <a:p>
             <a:fld id="{4052178D-7029-4E5A-BDE7-7463B093413C}" type="datetimeFigureOut">
               <a:rPr lang="zh-CN" altLang="en-US" smtClean="0"/>
+              <a:t>2018/1/15</a:t>
             </a:fld>
             <a:endParaRPr lang="zh-CN" altLang="en-US"/>
           </a:p>
@@ -18821,6 +19064,7 @@
           <a:p>
             <a:fld id="{77A2FBCC-32E6-46B5-8212-073B89DE794C}" type="slidenum">
               <a:rPr lang="zh-CN" altLang="en-US" smtClean="0"/>
+              <a:t>‹#›</a:t>
             </a:fld>
             <a:endParaRPr lang="zh-CN" altLang="en-US"/>
           </a:p>
@@ -19207,10 +19451,6 @@
               </a:rPr>
               <a:t>小组 项目计划</a:t>
             </a:r>
-            <a:endParaRPr lang="zh-CN" altLang="en-US" sz="2800" b="1" dirty="0">
-              <a:latin typeface="微软雅黑" panose="020B0503020204020204" pitchFamily="34" charset="-122"/>
-              <a:ea typeface="微软雅黑" panose="020B0503020204020204" pitchFamily="34" charset="-122"/>
-            </a:endParaRPr>
           </a:p>
         </p:txBody>
       </p:sp>
@@ -19285,13 +19525,6 @@
               </a:rPr>
               <a:t>	31501122</a:t>
             </a:r>
-            <a:endParaRPr lang="en-US" altLang="zh-CN" sz="2000" dirty="0">
-              <a:solidFill>
-                <a:schemeClr val="bg1"/>
-              </a:solidFill>
-              <a:latin typeface="微软雅黑" panose="020B0503020204020204" pitchFamily="34" charset="-122"/>
-              <a:ea typeface="微软雅黑" panose="020B0503020204020204" pitchFamily="34" charset="-122"/>
-            </a:endParaRPr>
           </a:p>
           <a:p>
             <a:pPr algn="ctr">
@@ -19319,13 +19552,6 @@
               </a:rPr>
               <a:t>	31501309</a:t>
             </a:r>
-            <a:endParaRPr lang="en-US" altLang="zh-CN" sz="2000" dirty="0">
-              <a:solidFill>
-                <a:schemeClr val="bg1"/>
-              </a:solidFill>
-              <a:latin typeface="微软雅黑" panose="020B0503020204020204" pitchFamily="34" charset="-122"/>
-              <a:ea typeface="微软雅黑" panose="020B0503020204020204" pitchFamily="34" charset="-122"/>
-            </a:endParaRPr>
           </a:p>
           <a:p>
             <a:pPr algn="ctr">
@@ -19460,7 +19686,6 @@
               <a:rPr lang="zh-CN" altLang="en-US" sz="2600" dirty="0"/>
               <a:t>数据库设计</a:t>
             </a:r>
-            <a:endParaRPr lang="zh-CN" altLang="en-US" sz="2600" dirty="0"/>
           </a:p>
         </p:txBody>
       </p:sp>
@@ -19473,7 +19698,7 @@
           <p:nvPr/>
         </p:nvPicPr>
         <p:blipFill>
-          <a:blip r:embed="rId1"/>
+          <a:blip r:embed="rId2"/>
           <a:stretch>
             <a:fillRect/>
           </a:stretch>
@@ -19577,7 +19802,6 @@
               <a:rPr lang="zh-CN" altLang="en-US" sz="2600" dirty="0"/>
               <a:t>实体</a:t>
             </a:r>
-            <a:endParaRPr lang="zh-CN" altLang="en-US" sz="2600" dirty="0"/>
           </a:p>
         </p:txBody>
       </p:sp>
@@ -19593,7 +19817,7 @@
         </p:xfrm>
         <a:graphic>
           <a:graphicData uri="http://schemas.openxmlformats.org/drawingml/2006/diagram">
-            <dgm:relIds xmlns:dgm="http://schemas.openxmlformats.org/drawingml/2006/diagram" xmlns:r="http://schemas.openxmlformats.org/officeDocument/2006/relationships" r:dm="rId1" r:lo="rId2" r:qs="rId3" r:cs="rId4"/>
+            <dgm:relIds xmlns:dgm="http://schemas.openxmlformats.org/drawingml/2006/diagram" xmlns:r="http://schemas.openxmlformats.org/officeDocument/2006/relationships" r:dm="rId2" r:lo="rId3" r:qs="rId4" r:cs="rId5"/>
           </a:graphicData>
         </a:graphic>
       </p:graphicFrame>
@@ -19639,7 +19863,7 @@
           <p:nvPr/>
         </p:nvPicPr>
         <p:blipFill>
-          <a:blip r:embed="rId1">
+          <a:blip r:embed="rId2">
             <a:extLst>
               <a:ext uri="{28A0092B-C50C-407E-A947-70E740481C1C}">
                 <a14:useLocalDpi xmlns:a14="http://schemas.microsoft.com/office/drawing/2010/main" val="0"/>
@@ -19797,7 +20021,6 @@
               <a:rPr lang="zh-CN" altLang="en-US" sz="3600" dirty="0"/>
               <a:t>实现全局控制类，在整个游戏运行过程中只有一个实例，且随时可以调用。</a:t>
             </a:r>
-            <a:endParaRPr lang="zh-CN" altLang="en-US" sz="3600" dirty="0"/>
           </a:p>
         </p:txBody>
       </p:sp>
@@ -19939,7 +20162,7 @@
           <p:nvPr/>
         </p:nvPicPr>
         <p:blipFill>
-          <a:blip r:embed="rId1">
+          <a:blip r:embed="rId2">
             <a:extLst>
               <a:ext uri="{28A0092B-C50C-407E-A947-70E740481C1C}">
                 <a14:useLocalDpi xmlns:a14="http://schemas.microsoft.com/office/drawing/2010/main" val="0"/>
@@ -20028,7 +20251,6 @@
               <a:rPr lang="zh-CN" altLang="en-US" sz="2600"/>
               <a:t>对象池</a:t>
             </a:r>
-            <a:endParaRPr lang="zh-CN" altLang="en-US" sz="2600"/>
           </a:p>
         </p:txBody>
       </p:sp>
@@ -20170,7 +20392,7 @@
           <p:nvPr/>
         </p:nvPicPr>
         <p:blipFill>
-          <a:blip r:embed="rId1">
+          <a:blip r:embed="rId2">
             <a:extLst>
               <a:ext uri="{28A0092B-C50C-407E-A947-70E740481C1C}">
                 <a14:useLocalDpi xmlns:a14="http://schemas.microsoft.com/office/drawing/2010/main" val="0"/>
@@ -20259,7 +20481,6 @@
               <a:rPr lang="zh-CN" altLang="en-US" sz="2600"/>
               <a:t>对象池</a:t>
             </a:r>
-            <a:endParaRPr lang="zh-CN" altLang="en-US" sz="2600"/>
           </a:p>
         </p:txBody>
       </p:sp>
@@ -20301,7 +20522,6 @@
               <a:rPr lang="zh-CN" altLang="en-US" sz="3200" dirty="0"/>
               <a:t>字典</a:t>
             </a:r>
-            <a:endParaRPr lang="zh-CN" altLang="en-US" sz="3200" dirty="0"/>
           </a:p>
         </p:txBody>
       </p:sp>
@@ -20376,7 +20596,6 @@
               <a:rPr lang="zh-CN" altLang="en-US" sz="3200" dirty="0"/>
               <a:t>存储子池</a:t>
             </a:r>
-            <a:endParaRPr lang="zh-CN" altLang="en-US" sz="3200" dirty="0"/>
           </a:p>
         </p:txBody>
       </p:sp>
@@ -20453,7 +20672,6 @@
               <a:rPr lang="zh-CN" altLang="en-US" sz="3200" dirty="0"/>
               <a:t>记录</a:t>
             </a:r>
-            <a:endParaRPr lang="zh-CN" altLang="en-US" sz="3200" dirty="0"/>
           </a:p>
         </p:txBody>
       </p:sp>
@@ -20528,7 +20746,6 @@
               <a:rPr lang="zh-CN" altLang="en-US" sz="3200" dirty="0"/>
               <a:t>存储实例</a:t>
             </a:r>
-            <a:endParaRPr lang="zh-CN" altLang="en-US" sz="3200" dirty="0"/>
           </a:p>
         </p:txBody>
       </p:sp>
@@ -20700,7 +20917,6 @@
               <a:rPr lang="zh-CN" altLang="en-US" sz="3200" dirty="0"/>
               <a:t>对象池</a:t>
             </a:r>
-            <a:endParaRPr lang="zh-CN" altLang="en-US" sz="3200" dirty="0"/>
           </a:p>
         </p:txBody>
       </p:sp>
@@ -20742,7 +20958,6 @@
               <a:rPr lang="zh-CN" altLang="en-US" sz="3200" dirty="0"/>
               <a:t>实体工厂</a:t>
             </a:r>
-            <a:endParaRPr lang="zh-CN" altLang="en-US" sz="3200" dirty="0"/>
           </a:p>
         </p:txBody>
       </p:sp>
@@ -20784,7 +20999,6 @@
               <a:rPr lang="zh-CN" altLang="en-US" sz="3200" dirty="0"/>
               <a:t>游戏主类</a:t>
             </a:r>
-            <a:endParaRPr lang="zh-CN" altLang="en-US" sz="3200" dirty="0"/>
           </a:p>
         </p:txBody>
       </p:sp>
@@ -20826,7 +21040,6 @@
               <a:rPr lang="zh-CN" altLang="en-US" sz="3200" dirty="0"/>
               <a:t>场景主类</a:t>
             </a:r>
-            <a:endParaRPr lang="zh-CN" altLang="en-US" sz="3200" dirty="0"/>
           </a:p>
         </p:txBody>
       </p:sp>
@@ -20868,7 +21081,6 @@
               <a:rPr lang="zh-CN" altLang="en-US" sz="3200" dirty="0"/>
               <a:t>关卡资源</a:t>
             </a:r>
-            <a:endParaRPr lang="zh-CN" altLang="en-US" sz="3200" dirty="0"/>
           </a:p>
         </p:txBody>
       </p:sp>
@@ -20910,7 +21122,6 @@
               <a:rPr lang="zh-CN" altLang="en-US" sz="3200" dirty="0"/>
               <a:t>实例化</a:t>
             </a:r>
-            <a:endParaRPr lang="zh-CN" altLang="en-US" sz="3200" dirty="0"/>
           </a:p>
         </p:txBody>
       </p:sp>
@@ -21128,7 +21339,7 @@
           <p:nvPr/>
         </p:nvPicPr>
         <p:blipFill>
-          <a:blip r:embed="rId1"/>
+          <a:blip r:embed="rId2"/>
           <a:stretch>
             <a:fillRect/>
           </a:stretch>
@@ -22302,19 +22513,6 @@
               </a:rPr>
               <a:t>记录订阅者列表</a:t>
             </a:r>
-            <a:endParaRPr lang="zh-CN" altLang="en-US" sz="2400" b="1" dirty="0">
-              <a:ln w="0"/>
-              <a:solidFill>
-                <a:schemeClr val="tx1"/>
-              </a:solidFill>
-              <a:effectLst>
-                <a:outerShdw blurRad="38100" dist="19050" dir="2700000" algn="tl" rotWithShape="0">
-                  <a:schemeClr val="dk1">
-                    <a:alpha val="40000"/>
-                  </a:schemeClr>
-                </a:outerShdw>
-              </a:effectLst>
-            </a:endParaRPr>
           </a:p>
         </p:txBody>
       </p:sp>
@@ -22352,7 +22550,7 @@
           <p:nvPr/>
         </p:nvPicPr>
         <p:blipFill>
-          <a:blip r:embed="rId1">
+          <a:blip r:embed="rId3">
             <a:extLst>
               <a:ext uri="{28A0092B-C50C-407E-A947-70E740481C1C}">
                 <a14:useLocalDpi xmlns:a14="http://schemas.microsoft.com/office/drawing/2010/main" val="0"/>
@@ -22405,13 +22603,6 @@
               </a:rPr>
               <a:t>谢谢</a:t>
             </a:r>
-            <a:endParaRPr lang="zh-CN" altLang="en-US" sz="8000" dirty="0">
-              <a:solidFill>
-                <a:schemeClr val="bg1"/>
-              </a:solidFill>
-              <a:latin typeface="微软雅黑" panose="020B0503020204020204" pitchFamily="34" charset="-122"/>
-              <a:ea typeface="微软雅黑" panose="020B0503020204020204" pitchFamily="34" charset="-122"/>
-            </a:endParaRPr>
           </a:p>
         </p:txBody>
       </p:sp>
@@ -22576,13 +22767,6 @@
               </a:rPr>
               <a:t>分</a:t>
             </a:r>
-            <a:endParaRPr lang="zh-CN" altLang="en-US" sz="2000" dirty="0">
-              <a:solidFill>
-                <a:schemeClr val="bg1"/>
-              </a:solidFill>
-              <a:latin typeface="微软雅黑" panose="020B0503020204020204" pitchFamily="34" charset="-122"/>
-              <a:ea typeface="微软雅黑" panose="020B0503020204020204" pitchFamily="34" charset="-122"/>
-            </a:endParaRPr>
           </a:p>
         </p:txBody>
       </p:sp>
@@ -22623,7 +22807,7 @@
         </p:xfrm>
         <a:graphic>
           <a:graphicData uri="http://schemas.openxmlformats.org/drawingml/2006/diagram">
-            <dgm:relIds xmlns:dgm="http://schemas.openxmlformats.org/drawingml/2006/diagram" xmlns:r="http://schemas.openxmlformats.org/officeDocument/2006/relationships" r:dm="rId1" r:lo="rId2" r:qs="rId3" r:cs="rId4"/>
+            <dgm:relIds xmlns:dgm="http://schemas.openxmlformats.org/drawingml/2006/diagram" xmlns:r="http://schemas.openxmlformats.org/officeDocument/2006/relationships" r:dm="rId2" r:lo="rId3" r:qs="rId4" r:cs="rId5"/>
           </a:graphicData>
         </a:graphic>
       </p:graphicFrame>
@@ -22716,7 +22900,6 @@
               <a:rPr lang="zh-CN" altLang="en-US" sz="2600" dirty="0"/>
               <a:t>总体说明</a:t>
             </a:r>
-            <a:endParaRPr lang="zh-CN" altLang="en-US" sz="2600" dirty="0"/>
           </a:p>
         </p:txBody>
       </p:sp>
@@ -22764,11 +22947,6 @@
               </a:rPr>
               <a:t>界面</a:t>
             </a:r>
-            <a:endParaRPr lang="zh-CN" altLang="en-US" sz="4800" dirty="0">
-              <a:solidFill>
-                <a:schemeClr val="tx1"/>
-              </a:solidFill>
-            </a:endParaRPr>
           </a:p>
         </p:txBody>
       </p:sp>
@@ -22816,11 +22994,6 @@
               </a:rPr>
               <a:t>控制</a:t>
             </a:r>
-            <a:endParaRPr lang="zh-CN" altLang="en-US" sz="4800" dirty="0">
-              <a:solidFill>
-                <a:schemeClr val="tx1"/>
-              </a:solidFill>
-            </a:endParaRPr>
           </a:p>
         </p:txBody>
       </p:sp>
@@ -22868,11 +23041,6 @@
               </a:rPr>
               <a:t>实体</a:t>
             </a:r>
-            <a:endParaRPr lang="zh-CN" altLang="en-US" sz="4800" dirty="0">
-              <a:solidFill>
-                <a:schemeClr val="tx1"/>
-              </a:solidFill>
-            </a:endParaRPr>
           </a:p>
         </p:txBody>
       </p:sp>
@@ -22965,7 +23133,6 @@
               <a:rPr lang="zh-CN" altLang="en-US" sz="2600" dirty="0"/>
               <a:t>总体说明</a:t>
             </a:r>
-            <a:endParaRPr lang="zh-CN" altLang="en-US" sz="2600" dirty="0"/>
           </a:p>
         </p:txBody>
       </p:sp>
@@ -22978,7 +23145,7 @@
           <p:nvPr/>
         </p:nvPicPr>
         <p:blipFill>
-          <a:blip r:embed="rId1"/>
+          <a:blip r:embed="rId2"/>
           <a:stretch>
             <a:fillRect/>
           </a:stretch>
@@ -23013,12 +23180,12 @@
           <a:bodyPr wrap="square" rtlCol="0">
             <a:spAutoFit/>
           </a:bodyPr>
+          <a:lstStyle/>
           <a:p>
             <a:r>
               <a:rPr lang="zh-CN" altLang="en-US" sz="4000"/>
               <a:t>业务流程图</a:t>
             </a:r>
-            <a:endParaRPr lang="zh-CN" altLang="en-US" sz="4000"/>
           </a:p>
         </p:txBody>
       </p:sp>
@@ -23111,7 +23278,6 @@
               <a:rPr lang="zh-CN" altLang="en-US" sz="2600" dirty="0"/>
               <a:t>总体说明</a:t>
             </a:r>
-            <a:endParaRPr lang="zh-CN" altLang="en-US" sz="2600" dirty="0"/>
           </a:p>
         </p:txBody>
       </p:sp>
@@ -23124,7 +23290,7 @@
           <p:nvPr/>
         </p:nvPicPr>
         <p:blipFill>
-          <a:blip r:embed="rId1"/>
+          <a:blip r:embed="rId2"/>
           <a:stretch>
             <a:fillRect/>
           </a:stretch>
@@ -23159,6 +23325,7 @@
           <a:bodyPr wrap="square" rtlCol="0">
             <a:spAutoFit/>
           </a:bodyPr>
+          <a:lstStyle/>
           <a:p>
             <a:r>
               <a:rPr lang="en-US" altLang="zh-CN" sz="4000"/>
@@ -23168,7 +23335,6 @@
               <a:rPr lang="zh-CN" altLang="en-US" sz="4000"/>
               <a:t>图</a:t>
             </a:r>
-            <a:endParaRPr lang="zh-CN" altLang="en-US" sz="4000"/>
           </a:p>
         </p:txBody>
       </p:sp>
@@ -23261,7 +23427,6 @@
               <a:rPr lang="zh-CN" altLang="en-US" sz="2600" dirty="0"/>
               <a:t>界面</a:t>
             </a:r>
-            <a:endParaRPr lang="zh-CN" altLang="en-US" sz="2600" dirty="0"/>
           </a:p>
         </p:txBody>
       </p:sp>
@@ -23269,7 +23434,13 @@
         <p:nvGraphicFramePr>
           <p:cNvPr id="4" name="图示 3"/>
           <p:cNvGraphicFramePr/>
-          <p:nvPr/>
+          <p:nvPr>
+            <p:extLst>
+              <p:ext uri="{D42A27DB-BD31-4B8C-83A1-F6EECF244321}">
+                <p14:modId xmlns:p14="http://schemas.microsoft.com/office/powerpoint/2010/main" val="2532161899"/>
+              </p:ext>
+            </p:extLst>
+          </p:nvPr>
         </p:nvGraphicFramePr>
         <p:xfrm>
           <a:off x="2021108" y="744166"/>
@@ -23277,7 +23448,7 @@
         </p:xfrm>
         <a:graphic>
           <a:graphicData uri="http://schemas.openxmlformats.org/drawingml/2006/diagram">
-            <dgm:relIds xmlns:dgm="http://schemas.openxmlformats.org/drawingml/2006/diagram" xmlns:r="http://schemas.openxmlformats.org/officeDocument/2006/relationships" r:dm="rId1" r:lo="rId2" r:qs="rId3" r:cs="rId4"/>
+            <dgm:relIds xmlns:dgm="http://schemas.openxmlformats.org/drawingml/2006/diagram" xmlns:r="http://schemas.openxmlformats.org/officeDocument/2006/relationships" r:dm="rId2" r:lo="rId3" r:qs="rId4" r:cs="rId5"/>
           </a:graphicData>
         </a:graphic>
       </p:graphicFrame>
@@ -23370,7 +23541,6 @@
               <a:rPr lang="zh-CN" altLang="en-US" sz="2600" dirty="0"/>
               <a:t>实体</a:t>
             </a:r>
-            <a:endParaRPr lang="zh-CN" altLang="en-US" sz="2600" dirty="0"/>
           </a:p>
         </p:txBody>
       </p:sp>
@@ -23418,11 +23588,6 @@
               </a:rPr>
               <a:t>防御塔</a:t>
             </a:r>
-            <a:endParaRPr lang="zh-CN" altLang="en-US" sz="4800" dirty="0">
-              <a:solidFill>
-                <a:schemeClr val="tx1"/>
-              </a:solidFill>
-            </a:endParaRPr>
           </a:p>
         </p:txBody>
       </p:sp>
@@ -23470,11 +23635,6 @@
               </a:rPr>
               <a:t>怪兽</a:t>
             </a:r>
-            <a:endParaRPr lang="zh-CN" altLang="en-US" sz="4800" dirty="0">
-              <a:solidFill>
-                <a:schemeClr val="tx1"/>
-              </a:solidFill>
-            </a:endParaRPr>
           </a:p>
         </p:txBody>
       </p:sp>
@@ -23627,7 +23787,6 @@
               <a:rPr lang="zh-CN" altLang="en-US" sz="2600" dirty="0"/>
               <a:t>算法</a:t>
             </a:r>
-            <a:endParaRPr lang="zh-CN" altLang="en-US" sz="2600" dirty="0"/>
           </a:p>
         </p:txBody>
       </p:sp>
@@ -23651,12 +23810,12 @@
           <a:bodyPr wrap="square" rtlCol="0">
             <a:spAutoFit/>
           </a:bodyPr>
+          <a:lstStyle/>
           <a:p>
             <a:r>
               <a:rPr lang="zh-CN" altLang="en-US" sz="4800"/>
               <a:t>判断怪物是否进入射程的算法</a:t>
             </a:r>
-            <a:endParaRPr lang="zh-CN" altLang="en-US" sz="4800"/>
           </a:p>
           <a:p>
             <a:r>
@@ -23667,7 +23826,6 @@
               <a:rPr lang="zh-CN" altLang="en-US" sz="2800"/>
               <a:t>对于每个（处于攻击状态的）防御塔，对于锁定怪物的现在状态进行判断：</a:t>
             </a:r>
-            <a:endParaRPr lang="zh-CN" altLang="en-US" sz="2800"/>
           </a:p>
           <a:p>
             <a:r>
@@ -23678,7 +23836,6 @@
               <a:rPr lang="zh-CN" altLang="en-US" sz="2800"/>
               <a:t>1.怪物仍然存活，则计算进入本帧时与锁定怪物的距离，如果大于该防御塔的攻击范围，则将该防御塔变为静止状态。</a:t>
             </a:r>
-            <a:endParaRPr lang="zh-CN" altLang="en-US" sz="2800"/>
           </a:p>
           <a:p>
             <a:r>
@@ -23693,7 +23850,6 @@
               <a:rPr lang="zh-CN" altLang="en-US" sz="2800"/>
               <a:t>2.怪物已经死亡（被移除）。则解除锁定，该防御塔直接进入静止状态</a:t>
             </a:r>
-            <a:endParaRPr lang="zh-CN" altLang="en-US" sz="2800"/>
           </a:p>
           <a:p>
             <a:r>
@@ -23704,7 +23860,6 @@
               <a:rPr lang="zh-CN" altLang="en-US" sz="2800"/>
               <a:t>上述算法执行后，再次对于每个（处于静止状态的）防御塔，</a:t>
             </a:r>
-            <a:endParaRPr lang="zh-CN" altLang="en-US" sz="2800"/>
           </a:p>
           <a:p>
             <a:r>
@@ -23715,7 +23870,6 @@
               <a:rPr lang="zh-CN" altLang="en-US" sz="2800"/>
               <a:t>1.计算进入本帧时与所有怪物之间的距离（平面欧几里得距离）是否小于该防御塔的攻击范围，如果判断成功，防御塔锁定该怪物，并进入攻击状态。</a:t>
             </a:r>
-            <a:endParaRPr lang="zh-CN" altLang="en-US" sz="2800"/>
           </a:p>
           <a:p>
             <a:r>
@@ -23823,7 +23977,6 @@
               <a:rPr lang="zh-CN" altLang="en-US" sz="2600" dirty="0"/>
               <a:t>算法</a:t>
             </a:r>
-            <a:endParaRPr lang="zh-CN" altLang="en-US" sz="2600" dirty="0"/>
           </a:p>
         </p:txBody>
       </p:sp>
@@ -23847,12 +24000,12 @@
           <a:bodyPr wrap="square" rtlCol="0">
             <a:spAutoFit/>
           </a:bodyPr>
+          <a:lstStyle/>
           <a:p>
             <a:r>
               <a:rPr lang="zh-CN" altLang="en-US" sz="4800"/>
               <a:t>怪物自动寻路算法：</a:t>
             </a:r>
-            <a:endParaRPr lang="zh-CN" altLang="en-US" sz="4800"/>
           </a:p>
           <a:p>
             <a:r>
@@ -23863,7 +24016,6 @@
               <a:rPr lang="zh-CN" altLang="en-US" sz="3200"/>
               <a:t>1.采用SPFA最短路径搜索算法，该算法应用于完成布局后求出每个坐标距离终点的距离，怪物总是向四周距离最短的那个格子移动。</a:t>
             </a:r>
-            <a:endParaRPr lang="zh-CN" altLang="en-US" sz="3200"/>
           </a:p>
           <a:p>
             <a:r>
@@ -23878,7 +24030,6 @@
               <a:rPr lang="zh-CN" altLang="en-US" sz="3200"/>
               <a:t>2.采用A*期望最小路径算法，此算法效率比较高，利用估价函数来控制怪物前进方向，但有一定几率会选择非最优策略，在1算法效率无法接受时可以采用该算法。</a:t>
             </a:r>
-            <a:endParaRPr lang="zh-CN" altLang="en-US" sz="3200"/>
           </a:p>
         </p:txBody>
       </p:sp>
@@ -24141,6 +24292,8 @@
       </a:bgFillStyleLst>
     </a:fmtScheme>
   </a:themeElements>
+  <a:objectDefaults/>
+  <a:extraClrSchemeLst/>
   <a:extLst>
     <a:ext uri="{05A4C25C-085E-4340-85A3-A5531E510DB2}">
       <thm15:themeFamily xmlns:thm15="http://schemas.microsoft.com/office/thememl/2012/main" name="Office Theme" id="{62F939B6-93AF-4DB8-9C6B-D6C7DFDC589F}" vid="{4A3C46E8-61CC-4603-A589-7422A47A8E4A}"/>
@@ -24400,6 +24553,8 @@
       </a:bgFillStyleLst>
     </a:fmtScheme>
   </a:themeElements>
+  <a:objectDefaults/>
+  <a:extraClrSchemeLst/>
   <a:extLst>
     <a:ext uri="{05A4C25C-085E-4340-85A3-A5531E510DB2}">
       <thm15:themeFamily xmlns:thm15="http://schemas.microsoft.com/office/thememl/2012/main" name="Office Theme" id="{62F939B6-93AF-4DB8-9C6B-D6C7DFDC589F}" vid="{4A3C46E8-61CC-4603-A589-7422A47A8E4A}"/>
@@ -24659,6 +24814,8 @@
       </a:bgFillStyleLst>
     </a:fmtScheme>
   </a:themeElements>
+  <a:objectDefaults/>
+  <a:extraClrSchemeLst/>
   <a:extLst>
     <a:ext uri="{05A4C25C-085E-4340-85A3-A5531E510DB2}">
       <thm15:themeFamily xmlns:thm15="http://schemas.microsoft.com/office/thememl/2012/main" name="Office Theme" id="{62F939B6-93AF-4DB8-9C6B-D6C7DFDC589F}" vid="{4A3C46E8-61CC-4603-A589-7422A47A8E4A}"/>
